--- a/docs/CenSync - Présentation Fil Rouge.pptx
+++ b/docs/CenSync - Présentation Fil Rouge.pptx
@@ -378,104 +378,239 @@
             <a:noAutofit/>
           </a:bodyPr>
           <a:lstStyle>
-            <a:lvl1pPr indent="-298450" lvl="0" marL="457200">
-              <a:spcBef>
-                <a:spcPts val="0"/>
-              </a:spcBef>
-              <a:spcAft>
-                <a:spcPts val="0"/>
-              </a:spcAft>
+            <a:lvl1pPr indent="-298450" lvl="0" marL="457200" marR="0" rtl="0" algn="l">
+              <a:lnSpc>
+                <a:spcPct val="100000"/>
+              </a:lnSpc>
+              <a:spcBef>
+                <a:spcPts val="0"/>
+              </a:spcBef>
+              <a:spcAft>
+                <a:spcPts val="0"/>
+              </a:spcAft>
+              <a:buClr>
+                <a:srgbClr val="000000"/>
+              </a:buClr>
               <a:buSzPts val="1100"/>
+              <a:buFont typeface="Arial"/>
               <a:buChar char="●"/>
-              <a:defRPr sz="1100"/>
+              <a:defRPr b="0" i="0" sz="1100" u="none" cap="none" strike="noStrike">
+                <a:solidFill>
+                  <a:srgbClr val="000000"/>
+                </a:solidFill>
+                <a:latin typeface="Arial"/>
+                <a:ea typeface="Arial"/>
+                <a:cs typeface="Arial"/>
+                <a:sym typeface="Arial"/>
+              </a:defRPr>
             </a:lvl1pPr>
-            <a:lvl2pPr indent="-298450" lvl="1" marL="914400">
-              <a:spcBef>
-                <a:spcPts val="0"/>
-              </a:spcBef>
-              <a:spcAft>
-                <a:spcPts val="0"/>
-              </a:spcAft>
+            <a:lvl2pPr indent="-298450" lvl="1" marL="914400" marR="0" rtl="0" algn="l">
+              <a:lnSpc>
+                <a:spcPct val="100000"/>
+              </a:lnSpc>
+              <a:spcBef>
+                <a:spcPts val="0"/>
+              </a:spcBef>
+              <a:spcAft>
+                <a:spcPts val="0"/>
+              </a:spcAft>
+              <a:buClr>
+                <a:srgbClr val="000000"/>
+              </a:buClr>
               <a:buSzPts val="1100"/>
+              <a:buFont typeface="Arial"/>
               <a:buChar char="○"/>
-              <a:defRPr sz="1100"/>
+              <a:defRPr b="0" i="0" sz="1100" u="none" cap="none" strike="noStrike">
+                <a:solidFill>
+                  <a:srgbClr val="000000"/>
+                </a:solidFill>
+                <a:latin typeface="Arial"/>
+                <a:ea typeface="Arial"/>
+                <a:cs typeface="Arial"/>
+                <a:sym typeface="Arial"/>
+              </a:defRPr>
             </a:lvl2pPr>
-            <a:lvl3pPr indent="-298450" lvl="2" marL="1371600">
-              <a:spcBef>
-                <a:spcPts val="0"/>
-              </a:spcBef>
-              <a:spcAft>
-                <a:spcPts val="0"/>
-              </a:spcAft>
+            <a:lvl3pPr indent="-298450" lvl="2" marL="1371600" marR="0" rtl="0" algn="l">
+              <a:lnSpc>
+                <a:spcPct val="100000"/>
+              </a:lnSpc>
+              <a:spcBef>
+                <a:spcPts val="0"/>
+              </a:spcBef>
+              <a:spcAft>
+                <a:spcPts val="0"/>
+              </a:spcAft>
+              <a:buClr>
+                <a:srgbClr val="000000"/>
+              </a:buClr>
               <a:buSzPts val="1100"/>
+              <a:buFont typeface="Arial"/>
               <a:buChar char="■"/>
-              <a:defRPr sz="1100"/>
+              <a:defRPr b="0" i="0" sz="1100" u="none" cap="none" strike="noStrike">
+                <a:solidFill>
+                  <a:srgbClr val="000000"/>
+                </a:solidFill>
+                <a:latin typeface="Arial"/>
+                <a:ea typeface="Arial"/>
+                <a:cs typeface="Arial"/>
+                <a:sym typeface="Arial"/>
+              </a:defRPr>
             </a:lvl3pPr>
-            <a:lvl4pPr indent="-298450" lvl="3" marL="1828800">
-              <a:spcBef>
-                <a:spcPts val="0"/>
-              </a:spcBef>
-              <a:spcAft>
-                <a:spcPts val="0"/>
-              </a:spcAft>
+            <a:lvl4pPr indent="-298450" lvl="3" marL="1828800" marR="0" rtl="0" algn="l">
+              <a:lnSpc>
+                <a:spcPct val="100000"/>
+              </a:lnSpc>
+              <a:spcBef>
+                <a:spcPts val="0"/>
+              </a:spcBef>
+              <a:spcAft>
+                <a:spcPts val="0"/>
+              </a:spcAft>
+              <a:buClr>
+                <a:srgbClr val="000000"/>
+              </a:buClr>
               <a:buSzPts val="1100"/>
+              <a:buFont typeface="Arial"/>
               <a:buChar char="●"/>
-              <a:defRPr sz="1100"/>
+              <a:defRPr b="0" i="0" sz="1100" u="none" cap="none" strike="noStrike">
+                <a:solidFill>
+                  <a:srgbClr val="000000"/>
+                </a:solidFill>
+                <a:latin typeface="Arial"/>
+                <a:ea typeface="Arial"/>
+                <a:cs typeface="Arial"/>
+                <a:sym typeface="Arial"/>
+              </a:defRPr>
             </a:lvl4pPr>
-            <a:lvl5pPr indent="-298450" lvl="4" marL="2286000">
-              <a:spcBef>
-                <a:spcPts val="0"/>
-              </a:spcBef>
-              <a:spcAft>
-                <a:spcPts val="0"/>
-              </a:spcAft>
+            <a:lvl5pPr indent="-298450" lvl="4" marL="2286000" marR="0" rtl="0" algn="l">
+              <a:lnSpc>
+                <a:spcPct val="100000"/>
+              </a:lnSpc>
+              <a:spcBef>
+                <a:spcPts val="0"/>
+              </a:spcBef>
+              <a:spcAft>
+                <a:spcPts val="0"/>
+              </a:spcAft>
+              <a:buClr>
+                <a:srgbClr val="000000"/>
+              </a:buClr>
               <a:buSzPts val="1100"/>
+              <a:buFont typeface="Arial"/>
               <a:buChar char="○"/>
-              <a:defRPr sz="1100"/>
+              <a:defRPr b="0" i="0" sz="1100" u="none" cap="none" strike="noStrike">
+                <a:solidFill>
+                  <a:srgbClr val="000000"/>
+                </a:solidFill>
+                <a:latin typeface="Arial"/>
+                <a:ea typeface="Arial"/>
+                <a:cs typeface="Arial"/>
+                <a:sym typeface="Arial"/>
+              </a:defRPr>
             </a:lvl5pPr>
-            <a:lvl6pPr indent="-298450" lvl="5" marL="2743200">
-              <a:spcBef>
-                <a:spcPts val="0"/>
-              </a:spcBef>
-              <a:spcAft>
-                <a:spcPts val="0"/>
-              </a:spcAft>
+            <a:lvl6pPr indent="-298450" lvl="5" marL="2743200" marR="0" rtl="0" algn="l">
+              <a:lnSpc>
+                <a:spcPct val="100000"/>
+              </a:lnSpc>
+              <a:spcBef>
+                <a:spcPts val="0"/>
+              </a:spcBef>
+              <a:spcAft>
+                <a:spcPts val="0"/>
+              </a:spcAft>
+              <a:buClr>
+                <a:srgbClr val="000000"/>
+              </a:buClr>
               <a:buSzPts val="1100"/>
+              <a:buFont typeface="Arial"/>
               <a:buChar char="■"/>
-              <a:defRPr sz="1100"/>
+              <a:defRPr b="0" i="0" sz="1100" u="none" cap="none" strike="noStrike">
+                <a:solidFill>
+                  <a:srgbClr val="000000"/>
+                </a:solidFill>
+                <a:latin typeface="Arial"/>
+                <a:ea typeface="Arial"/>
+                <a:cs typeface="Arial"/>
+                <a:sym typeface="Arial"/>
+              </a:defRPr>
             </a:lvl6pPr>
-            <a:lvl7pPr indent="-298450" lvl="6" marL="3200400">
-              <a:spcBef>
-                <a:spcPts val="0"/>
-              </a:spcBef>
-              <a:spcAft>
-                <a:spcPts val="0"/>
-              </a:spcAft>
+            <a:lvl7pPr indent="-298450" lvl="6" marL="3200400" marR="0" rtl="0" algn="l">
+              <a:lnSpc>
+                <a:spcPct val="100000"/>
+              </a:lnSpc>
+              <a:spcBef>
+                <a:spcPts val="0"/>
+              </a:spcBef>
+              <a:spcAft>
+                <a:spcPts val="0"/>
+              </a:spcAft>
+              <a:buClr>
+                <a:srgbClr val="000000"/>
+              </a:buClr>
               <a:buSzPts val="1100"/>
+              <a:buFont typeface="Arial"/>
               <a:buChar char="●"/>
-              <a:defRPr sz="1100"/>
+              <a:defRPr b="0" i="0" sz="1100" u="none" cap="none" strike="noStrike">
+                <a:solidFill>
+                  <a:srgbClr val="000000"/>
+                </a:solidFill>
+                <a:latin typeface="Arial"/>
+                <a:ea typeface="Arial"/>
+                <a:cs typeface="Arial"/>
+                <a:sym typeface="Arial"/>
+              </a:defRPr>
             </a:lvl7pPr>
-            <a:lvl8pPr indent="-298450" lvl="7" marL="3657600">
-              <a:spcBef>
-                <a:spcPts val="0"/>
-              </a:spcBef>
-              <a:spcAft>
-                <a:spcPts val="0"/>
-              </a:spcAft>
+            <a:lvl8pPr indent="-298450" lvl="7" marL="3657600" marR="0" rtl="0" algn="l">
+              <a:lnSpc>
+                <a:spcPct val="100000"/>
+              </a:lnSpc>
+              <a:spcBef>
+                <a:spcPts val="0"/>
+              </a:spcBef>
+              <a:spcAft>
+                <a:spcPts val="0"/>
+              </a:spcAft>
+              <a:buClr>
+                <a:srgbClr val="000000"/>
+              </a:buClr>
               <a:buSzPts val="1100"/>
+              <a:buFont typeface="Arial"/>
               <a:buChar char="○"/>
-              <a:defRPr sz="1100"/>
+              <a:defRPr b="0" i="0" sz="1100" u="none" cap="none" strike="noStrike">
+                <a:solidFill>
+                  <a:srgbClr val="000000"/>
+                </a:solidFill>
+                <a:latin typeface="Arial"/>
+                <a:ea typeface="Arial"/>
+                <a:cs typeface="Arial"/>
+                <a:sym typeface="Arial"/>
+              </a:defRPr>
             </a:lvl8pPr>
-            <a:lvl9pPr indent="-298450" lvl="8" marL="4114800">
-              <a:spcBef>
-                <a:spcPts val="0"/>
-              </a:spcBef>
-              <a:spcAft>
-                <a:spcPts val="0"/>
-              </a:spcAft>
+            <a:lvl9pPr indent="-298450" lvl="8" marL="4114800" marR="0" rtl="0" algn="l">
+              <a:lnSpc>
+                <a:spcPct val="100000"/>
+              </a:lnSpc>
+              <a:spcBef>
+                <a:spcPts val="0"/>
+              </a:spcBef>
+              <a:spcAft>
+                <a:spcPts val="0"/>
+              </a:spcAft>
+              <a:buClr>
+                <a:srgbClr val="000000"/>
+              </a:buClr>
               <a:buSzPts val="1100"/>
+              <a:buFont typeface="Arial"/>
               <a:buChar char="■"/>
-              <a:defRPr sz="1100"/>
+              <a:defRPr b="0" i="0" sz="1100" u="none" cap="none" strike="noStrike">
+                <a:solidFill>
+                  <a:srgbClr val="000000"/>
+                </a:solidFill>
+                <a:latin typeface="Arial"/>
+                <a:ea typeface="Arial"/>
+                <a:cs typeface="Arial"/>
+                <a:sym typeface="Arial"/>
+              </a:defRPr>
             </a:lvl9pPr>
           </a:lstStyle>
           <a:p/>
@@ -735,7 +870,7 @@
       </p:grpSpPr>
       <p:sp>
         <p:nvSpPr>
-          <p:cNvPr id="51" name="Google Shape;51;p:notes"/>
+          <p:cNvPr id="51" name="Google Shape;51;p1:notes"/>
           <p:cNvSpPr/>
           <p:nvPr>
             <p:ph idx="2" type="sldImg"/>
@@ -766,11 +901,21 @@
               </a:path>
             </a:pathLst>
           </a:custGeom>
+          <a:noFill/>
+          <a:ln cap="flat" cmpd="sng" w="9525">
+            <a:solidFill>
+              <a:srgbClr val="000000"/>
+            </a:solidFill>
+            <a:prstDash val="solid"/>
+            <a:round/>
+            <a:headEnd len="sm" w="sm" type="none"/>
+            <a:tailEnd len="sm" w="sm" type="none"/>
+          </a:ln>
         </p:spPr>
       </p:sp>
       <p:sp>
         <p:nvSpPr>
-          <p:cNvPr id="52" name="Google Shape;52;p:notes"/>
+          <p:cNvPr id="52" name="Google Shape;52;p1:notes"/>
           <p:cNvSpPr txBox="1"/>
           <p:nvPr>
             <p:ph idx="1" type="body"/>
@@ -784,6 +929,10 @@
           <a:prstGeom prst="rect">
             <a:avLst/>
           </a:prstGeom>
+          <a:noFill/>
+          <a:ln>
+            <a:noFill/>
+          </a:ln>
         </p:spPr>
         <p:txBody>
           <a:bodyPr anchorCtr="0" anchor="t" bIns="91425" lIns="91425" spcFirstLastPara="1" rIns="91425" wrap="square" tIns="91425">
@@ -792,12 +941,16 @@
           <a:lstStyle/>
           <a:p>
             <a:pPr indent="0" lvl="0" marL="0" rtl="0" algn="l">
-              <a:spcBef>
-                <a:spcPts val="0"/>
-              </a:spcBef>
-              <a:spcAft>
-                <a:spcPts val="0"/>
-              </a:spcAft>
+              <a:lnSpc>
+                <a:spcPct val="100000"/>
+              </a:lnSpc>
+              <a:spcBef>
+                <a:spcPts val="0"/>
+              </a:spcBef>
+              <a:spcAft>
+                <a:spcPts val="0"/>
+              </a:spcAft>
+              <a:buSzPts val="1100"/>
               <a:buNone/>
             </a:pPr>
             <a:r>
@@ -834,7 +987,7 @@
       </p:grpSpPr>
       <p:sp>
         <p:nvSpPr>
-          <p:cNvPr id="139" name="Google Shape;139;ge956c0cad5_0_183:notes"/>
+          <p:cNvPr id="139" name="Google Shape;139;p10:notes"/>
           <p:cNvSpPr/>
           <p:nvPr>
             <p:ph idx="2" type="sldImg"/>
@@ -865,11 +1018,21 @@
               </a:path>
             </a:pathLst>
           </a:custGeom>
+          <a:noFill/>
+          <a:ln cap="flat" cmpd="sng" w="9525">
+            <a:solidFill>
+              <a:srgbClr val="000000"/>
+            </a:solidFill>
+            <a:prstDash val="solid"/>
+            <a:round/>
+            <a:headEnd len="sm" w="sm" type="none"/>
+            <a:tailEnd len="sm" w="sm" type="none"/>
+          </a:ln>
         </p:spPr>
       </p:sp>
       <p:sp>
         <p:nvSpPr>
-          <p:cNvPr id="140" name="Google Shape;140;ge956c0cad5_0_183:notes"/>
+          <p:cNvPr id="140" name="Google Shape;140;p10:notes"/>
           <p:cNvSpPr txBox="1"/>
           <p:nvPr>
             <p:ph idx="1" type="body"/>
@@ -883,6 +1046,10 @@
           <a:prstGeom prst="rect">
             <a:avLst/>
           </a:prstGeom>
+          <a:noFill/>
+          <a:ln>
+            <a:noFill/>
+          </a:ln>
         </p:spPr>
         <p:txBody>
           <a:bodyPr anchorCtr="0" anchor="t" bIns="91425" lIns="91425" spcFirstLastPara="1" rIns="91425" wrap="square" tIns="91425">
@@ -900,6 +1067,7 @@
               <a:spcAft>
                 <a:spcPts val="0"/>
               </a:spcAft>
+              <a:buSzPts val="1100"/>
               <a:buNone/>
             </a:pPr>
             <a:r>
@@ -936,7 +1104,7 @@
       </p:grpSpPr>
       <p:sp>
         <p:nvSpPr>
-          <p:cNvPr id="147" name="Google Shape;147;ge956c0cad5_0_148:notes"/>
+          <p:cNvPr id="147" name="Google Shape;147;p11:notes"/>
           <p:cNvSpPr/>
           <p:nvPr>
             <p:ph idx="2" type="sldImg"/>
@@ -967,11 +1135,21 @@
               </a:path>
             </a:pathLst>
           </a:custGeom>
+          <a:noFill/>
+          <a:ln cap="flat" cmpd="sng" w="9525">
+            <a:solidFill>
+              <a:srgbClr val="000000"/>
+            </a:solidFill>
+            <a:prstDash val="solid"/>
+            <a:round/>
+            <a:headEnd len="sm" w="sm" type="none"/>
+            <a:tailEnd len="sm" w="sm" type="none"/>
+          </a:ln>
         </p:spPr>
       </p:sp>
       <p:sp>
         <p:nvSpPr>
-          <p:cNvPr id="148" name="Google Shape;148;ge956c0cad5_0_148:notes"/>
+          <p:cNvPr id="148" name="Google Shape;148;p11:notes"/>
           <p:cNvSpPr txBox="1"/>
           <p:nvPr>
             <p:ph idx="1" type="body"/>
@@ -985,6 +1163,10 @@
           <a:prstGeom prst="rect">
             <a:avLst/>
           </a:prstGeom>
+          <a:noFill/>
+          <a:ln>
+            <a:noFill/>
+          </a:ln>
         </p:spPr>
         <p:txBody>
           <a:bodyPr anchorCtr="0" anchor="t" bIns="91425" lIns="91425" spcFirstLastPara="1" rIns="91425" wrap="square" tIns="91425">
@@ -1002,6 +1184,7 @@
               <a:spcAft>
                 <a:spcPts val="0"/>
               </a:spcAft>
+              <a:buSzPts val="1100"/>
               <a:buNone/>
             </a:pPr>
             <a:r>
@@ -1038,7 +1221,7 @@
       </p:grpSpPr>
       <p:sp>
         <p:nvSpPr>
-          <p:cNvPr id="155" name="Google Shape;155;ge956c0cad5_0_118:notes"/>
+          <p:cNvPr id="155" name="Google Shape;155;p12:notes"/>
           <p:cNvSpPr/>
           <p:nvPr>
             <p:ph idx="2" type="sldImg"/>
@@ -1069,11 +1252,21 @@
               </a:path>
             </a:pathLst>
           </a:custGeom>
+          <a:noFill/>
+          <a:ln cap="flat" cmpd="sng" w="9525">
+            <a:solidFill>
+              <a:srgbClr val="000000"/>
+            </a:solidFill>
+            <a:prstDash val="solid"/>
+            <a:round/>
+            <a:headEnd len="sm" w="sm" type="none"/>
+            <a:tailEnd len="sm" w="sm" type="none"/>
+          </a:ln>
         </p:spPr>
       </p:sp>
       <p:sp>
         <p:nvSpPr>
-          <p:cNvPr id="156" name="Google Shape;156;ge956c0cad5_0_118:notes"/>
+          <p:cNvPr id="156" name="Google Shape;156;p12:notes"/>
           <p:cNvSpPr txBox="1"/>
           <p:nvPr>
             <p:ph idx="1" type="body"/>
@@ -1087,6 +1280,10 @@
           <a:prstGeom prst="rect">
             <a:avLst/>
           </a:prstGeom>
+          <a:noFill/>
+          <a:ln>
+            <a:noFill/>
+          </a:ln>
         </p:spPr>
         <p:txBody>
           <a:bodyPr anchorCtr="0" anchor="t" bIns="91425" lIns="91425" spcFirstLastPara="1" rIns="91425" wrap="square" tIns="91425">
@@ -1104,6 +1301,7 @@
               <a:spcAft>
                 <a:spcPts val="0"/>
               </a:spcAft>
+              <a:buSzPts val="1100"/>
               <a:buNone/>
             </a:pPr>
             <a:r>
@@ -1158,6 +1356,7 @@
               <a:spcAft>
                 <a:spcPts val="0"/>
               </a:spcAft>
+              <a:buSzPts val="1100"/>
               <a:buNone/>
             </a:pPr>
             <a:r>
@@ -1181,6 +1380,7 @@
               <a:spcAft>
                 <a:spcPts val="0"/>
               </a:spcAft>
+              <a:buSzPts val="1100"/>
               <a:buNone/>
             </a:pPr>
             <a:r>
@@ -1210,6 +1410,7 @@
               <a:spcAft>
                 <a:spcPts val="0"/>
               </a:spcAft>
+              <a:buSzPts val="1100"/>
               <a:buNone/>
             </a:pPr>
             <a:r>
@@ -1233,6 +1434,7 @@
               <a:spcAft>
                 <a:spcPts val="0"/>
               </a:spcAft>
+              <a:buSzPts val="1100"/>
               <a:buNone/>
             </a:pPr>
             <a:r>
@@ -1242,34 +1444,7 @@
                 <a:cs typeface="Raleway Thin"/>
                 <a:sym typeface="Raleway Thin"/>
               </a:rPr>
-              <a:t>Cela me permet de démarrer n'importe quel projet PHP sans perdre de temps à configurer et à construire les bases </a:t>
-            </a:r>
-            <a:r>
-              <a:rPr lang="en" sz="1600">
-                <a:latin typeface="Raleway Thin"/>
-                <a:ea typeface="Raleway Thin"/>
-                <a:cs typeface="Raleway Thin"/>
-                <a:sym typeface="Raleway Thin"/>
-              </a:rPr>
-              <a:t>nécessaire</a:t>
-            </a:r>
-            <a:r>
-              <a:rPr lang="en" sz="1600">
-                <a:latin typeface="Raleway Thin"/>
-                <a:ea typeface="Raleway Thin"/>
-                <a:cs typeface="Raleway Thin"/>
-                <a:sym typeface="Raleway Thin"/>
-              </a:rPr>
-              <a:t>. Ce qui m'a permis de passer rapidement au </a:t>
-            </a:r>
-            <a:r>
-              <a:rPr lang="en" sz="1600">
-                <a:latin typeface="Raleway Thin"/>
-                <a:ea typeface="Raleway Thin"/>
-                <a:cs typeface="Raleway Thin"/>
-                <a:sym typeface="Raleway Thin"/>
-              </a:rPr>
-              <a:t>développement de l’application.</a:t>
+              <a:t>Cela me permet de démarrer n'importe quel projet PHP sans perdre de temps à configurer et à construire les bases nécessaire. Ce qui m'a permis de passer rapidement au développement de l’application.</a:t>
             </a:r>
             <a:endParaRPr sz="1600">
               <a:latin typeface="Raleway Thin"/>
@@ -1307,7 +1482,7 @@
       </p:grpSpPr>
       <p:sp>
         <p:nvSpPr>
-          <p:cNvPr id="168" name="Google Shape;168;ge956c0cad5_0_193:notes"/>
+          <p:cNvPr id="168" name="Google Shape;168;p13:notes"/>
           <p:cNvSpPr/>
           <p:nvPr>
             <p:ph idx="2" type="sldImg"/>
@@ -1338,11 +1513,21 @@
               </a:path>
             </a:pathLst>
           </a:custGeom>
+          <a:noFill/>
+          <a:ln cap="flat" cmpd="sng" w="9525">
+            <a:solidFill>
+              <a:srgbClr val="000000"/>
+            </a:solidFill>
+            <a:prstDash val="solid"/>
+            <a:round/>
+            <a:headEnd len="sm" w="sm" type="none"/>
+            <a:tailEnd len="sm" w="sm" type="none"/>
+          </a:ln>
         </p:spPr>
       </p:sp>
       <p:sp>
         <p:nvSpPr>
-          <p:cNvPr id="169" name="Google Shape;169;ge956c0cad5_0_193:notes"/>
+          <p:cNvPr id="169" name="Google Shape;169;p13:notes"/>
           <p:cNvSpPr txBox="1"/>
           <p:nvPr>
             <p:ph idx="1" type="body"/>
@@ -1356,6 +1541,10 @@
           <a:prstGeom prst="rect">
             <a:avLst/>
           </a:prstGeom>
+          <a:noFill/>
+          <a:ln>
+            <a:noFill/>
+          </a:ln>
         </p:spPr>
         <p:txBody>
           <a:bodyPr anchorCtr="0" anchor="t" bIns="91425" lIns="91425" spcFirstLastPara="1" rIns="91425" wrap="square" tIns="91425">
@@ -1373,6 +1562,7 @@
               <a:spcAft>
                 <a:spcPts val="0"/>
               </a:spcAft>
+              <a:buSzPts val="1100"/>
               <a:buNone/>
             </a:pPr>
             <a:r>
@@ -1420,7 +1610,7 @@
       </p:grpSpPr>
       <p:sp>
         <p:nvSpPr>
-          <p:cNvPr id="177" name="Google Shape;177;ge956c0cad5_0_201:notes"/>
+          <p:cNvPr id="177" name="Google Shape;177;p14:notes"/>
           <p:cNvSpPr/>
           <p:nvPr>
             <p:ph idx="2" type="sldImg"/>
@@ -1451,11 +1641,21 @@
               </a:path>
             </a:pathLst>
           </a:custGeom>
+          <a:noFill/>
+          <a:ln cap="flat" cmpd="sng" w="9525">
+            <a:solidFill>
+              <a:srgbClr val="000000"/>
+            </a:solidFill>
+            <a:prstDash val="solid"/>
+            <a:round/>
+            <a:headEnd len="sm" w="sm" type="none"/>
+            <a:tailEnd len="sm" w="sm" type="none"/>
+          </a:ln>
         </p:spPr>
       </p:sp>
       <p:sp>
         <p:nvSpPr>
-          <p:cNvPr id="178" name="Google Shape;178;ge956c0cad5_0_201:notes"/>
+          <p:cNvPr id="178" name="Google Shape;178;p14:notes"/>
           <p:cNvSpPr txBox="1"/>
           <p:nvPr>
             <p:ph idx="1" type="body"/>
@@ -1469,6 +1669,10 @@
           <a:prstGeom prst="rect">
             <a:avLst/>
           </a:prstGeom>
+          <a:noFill/>
+          <a:ln>
+            <a:noFill/>
+          </a:ln>
         </p:spPr>
         <p:txBody>
           <a:bodyPr anchorCtr="0" anchor="t" bIns="91425" lIns="91425" spcFirstLastPara="1" rIns="91425" wrap="square" tIns="91425">
@@ -1486,6 +1690,7 @@
               <a:spcAft>
                 <a:spcPts val="0"/>
               </a:spcAft>
+              <a:buSzPts val="1100"/>
               <a:buNone/>
             </a:pPr>
             <a:r>
@@ -1515,6 +1720,7 @@
               <a:spcAft>
                 <a:spcPts val="0"/>
               </a:spcAft>
+              <a:buSzPts val="1100"/>
               <a:buNone/>
             </a:pPr>
             <a:r>
@@ -1538,6 +1744,7 @@
               <a:spcAft>
                 <a:spcPts val="0"/>
               </a:spcAft>
+              <a:buSzPts val="1100"/>
               <a:buNone/>
             </a:pPr>
             <a:r>
@@ -1567,6 +1774,7 @@
               <a:spcAft>
                 <a:spcPts val="0"/>
               </a:spcAft>
+              <a:buSzPts val="1100"/>
               <a:buNone/>
             </a:pPr>
             <a:r>
@@ -1608,7 +1816,7 @@
       </p:grpSpPr>
       <p:sp>
         <p:nvSpPr>
-          <p:cNvPr id="185" name="Google Shape;185;ge956c0cad5_0_214:notes"/>
+          <p:cNvPr id="185" name="Google Shape;185;p15:notes"/>
           <p:cNvSpPr/>
           <p:nvPr>
             <p:ph idx="2" type="sldImg"/>
@@ -1639,11 +1847,21 @@
               </a:path>
             </a:pathLst>
           </a:custGeom>
+          <a:noFill/>
+          <a:ln cap="flat" cmpd="sng" w="9525">
+            <a:solidFill>
+              <a:srgbClr val="000000"/>
+            </a:solidFill>
+            <a:prstDash val="solid"/>
+            <a:round/>
+            <a:headEnd len="sm" w="sm" type="none"/>
+            <a:tailEnd len="sm" w="sm" type="none"/>
+          </a:ln>
         </p:spPr>
       </p:sp>
       <p:sp>
         <p:nvSpPr>
-          <p:cNvPr id="186" name="Google Shape;186;ge956c0cad5_0_214:notes"/>
+          <p:cNvPr id="186" name="Google Shape;186;p15:notes"/>
           <p:cNvSpPr txBox="1"/>
           <p:nvPr>
             <p:ph idx="1" type="body"/>
@@ -1657,6 +1875,10 @@
           <a:prstGeom prst="rect">
             <a:avLst/>
           </a:prstGeom>
+          <a:noFill/>
+          <a:ln>
+            <a:noFill/>
+          </a:ln>
         </p:spPr>
         <p:txBody>
           <a:bodyPr anchorCtr="0" anchor="t" bIns="91425" lIns="91425" spcFirstLastPara="1" rIns="91425" wrap="square" tIns="91425">
@@ -1674,6 +1896,7 @@
               <a:spcAft>
                 <a:spcPts val="0"/>
               </a:spcAft>
+              <a:buSzPts val="1100"/>
               <a:buNone/>
             </a:pPr>
             <a:r>
@@ -1715,7 +1938,7 @@
       </p:grpSpPr>
       <p:sp>
         <p:nvSpPr>
-          <p:cNvPr id="59" name="Google Shape;59;ge956c0cad5_0_3:notes"/>
+          <p:cNvPr id="59" name="Google Shape;59;p2:notes"/>
           <p:cNvSpPr/>
           <p:nvPr>
             <p:ph idx="2" type="sldImg"/>
@@ -1746,11 +1969,21 @@
               </a:path>
             </a:pathLst>
           </a:custGeom>
+          <a:noFill/>
+          <a:ln cap="flat" cmpd="sng" w="9525">
+            <a:solidFill>
+              <a:srgbClr val="000000"/>
+            </a:solidFill>
+            <a:prstDash val="solid"/>
+            <a:round/>
+            <a:headEnd len="sm" w="sm" type="none"/>
+            <a:tailEnd len="sm" w="sm" type="none"/>
+          </a:ln>
         </p:spPr>
       </p:sp>
       <p:sp>
         <p:nvSpPr>
-          <p:cNvPr id="60" name="Google Shape;60;ge956c0cad5_0_3:notes"/>
+          <p:cNvPr id="60" name="Google Shape;60;p2:notes"/>
           <p:cNvSpPr txBox="1"/>
           <p:nvPr>
             <p:ph idx="1" type="body"/>
@@ -1764,6 +1997,10 @@
           <a:prstGeom prst="rect">
             <a:avLst/>
           </a:prstGeom>
+          <a:noFill/>
+          <a:ln>
+            <a:noFill/>
+          </a:ln>
         </p:spPr>
         <p:txBody>
           <a:bodyPr anchorCtr="0" anchor="t" bIns="91425" lIns="91425" spcFirstLastPara="1" rIns="91425" wrap="square" tIns="91425">
@@ -1772,6 +2009,9 @@
           <a:lstStyle/>
           <a:p>
             <a:pPr indent="-330200" lvl="0" marL="457200" rtl="0" algn="l">
+              <a:lnSpc>
+                <a:spcPct val="100000"/>
+              </a:lnSpc>
               <a:spcBef>
                 <a:spcPts val="0"/>
               </a:spcBef>
@@ -1789,25 +2029,7 @@
                 <a:cs typeface="Raleway Thin"/>
                 <a:sym typeface="Raleway Thin"/>
               </a:rPr>
-              <a:t>INTRODUCTION: </a:t>
-            </a:r>
-            <a:r>
-              <a:rPr lang="en" sz="1600">
-                <a:latin typeface="Raleway Thin"/>
-                <a:ea typeface="Raleway Thin"/>
-                <a:cs typeface="Raleway Thin"/>
-                <a:sym typeface="Raleway Thin"/>
-              </a:rPr>
-              <a:t>Définition</a:t>
-            </a:r>
-            <a:r>
-              <a:rPr lang="en" sz="1600">
-                <a:latin typeface="Raleway Thin"/>
-                <a:ea typeface="Raleway Thin"/>
-                <a:cs typeface="Raleway Thin"/>
-                <a:sym typeface="Raleway Thin"/>
-              </a:rPr>
-              <a:t> du problème et la solution proposée</a:t>
+              <a:t>INTRODUCTION: Définition du problème et la solution proposée</a:t>
             </a:r>
             <a:br>
               <a:rPr lang="en" sz="1600">
@@ -1826,6 +2048,9 @@
           </a:p>
           <a:p>
             <a:pPr indent="-330200" lvl="0" marL="457200" rtl="0" algn="l">
+              <a:lnSpc>
+                <a:spcPct val="100000"/>
+              </a:lnSpc>
               <a:spcBef>
                 <a:spcPts val="0"/>
               </a:spcBef>
@@ -1862,6 +2087,9 @@
           </a:p>
           <a:p>
             <a:pPr indent="-330200" lvl="0" marL="457200" rtl="0" algn="l">
+              <a:lnSpc>
+                <a:spcPct val="100000"/>
+              </a:lnSpc>
               <a:spcBef>
                 <a:spcPts val="0"/>
               </a:spcBef>
@@ -1898,6 +2126,9 @@
           </a:p>
           <a:p>
             <a:pPr indent="-330200" lvl="0" marL="457200" rtl="0" algn="l">
+              <a:lnSpc>
+                <a:spcPct val="100000"/>
+              </a:lnSpc>
               <a:spcBef>
                 <a:spcPts val="0"/>
               </a:spcBef>
@@ -1934,6 +2165,9 @@
           </a:p>
           <a:p>
             <a:pPr indent="-330200" lvl="0" marL="457200" rtl="0" algn="l">
+              <a:lnSpc>
+                <a:spcPct val="100000"/>
+              </a:lnSpc>
               <a:spcBef>
                 <a:spcPts val="0"/>
               </a:spcBef>
@@ -1979,6 +2213,9 @@
           </a:p>
           <a:p>
             <a:pPr indent="-330200" lvl="0" marL="457200" rtl="0" algn="l">
+              <a:lnSpc>
+                <a:spcPct val="100000"/>
+              </a:lnSpc>
               <a:spcBef>
                 <a:spcPts val="0"/>
               </a:spcBef>
@@ -2043,7 +2280,7 @@
       </p:grpSpPr>
       <p:sp>
         <p:nvSpPr>
-          <p:cNvPr id="79" name="Google Shape;79;ge956c0cad5_0_36:notes"/>
+          <p:cNvPr id="79" name="Google Shape;79;p3:notes"/>
           <p:cNvSpPr/>
           <p:nvPr>
             <p:ph idx="2" type="sldImg"/>
@@ -2074,11 +2311,21 @@
               </a:path>
             </a:pathLst>
           </a:custGeom>
+          <a:noFill/>
+          <a:ln cap="flat" cmpd="sng" w="9525">
+            <a:solidFill>
+              <a:srgbClr val="000000"/>
+            </a:solidFill>
+            <a:prstDash val="solid"/>
+            <a:round/>
+            <a:headEnd len="sm" w="sm" type="none"/>
+            <a:tailEnd len="sm" w="sm" type="none"/>
+          </a:ln>
         </p:spPr>
       </p:sp>
       <p:sp>
         <p:nvSpPr>
-          <p:cNvPr id="80" name="Google Shape;80;ge956c0cad5_0_36:notes"/>
+          <p:cNvPr id="80" name="Google Shape;80;p3:notes"/>
           <p:cNvSpPr txBox="1"/>
           <p:nvPr>
             <p:ph idx="1" type="body"/>
@@ -2092,6 +2339,10 @@
           <a:prstGeom prst="rect">
             <a:avLst/>
           </a:prstGeom>
+          <a:noFill/>
+          <a:ln>
+            <a:noFill/>
+          </a:ln>
         </p:spPr>
         <p:txBody>
           <a:bodyPr anchorCtr="0" anchor="t" bIns="91425" lIns="91425" spcFirstLastPara="1" rIns="91425" wrap="square" tIns="91425">
@@ -2306,7 +2557,7 @@
       </p:grpSpPr>
       <p:sp>
         <p:nvSpPr>
-          <p:cNvPr id="87" name="Google Shape;87;ge956c0cad5_0_63:notes"/>
+          <p:cNvPr id="87" name="Google Shape;87;p4:notes"/>
           <p:cNvSpPr/>
           <p:nvPr>
             <p:ph idx="2" type="sldImg"/>
@@ -2337,11 +2588,21 @@
               </a:path>
             </a:pathLst>
           </a:custGeom>
+          <a:noFill/>
+          <a:ln cap="flat" cmpd="sng" w="9525">
+            <a:solidFill>
+              <a:srgbClr val="000000"/>
+            </a:solidFill>
+            <a:prstDash val="solid"/>
+            <a:round/>
+            <a:headEnd len="sm" w="sm" type="none"/>
+            <a:tailEnd len="sm" w="sm" type="none"/>
+          </a:ln>
         </p:spPr>
       </p:sp>
       <p:sp>
         <p:nvSpPr>
-          <p:cNvPr id="88" name="Google Shape;88;ge956c0cad5_0_63:notes"/>
+          <p:cNvPr id="88" name="Google Shape;88;p4:notes"/>
           <p:cNvSpPr txBox="1"/>
           <p:nvPr>
             <p:ph idx="1" type="body"/>
@@ -2355,6 +2616,10 @@
           <a:prstGeom prst="rect">
             <a:avLst/>
           </a:prstGeom>
+          <a:noFill/>
+          <a:ln>
+            <a:noFill/>
+          </a:ln>
         </p:spPr>
         <p:txBody>
           <a:bodyPr anchorCtr="0" anchor="t" bIns="91425" lIns="91425" spcFirstLastPara="1" rIns="91425" wrap="square" tIns="91425">
@@ -2372,6 +2637,7 @@
               <a:spcAft>
                 <a:spcPts val="0"/>
               </a:spcAft>
+              <a:buSzPts val="1100"/>
               <a:buNone/>
             </a:pPr>
             <a:r>
@@ -2417,7 +2683,7 @@
       </p:grpSpPr>
       <p:sp>
         <p:nvSpPr>
-          <p:cNvPr id="95" name="Google Shape;95;ge956c0cad5_0_76:notes"/>
+          <p:cNvPr id="95" name="Google Shape;95;p5:notes"/>
           <p:cNvSpPr/>
           <p:nvPr>
             <p:ph idx="2" type="sldImg"/>
@@ -2448,11 +2714,21 @@
               </a:path>
             </a:pathLst>
           </a:custGeom>
+          <a:noFill/>
+          <a:ln cap="flat" cmpd="sng" w="9525">
+            <a:solidFill>
+              <a:srgbClr val="000000"/>
+            </a:solidFill>
+            <a:prstDash val="solid"/>
+            <a:round/>
+            <a:headEnd len="sm" w="sm" type="none"/>
+            <a:tailEnd len="sm" w="sm" type="none"/>
+          </a:ln>
         </p:spPr>
       </p:sp>
       <p:sp>
         <p:nvSpPr>
-          <p:cNvPr id="96" name="Google Shape;96;ge956c0cad5_0_76:notes"/>
+          <p:cNvPr id="96" name="Google Shape;96;p5:notes"/>
           <p:cNvSpPr txBox="1"/>
           <p:nvPr>
             <p:ph idx="1" type="body"/>
@@ -2466,6 +2742,10 @@
           <a:prstGeom prst="rect">
             <a:avLst/>
           </a:prstGeom>
+          <a:noFill/>
+          <a:ln>
+            <a:noFill/>
+          </a:ln>
         </p:spPr>
         <p:txBody>
           <a:bodyPr anchorCtr="0" anchor="t" bIns="91425" lIns="91425" spcFirstLastPara="1" rIns="91425" wrap="square" tIns="91425">
@@ -2483,6 +2763,7 @@
               <a:spcAft>
                 <a:spcPts val="0"/>
               </a:spcAft>
+              <a:buSzPts val="1100"/>
               <a:buNone/>
             </a:pPr>
             <a:r>
@@ -2530,7 +2811,7 @@
       </p:grpSpPr>
       <p:sp>
         <p:nvSpPr>
-          <p:cNvPr id="104" name="Google Shape;104;ge956c0cad5_0_87:notes"/>
+          <p:cNvPr id="104" name="Google Shape;104;p6:notes"/>
           <p:cNvSpPr/>
           <p:nvPr>
             <p:ph idx="2" type="sldImg"/>
@@ -2561,11 +2842,21 @@
               </a:path>
             </a:pathLst>
           </a:custGeom>
+          <a:noFill/>
+          <a:ln cap="flat" cmpd="sng" w="9525">
+            <a:solidFill>
+              <a:srgbClr val="000000"/>
+            </a:solidFill>
+            <a:prstDash val="solid"/>
+            <a:round/>
+            <a:headEnd len="sm" w="sm" type="none"/>
+            <a:tailEnd len="sm" w="sm" type="none"/>
+          </a:ln>
         </p:spPr>
       </p:sp>
       <p:sp>
         <p:nvSpPr>
-          <p:cNvPr id="105" name="Google Shape;105;ge956c0cad5_0_87:notes"/>
+          <p:cNvPr id="105" name="Google Shape;105;p6:notes"/>
           <p:cNvSpPr txBox="1"/>
           <p:nvPr>
             <p:ph idx="1" type="body"/>
@@ -2579,6 +2870,10 @@
           <a:prstGeom prst="rect">
             <a:avLst/>
           </a:prstGeom>
+          <a:noFill/>
+          <a:ln>
+            <a:noFill/>
+          </a:ln>
         </p:spPr>
         <p:txBody>
           <a:bodyPr anchorCtr="0" anchor="t" bIns="91425" lIns="91425" spcFirstLastPara="1" rIns="91425" wrap="square" tIns="91425">
@@ -2596,6 +2891,7 @@
               <a:spcAft>
                 <a:spcPts val="0"/>
               </a:spcAft>
+              <a:buSzPts val="1100"/>
               <a:buNone/>
             </a:pPr>
             <a:r>
@@ -2632,7 +2928,7 @@
       </p:grpSpPr>
       <p:sp>
         <p:nvSpPr>
-          <p:cNvPr id="114" name="Google Shape;114;ge956c0cad5_0_93:notes"/>
+          <p:cNvPr id="114" name="Google Shape;114;p7:notes"/>
           <p:cNvSpPr/>
           <p:nvPr>
             <p:ph idx="2" type="sldImg"/>
@@ -2663,11 +2959,21 @@
               </a:path>
             </a:pathLst>
           </a:custGeom>
+          <a:noFill/>
+          <a:ln cap="flat" cmpd="sng" w="9525">
+            <a:solidFill>
+              <a:srgbClr val="000000"/>
+            </a:solidFill>
+            <a:prstDash val="solid"/>
+            <a:round/>
+            <a:headEnd len="sm" w="sm" type="none"/>
+            <a:tailEnd len="sm" w="sm" type="none"/>
+          </a:ln>
         </p:spPr>
       </p:sp>
       <p:sp>
         <p:nvSpPr>
-          <p:cNvPr id="115" name="Google Shape;115;ge956c0cad5_0_93:notes"/>
+          <p:cNvPr id="115" name="Google Shape;115;p7:notes"/>
           <p:cNvSpPr txBox="1"/>
           <p:nvPr>
             <p:ph idx="1" type="body"/>
@@ -2681,6 +2987,10 @@
           <a:prstGeom prst="rect">
             <a:avLst/>
           </a:prstGeom>
+          <a:noFill/>
+          <a:ln>
+            <a:noFill/>
+          </a:ln>
         </p:spPr>
         <p:txBody>
           <a:bodyPr anchorCtr="0" anchor="t" bIns="91425" lIns="91425" spcFirstLastPara="1" rIns="91425" wrap="square" tIns="91425">
@@ -2698,6 +3008,7 @@
               <a:spcAft>
                 <a:spcPts val="0"/>
               </a:spcAft>
+              <a:buSzPts val="1100"/>
               <a:buNone/>
             </a:pPr>
             <a:r>
@@ -2734,7 +3045,7 @@
       </p:grpSpPr>
       <p:sp>
         <p:nvSpPr>
-          <p:cNvPr id="123" name="Google Shape;123;ge956c0cad5_0_158:notes"/>
+          <p:cNvPr id="123" name="Google Shape;123;p8:notes"/>
           <p:cNvSpPr/>
           <p:nvPr>
             <p:ph idx="2" type="sldImg"/>
@@ -2765,11 +3076,21 @@
               </a:path>
             </a:pathLst>
           </a:custGeom>
+          <a:noFill/>
+          <a:ln cap="flat" cmpd="sng" w="9525">
+            <a:solidFill>
+              <a:srgbClr val="000000"/>
+            </a:solidFill>
+            <a:prstDash val="solid"/>
+            <a:round/>
+            <a:headEnd len="sm" w="sm" type="none"/>
+            <a:tailEnd len="sm" w="sm" type="none"/>
+          </a:ln>
         </p:spPr>
       </p:sp>
       <p:sp>
         <p:nvSpPr>
-          <p:cNvPr id="124" name="Google Shape;124;ge956c0cad5_0_158:notes"/>
+          <p:cNvPr id="124" name="Google Shape;124;p8:notes"/>
           <p:cNvSpPr txBox="1"/>
           <p:nvPr>
             <p:ph idx="1" type="body"/>
@@ -2783,6 +3104,10 @@
           <a:prstGeom prst="rect">
             <a:avLst/>
           </a:prstGeom>
+          <a:noFill/>
+          <a:ln>
+            <a:noFill/>
+          </a:ln>
         </p:spPr>
         <p:txBody>
           <a:bodyPr anchorCtr="0" anchor="t" bIns="91425" lIns="91425" spcFirstLastPara="1" rIns="91425" wrap="square" tIns="91425">
@@ -2800,6 +3125,7 @@
               <a:spcAft>
                 <a:spcPts val="0"/>
               </a:spcAft>
+              <a:buSzPts val="1100"/>
               <a:buNone/>
             </a:pPr>
             <a:r>
@@ -2847,7 +3173,7 @@
       </p:grpSpPr>
       <p:sp>
         <p:nvSpPr>
-          <p:cNvPr id="131" name="Google Shape;131;ge956c0cad5_0_177:notes"/>
+          <p:cNvPr id="131" name="Google Shape;131;p9:notes"/>
           <p:cNvSpPr/>
           <p:nvPr>
             <p:ph idx="2" type="sldImg"/>
@@ -2878,11 +3204,21 @@
               </a:path>
             </a:pathLst>
           </a:custGeom>
+          <a:noFill/>
+          <a:ln cap="flat" cmpd="sng" w="9525">
+            <a:solidFill>
+              <a:srgbClr val="000000"/>
+            </a:solidFill>
+            <a:prstDash val="solid"/>
+            <a:round/>
+            <a:headEnd len="sm" w="sm" type="none"/>
+            <a:tailEnd len="sm" w="sm" type="none"/>
+          </a:ln>
         </p:spPr>
       </p:sp>
       <p:sp>
         <p:nvSpPr>
-          <p:cNvPr id="132" name="Google Shape;132;ge956c0cad5_0_177:notes"/>
+          <p:cNvPr id="132" name="Google Shape;132;p9:notes"/>
           <p:cNvSpPr txBox="1"/>
           <p:nvPr>
             <p:ph idx="1" type="body"/>
@@ -2896,6 +3232,10 @@
           <a:prstGeom prst="rect">
             <a:avLst/>
           </a:prstGeom>
+          <a:noFill/>
+          <a:ln>
+            <a:noFill/>
+          </a:ln>
         </p:spPr>
         <p:txBody>
           <a:bodyPr anchorCtr="0" anchor="t" bIns="91425" lIns="91425" spcFirstLastPara="1" rIns="91425" wrap="square" tIns="91425">
@@ -2913,6 +3253,7 @@
               <a:spcAft>
                 <a:spcPts val="0"/>
               </a:spcAft>
+              <a:buSzPts val="1100"/>
               <a:buNone/>
             </a:pPr>
             <a:r>
@@ -2963,6 +3304,10 @@
           <a:prstGeom prst="rect">
             <a:avLst/>
           </a:prstGeom>
+          <a:noFill/>
+          <a:ln>
+            <a:noFill/>
+          </a:ln>
         </p:spPr>
         <p:txBody>
           <a:bodyPr anchorCtr="0" anchor="b" bIns="91425" lIns="91425" spcFirstLastPara="1" rIns="91425" wrap="square" tIns="91425">
@@ -2970,6 +3315,9 @@
           </a:bodyPr>
           <a:lstStyle>
             <a:lvl1pPr lvl="0" algn="ctr">
+              <a:lnSpc>
+                <a:spcPct val="100000"/>
+              </a:lnSpc>
               <a:spcBef>
                 <a:spcPts val="0"/>
               </a:spcBef>
@@ -2981,6 +3329,9 @@
               <a:defRPr sz="5200"/>
             </a:lvl1pPr>
             <a:lvl2pPr lvl="1" algn="ctr">
+              <a:lnSpc>
+                <a:spcPct val="100000"/>
+              </a:lnSpc>
               <a:spcBef>
                 <a:spcPts val="0"/>
               </a:spcBef>
@@ -2992,6 +3343,9 @@
               <a:defRPr sz="5200"/>
             </a:lvl2pPr>
             <a:lvl3pPr lvl="2" algn="ctr">
+              <a:lnSpc>
+                <a:spcPct val="100000"/>
+              </a:lnSpc>
               <a:spcBef>
                 <a:spcPts val="0"/>
               </a:spcBef>
@@ -3003,6 +3357,9 @@
               <a:defRPr sz="5200"/>
             </a:lvl3pPr>
             <a:lvl4pPr lvl="3" algn="ctr">
+              <a:lnSpc>
+                <a:spcPct val="100000"/>
+              </a:lnSpc>
               <a:spcBef>
                 <a:spcPts val="0"/>
               </a:spcBef>
@@ -3014,6 +3371,9 @@
               <a:defRPr sz="5200"/>
             </a:lvl4pPr>
             <a:lvl5pPr lvl="4" algn="ctr">
+              <a:lnSpc>
+                <a:spcPct val="100000"/>
+              </a:lnSpc>
               <a:spcBef>
                 <a:spcPts val="0"/>
               </a:spcBef>
@@ -3025,6 +3385,9 @@
               <a:defRPr sz="5200"/>
             </a:lvl5pPr>
             <a:lvl6pPr lvl="5" algn="ctr">
+              <a:lnSpc>
+                <a:spcPct val="100000"/>
+              </a:lnSpc>
               <a:spcBef>
                 <a:spcPts val="0"/>
               </a:spcBef>
@@ -3036,6 +3399,9 @@
               <a:defRPr sz="5200"/>
             </a:lvl6pPr>
             <a:lvl7pPr lvl="6" algn="ctr">
+              <a:lnSpc>
+                <a:spcPct val="100000"/>
+              </a:lnSpc>
               <a:spcBef>
                 <a:spcPts val="0"/>
               </a:spcBef>
@@ -3047,6 +3413,9 @@
               <a:defRPr sz="5200"/>
             </a:lvl7pPr>
             <a:lvl8pPr lvl="7" algn="ctr">
+              <a:lnSpc>
+                <a:spcPct val="100000"/>
+              </a:lnSpc>
               <a:spcBef>
                 <a:spcPts val="0"/>
               </a:spcBef>
@@ -3058,6 +3427,9 @@
               <a:defRPr sz="5200"/>
             </a:lvl8pPr>
             <a:lvl9pPr lvl="8" algn="ctr">
+              <a:lnSpc>
+                <a:spcPct val="100000"/>
+              </a:lnSpc>
               <a:spcBef>
                 <a:spcPts val="0"/>
               </a:spcBef>
@@ -3088,6 +3460,10 @@
           <a:prstGeom prst="rect">
             <a:avLst/>
           </a:prstGeom>
+          <a:noFill/>
+          <a:ln>
+            <a:noFill/>
+          </a:ln>
         </p:spPr>
         <p:txBody>
           <a:bodyPr anchorCtr="0" anchor="t" bIns="91425" lIns="91425" spcFirstLastPara="1" rIns="91425" wrap="square" tIns="91425">
@@ -3240,47 +3616,249 @@
           <a:prstGeom prst="rect">
             <a:avLst/>
           </a:prstGeom>
+          <a:noFill/>
+          <a:ln>
+            <a:noFill/>
+          </a:ln>
         </p:spPr>
         <p:txBody>
           <a:bodyPr anchorCtr="0" anchor="ctr" bIns="91425" lIns="91425" spcFirstLastPara="1" rIns="91425" wrap="square" tIns="91425">
             <a:normAutofit/>
           </a:bodyPr>
           <a:lstStyle>
-            <a:lvl1pPr lvl="0">
-              <a:buNone/>
-              <a:defRPr/>
+            <a:lvl1pPr indent="0" lvl="0" marL="0" marR="0" algn="r">
+              <a:lnSpc>
+                <a:spcPct val="100000"/>
+              </a:lnSpc>
+              <a:spcBef>
+                <a:spcPts val="0"/>
+              </a:spcBef>
+              <a:spcAft>
+                <a:spcPts val="0"/>
+              </a:spcAft>
+              <a:buClr>
+                <a:srgbClr val="000000"/>
+              </a:buClr>
+              <a:buSzPts val="1000"/>
+              <a:buFont typeface="Arial"/>
+              <a:buNone/>
+              <a:defRPr b="0" i="0" sz="1000" u="none" cap="none" strike="noStrike">
+                <a:solidFill>
+                  <a:schemeClr val="dk2"/>
+                </a:solidFill>
+                <a:latin typeface="Arial"/>
+                <a:ea typeface="Arial"/>
+                <a:cs typeface="Arial"/>
+                <a:sym typeface="Arial"/>
+              </a:defRPr>
             </a:lvl1pPr>
-            <a:lvl2pPr lvl="1">
-              <a:buNone/>
-              <a:defRPr/>
+            <a:lvl2pPr indent="0" lvl="1" marL="0" marR="0" algn="r">
+              <a:lnSpc>
+                <a:spcPct val="100000"/>
+              </a:lnSpc>
+              <a:spcBef>
+                <a:spcPts val="0"/>
+              </a:spcBef>
+              <a:spcAft>
+                <a:spcPts val="0"/>
+              </a:spcAft>
+              <a:buClr>
+                <a:srgbClr val="000000"/>
+              </a:buClr>
+              <a:buSzPts val="1000"/>
+              <a:buFont typeface="Arial"/>
+              <a:buNone/>
+              <a:defRPr b="0" i="0" sz="1000" u="none" cap="none" strike="noStrike">
+                <a:solidFill>
+                  <a:schemeClr val="dk2"/>
+                </a:solidFill>
+                <a:latin typeface="Arial"/>
+                <a:ea typeface="Arial"/>
+                <a:cs typeface="Arial"/>
+                <a:sym typeface="Arial"/>
+              </a:defRPr>
             </a:lvl2pPr>
-            <a:lvl3pPr lvl="2">
-              <a:buNone/>
-              <a:defRPr/>
+            <a:lvl3pPr indent="0" lvl="2" marL="0" marR="0" algn="r">
+              <a:lnSpc>
+                <a:spcPct val="100000"/>
+              </a:lnSpc>
+              <a:spcBef>
+                <a:spcPts val="0"/>
+              </a:spcBef>
+              <a:spcAft>
+                <a:spcPts val="0"/>
+              </a:spcAft>
+              <a:buClr>
+                <a:srgbClr val="000000"/>
+              </a:buClr>
+              <a:buSzPts val="1000"/>
+              <a:buFont typeface="Arial"/>
+              <a:buNone/>
+              <a:defRPr b="0" i="0" sz="1000" u="none" cap="none" strike="noStrike">
+                <a:solidFill>
+                  <a:schemeClr val="dk2"/>
+                </a:solidFill>
+                <a:latin typeface="Arial"/>
+                <a:ea typeface="Arial"/>
+                <a:cs typeface="Arial"/>
+                <a:sym typeface="Arial"/>
+              </a:defRPr>
             </a:lvl3pPr>
-            <a:lvl4pPr lvl="3">
-              <a:buNone/>
-              <a:defRPr/>
+            <a:lvl4pPr indent="0" lvl="3" marL="0" marR="0" algn="r">
+              <a:lnSpc>
+                <a:spcPct val="100000"/>
+              </a:lnSpc>
+              <a:spcBef>
+                <a:spcPts val="0"/>
+              </a:spcBef>
+              <a:spcAft>
+                <a:spcPts val="0"/>
+              </a:spcAft>
+              <a:buClr>
+                <a:srgbClr val="000000"/>
+              </a:buClr>
+              <a:buSzPts val="1000"/>
+              <a:buFont typeface="Arial"/>
+              <a:buNone/>
+              <a:defRPr b="0" i="0" sz="1000" u="none" cap="none" strike="noStrike">
+                <a:solidFill>
+                  <a:schemeClr val="dk2"/>
+                </a:solidFill>
+                <a:latin typeface="Arial"/>
+                <a:ea typeface="Arial"/>
+                <a:cs typeface="Arial"/>
+                <a:sym typeface="Arial"/>
+              </a:defRPr>
             </a:lvl4pPr>
-            <a:lvl5pPr lvl="4">
-              <a:buNone/>
-              <a:defRPr/>
+            <a:lvl5pPr indent="0" lvl="4" marL="0" marR="0" algn="r">
+              <a:lnSpc>
+                <a:spcPct val="100000"/>
+              </a:lnSpc>
+              <a:spcBef>
+                <a:spcPts val="0"/>
+              </a:spcBef>
+              <a:spcAft>
+                <a:spcPts val="0"/>
+              </a:spcAft>
+              <a:buClr>
+                <a:srgbClr val="000000"/>
+              </a:buClr>
+              <a:buSzPts val="1000"/>
+              <a:buFont typeface="Arial"/>
+              <a:buNone/>
+              <a:defRPr b="0" i="0" sz="1000" u="none" cap="none" strike="noStrike">
+                <a:solidFill>
+                  <a:schemeClr val="dk2"/>
+                </a:solidFill>
+                <a:latin typeface="Arial"/>
+                <a:ea typeface="Arial"/>
+                <a:cs typeface="Arial"/>
+                <a:sym typeface="Arial"/>
+              </a:defRPr>
             </a:lvl5pPr>
-            <a:lvl6pPr lvl="5">
-              <a:buNone/>
-              <a:defRPr/>
+            <a:lvl6pPr indent="0" lvl="5" marL="0" marR="0" algn="r">
+              <a:lnSpc>
+                <a:spcPct val="100000"/>
+              </a:lnSpc>
+              <a:spcBef>
+                <a:spcPts val="0"/>
+              </a:spcBef>
+              <a:spcAft>
+                <a:spcPts val="0"/>
+              </a:spcAft>
+              <a:buClr>
+                <a:srgbClr val="000000"/>
+              </a:buClr>
+              <a:buSzPts val="1000"/>
+              <a:buFont typeface="Arial"/>
+              <a:buNone/>
+              <a:defRPr b="0" i="0" sz="1000" u="none" cap="none" strike="noStrike">
+                <a:solidFill>
+                  <a:schemeClr val="dk2"/>
+                </a:solidFill>
+                <a:latin typeface="Arial"/>
+                <a:ea typeface="Arial"/>
+                <a:cs typeface="Arial"/>
+                <a:sym typeface="Arial"/>
+              </a:defRPr>
             </a:lvl6pPr>
-            <a:lvl7pPr lvl="6">
-              <a:buNone/>
-              <a:defRPr/>
+            <a:lvl7pPr indent="0" lvl="6" marL="0" marR="0" algn="r">
+              <a:lnSpc>
+                <a:spcPct val="100000"/>
+              </a:lnSpc>
+              <a:spcBef>
+                <a:spcPts val="0"/>
+              </a:spcBef>
+              <a:spcAft>
+                <a:spcPts val="0"/>
+              </a:spcAft>
+              <a:buClr>
+                <a:srgbClr val="000000"/>
+              </a:buClr>
+              <a:buSzPts val="1000"/>
+              <a:buFont typeface="Arial"/>
+              <a:buNone/>
+              <a:defRPr b="0" i="0" sz="1000" u="none" cap="none" strike="noStrike">
+                <a:solidFill>
+                  <a:schemeClr val="dk2"/>
+                </a:solidFill>
+                <a:latin typeface="Arial"/>
+                <a:ea typeface="Arial"/>
+                <a:cs typeface="Arial"/>
+                <a:sym typeface="Arial"/>
+              </a:defRPr>
             </a:lvl7pPr>
-            <a:lvl8pPr lvl="7">
-              <a:buNone/>
-              <a:defRPr/>
+            <a:lvl8pPr indent="0" lvl="7" marL="0" marR="0" algn="r">
+              <a:lnSpc>
+                <a:spcPct val="100000"/>
+              </a:lnSpc>
+              <a:spcBef>
+                <a:spcPts val="0"/>
+              </a:spcBef>
+              <a:spcAft>
+                <a:spcPts val="0"/>
+              </a:spcAft>
+              <a:buClr>
+                <a:srgbClr val="000000"/>
+              </a:buClr>
+              <a:buSzPts val="1000"/>
+              <a:buFont typeface="Arial"/>
+              <a:buNone/>
+              <a:defRPr b="0" i="0" sz="1000" u="none" cap="none" strike="noStrike">
+                <a:solidFill>
+                  <a:schemeClr val="dk2"/>
+                </a:solidFill>
+                <a:latin typeface="Arial"/>
+                <a:ea typeface="Arial"/>
+                <a:cs typeface="Arial"/>
+                <a:sym typeface="Arial"/>
+              </a:defRPr>
             </a:lvl8pPr>
-            <a:lvl9pPr lvl="8">
-              <a:buNone/>
-              <a:defRPr/>
+            <a:lvl9pPr indent="0" lvl="8" marL="0" marR="0" algn="r">
+              <a:lnSpc>
+                <a:spcPct val="100000"/>
+              </a:lnSpc>
+              <a:spcBef>
+                <a:spcPts val="0"/>
+              </a:spcBef>
+              <a:spcAft>
+                <a:spcPts val="0"/>
+              </a:spcAft>
+              <a:buClr>
+                <a:srgbClr val="000000"/>
+              </a:buClr>
+              <a:buSzPts val="1000"/>
+              <a:buFont typeface="Arial"/>
+              <a:buNone/>
+              <a:defRPr b="0" i="0" sz="1000" u="none" cap="none" strike="noStrike">
+                <a:solidFill>
+                  <a:schemeClr val="dk2"/>
+                </a:solidFill>
+                <a:latin typeface="Arial"/>
+                <a:ea typeface="Arial"/>
+                <a:cs typeface="Arial"/>
+                <a:sym typeface="Arial"/>
+              </a:defRPr>
             </a:lvl9pPr>
           </a:lstStyle>
           <a:p>
@@ -3342,6 +3920,10 @@
           <a:prstGeom prst="rect">
             <a:avLst/>
           </a:prstGeom>
+          <a:noFill/>
+          <a:ln>
+            <a:noFill/>
+          </a:ln>
         </p:spPr>
         <p:txBody>
           <a:bodyPr anchorCtr="0" anchor="b" bIns="91425" lIns="91425" spcFirstLastPara="1" rIns="91425" wrap="square" tIns="91425">
@@ -3349,6 +3931,9 @@
           </a:bodyPr>
           <a:lstStyle>
             <a:lvl1pPr lvl="0" algn="ctr">
+              <a:lnSpc>
+                <a:spcPct val="100000"/>
+              </a:lnSpc>
               <a:spcBef>
                 <a:spcPts val="0"/>
               </a:spcBef>
@@ -3360,6 +3945,9 @@
               <a:defRPr sz="12000"/>
             </a:lvl1pPr>
             <a:lvl2pPr lvl="1" algn="ctr">
+              <a:lnSpc>
+                <a:spcPct val="100000"/>
+              </a:lnSpc>
               <a:spcBef>
                 <a:spcPts val="0"/>
               </a:spcBef>
@@ -3371,6 +3959,9 @@
               <a:defRPr sz="12000"/>
             </a:lvl2pPr>
             <a:lvl3pPr lvl="2" algn="ctr">
+              <a:lnSpc>
+                <a:spcPct val="100000"/>
+              </a:lnSpc>
               <a:spcBef>
                 <a:spcPts val="0"/>
               </a:spcBef>
@@ -3382,6 +3973,9 @@
               <a:defRPr sz="12000"/>
             </a:lvl3pPr>
             <a:lvl4pPr lvl="3" algn="ctr">
+              <a:lnSpc>
+                <a:spcPct val="100000"/>
+              </a:lnSpc>
               <a:spcBef>
                 <a:spcPts val="0"/>
               </a:spcBef>
@@ -3393,6 +3987,9 @@
               <a:defRPr sz="12000"/>
             </a:lvl4pPr>
             <a:lvl5pPr lvl="4" algn="ctr">
+              <a:lnSpc>
+                <a:spcPct val="100000"/>
+              </a:lnSpc>
               <a:spcBef>
                 <a:spcPts val="0"/>
               </a:spcBef>
@@ -3404,6 +4001,9 @@
               <a:defRPr sz="12000"/>
             </a:lvl5pPr>
             <a:lvl6pPr lvl="5" algn="ctr">
+              <a:lnSpc>
+                <a:spcPct val="100000"/>
+              </a:lnSpc>
               <a:spcBef>
                 <a:spcPts val="0"/>
               </a:spcBef>
@@ -3415,6 +4015,9 @@
               <a:defRPr sz="12000"/>
             </a:lvl6pPr>
             <a:lvl7pPr lvl="6" algn="ctr">
+              <a:lnSpc>
+                <a:spcPct val="100000"/>
+              </a:lnSpc>
               <a:spcBef>
                 <a:spcPts val="0"/>
               </a:spcBef>
@@ -3426,6 +4029,9 @@
               <a:defRPr sz="12000"/>
             </a:lvl7pPr>
             <a:lvl8pPr lvl="7" algn="ctr">
+              <a:lnSpc>
+                <a:spcPct val="100000"/>
+              </a:lnSpc>
               <a:spcBef>
                 <a:spcPts val="0"/>
               </a:spcBef>
@@ -3437,6 +4043,9 @@
               <a:defRPr sz="12000"/>
             </a:lvl8pPr>
             <a:lvl9pPr lvl="8" algn="ctr">
+              <a:lnSpc>
+                <a:spcPct val="100000"/>
+              </a:lnSpc>
               <a:spcBef>
                 <a:spcPts val="0"/>
               </a:spcBef>
@@ -3471,6 +4080,10 @@
           <a:prstGeom prst="rect">
             <a:avLst/>
           </a:prstGeom>
+          <a:noFill/>
+          <a:ln>
+            <a:noFill/>
+          </a:ln>
         </p:spPr>
         <p:txBody>
           <a:bodyPr anchorCtr="0" anchor="t" bIns="91425" lIns="91425" spcFirstLastPara="1" rIns="91425" wrap="square" tIns="91425">
@@ -3478,6 +4091,9 @@
           </a:bodyPr>
           <a:lstStyle>
             <a:lvl1pPr indent="-342900" lvl="0" marL="457200" algn="ctr">
+              <a:lnSpc>
+                <a:spcPct val="115000"/>
+              </a:lnSpc>
               <a:spcBef>
                 <a:spcPts val="0"/>
               </a:spcBef>
@@ -3489,6 +4105,9 @@
               <a:defRPr/>
             </a:lvl1pPr>
             <a:lvl2pPr indent="-317500" lvl="1" marL="914400" algn="ctr">
+              <a:lnSpc>
+                <a:spcPct val="115000"/>
+              </a:lnSpc>
               <a:spcBef>
                 <a:spcPts val="0"/>
               </a:spcBef>
@@ -3500,6 +4119,9 @@
               <a:defRPr/>
             </a:lvl2pPr>
             <a:lvl3pPr indent="-317500" lvl="2" marL="1371600" algn="ctr">
+              <a:lnSpc>
+                <a:spcPct val="115000"/>
+              </a:lnSpc>
               <a:spcBef>
                 <a:spcPts val="0"/>
               </a:spcBef>
@@ -3511,6 +4133,9 @@
               <a:defRPr/>
             </a:lvl3pPr>
             <a:lvl4pPr indent="-317500" lvl="3" marL="1828800" algn="ctr">
+              <a:lnSpc>
+                <a:spcPct val="115000"/>
+              </a:lnSpc>
               <a:spcBef>
                 <a:spcPts val="0"/>
               </a:spcBef>
@@ -3522,6 +4147,9 @@
               <a:defRPr/>
             </a:lvl4pPr>
             <a:lvl5pPr indent="-317500" lvl="4" marL="2286000" algn="ctr">
+              <a:lnSpc>
+                <a:spcPct val="115000"/>
+              </a:lnSpc>
               <a:spcBef>
                 <a:spcPts val="0"/>
               </a:spcBef>
@@ -3533,6 +4161,9 @@
               <a:defRPr/>
             </a:lvl5pPr>
             <a:lvl6pPr indent="-317500" lvl="5" marL="2743200" algn="ctr">
+              <a:lnSpc>
+                <a:spcPct val="115000"/>
+              </a:lnSpc>
               <a:spcBef>
                 <a:spcPts val="0"/>
               </a:spcBef>
@@ -3544,6 +4175,9 @@
               <a:defRPr/>
             </a:lvl6pPr>
             <a:lvl7pPr indent="-317500" lvl="6" marL="3200400" algn="ctr">
+              <a:lnSpc>
+                <a:spcPct val="115000"/>
+              </a:lnSpc>
               <a:spcBef>
                 <a:spcPts val="0"/>
               </a:spcBef>
@@ -3555,6 +4189,9 @@
               <a:defRPr/>
             </a:lvl7pPr>
             <a:lvl8pPr indent="-317500" lvl="7" marL="3657600" algn="ctr">
+              <a:lnSpc>
+                <a:spcPct val="115000"/>
+              </a:lnSpc>
               <a:spcBef>
                 <a:spcPts val="0"/>
               </a:spcBef>
@@ -3566,6 +4203,9 @@
               <a:defRPr/>
             </a:lvl8pPr>
             <a:lvl9pPr indent="-317500" lvl="8" marL="4114800" algn="ctr">
+              <a:lnSpc>
+                <a:spcPct val="115000"/>
+              </a:lnSpc>
               <a:spcBef>
                 <a:spcPts val="0"/>
               </a:spcBef>
@@ -3596,47 +4236,249 @@
           <a:prstGeom prst="rect">
             <a:avLst/>
           </a:prstGeom>
+          <a:noFill/>
+          <a:ln>
+            <a:noFill/>
+          </a:ln>
         </p:spPr>
         <p:txBody>
           <a:bodyPr anchorCtr="0" anchor="ctr" bIns="91425" lIns="91425" spcFirstLastPara="1" rIns="91425" wrap="square" tIns="91425">
             <a:normAutofit/>
           </a:bodyPr>
           <a:lstStyle>
-            <a:lvl1pPr lvl="0">
-              <a:buNone/>
-              <a:defRPr/>
+            <a:lvl1pPr indent="0" lvl="0" marL="0" marR="0" algn="r">
+              <a:lnSpc>
+                <a:spcPct val="100000"/>
+              </a:lnSpc>
+              <a:spcBef>
+                <a:spcPts val="0"/>
+              </a:spcBef>
+              <a:spcAft>
+                <a:spcPts val="0"/>
+              </a:spcAft>
+              <a:buClr>
+                <a:srgbClr val="000000"/>
+              </a:buClr>
+              <a:buSzPts val="1000"/>
+              <a:buFont typeface="Arial"/>
+              <a:buNone/>
+              <a:defRPr b="0" i="0" sz="1000" u="none" cap="none" strike="noStrike">
+                <a:solidFill>
+                  <a:schemeClr val="dk2"/>
+                </a:solidFill>
+                <a:latin typeface="Arial"/>
+                <a:ea typeface="Arial"/>
+                <a:cs typeface="Arial"/>
+                <a:sym typeface="Arial"/>
+              </a:defRPr>
             </a:lvl1pPr>
-            <a:lvl2pPr lvl="1">
-              <a:buNone/>
-              <a:defRPr/>
+            <a:lvl2pPr indent="0" lvl="1" marL="0" marR="0" algn="r">
+              <a:lnSpc>
+                <a:spcPct val="100000"/>
+              </a:lnSpc>
+              <a:spcBef>
+                <a:spcPts val="0"/>
+              </a:spcBef>
+              <a:spcAft>
+                <a:spcPts val="0"/>
+              </a:spcAft>
+              <a:buClr>
+                <a:srgbClr val="000000"/>
+              </a:buClr>
+              <a:buSzPts val="1000"/>
+              <a:buFont typeface="Arial"/>
+              <a:buNone/>
+              <a:defRPr b="0" i="0" sz="1000" u="none" cap="none" strike="noStrike">
+                <a:solidFill>
+                  <a:schemeClr val="dk2"/>
+                </a:solidFill>
+                <a:latin typeface="Arial"/>
+                <a:ea typeface="Arial"/>
+                <a:cs typeface="Arial"/>
+                <a:sym typeface="Arial"/>
+              </a:defRPr>
             </a:lvl2pPr>
-            <a:lvl3pPr lvl="2">
-              <a:buNone/>
-              <a:defRPr/>
+            <a:lvl3pPr indent="0" lvl="2" marL="0" marR="0" algn="r">
+              <a:lnSpc>
+                <a:spcPct val="100000"/>
+              </a:lnSpc>
+              <a:spcBef>
+                <a:spcPts val="0"/>
+              </a:spcBef>
+              <a:spcAft>
+                <a:spcPts val="0"/>
+              </a:spcAft>
+              <a:buClr>
+                <a:srgbClr val="000000"/>
+              </a:buClr>
+              <a:buSzPts val="1000"/>
+              <a:buFont typeface="Arial"/>
+              <a:buNone/>
+              <a:defRPr b="0" i="0" sz="1000" u="none" cap="none" strike="noStrike">
+                <a:solidFill>
+                  <a:schemeClr val="dk2"/>
+                </a:solidFill>
+                <a:latin typeface="Arial"/>
+                <a:ea typeface="Arial"/>
+                <a:cs typeface="Arial"/>
+                <a:sym typeface="Arial"/>
+              </a:defRPr>
             </a:lvl3pPr>
-            <a:lvl4pPr lvl="3">
-              <a:buNone/>
-              <a:defRPr/>
+            <a:lvl4pPr indent="0" lvl="3" marL="0" marR="0" algn="r">
+              <a:lnSpc>
+                <a:spcPct val="100000"/>
+              </a:lnSpc>
+              <a:spcBef>
+                <a:spcPts val="0"/>
+              </a:spcBef>
+              <a:spcAft>
+                <a:spcPts val="0"/>
+              </a:spcAft>
+              <a:buClr>
+                <a:srgbClr val="000000"/>
+              </a:buClr>
+              <a:buSzPts val="1000"/>
+              <a:buFont typeface="Arial"/>
+              <a:buNone/>
+              <a:defRPr b="0" i="0" sz="1000" u="none" cap="none" strike="noStrike">
+                <a:solidFill>
+                  <a:schemeClr val="dk2"/>
+                </a:solidFill>
+                <a:latin typeface="Arial"/>
+                <a:ea typeface="Arial"/>
+                <a:cs typeface="Arial"/>
+                <a:sym typeface="Arial"/>
+              </a:defRPr>
             </a:lvl4pPr>
-            <a:lvl5pPr lvl="4">
-              <a:buNone/>
-              <a:defRPr/>
+            <a:lvl5pPr indent="0" lvl="4" marL="0" marR="0" algn="r">
+              <a:lnSpc>
+                <a:spcPct val="100000"/>
+              </a:lnSpc>
+              <a:spcBef>
+                <a:spcPts val="0"/>
+              </a:spcBef>
+              <a:spcAft>
+                <a:spcPts val="0"/>
+              </a:spcAft>
+              <a:buClr>
+                <a:srgbClr val="000000"/>
+              </a:buClr>
+              <a:buSzPts val="1000"/>
+              <a:buFont typeface="Arial"/>
+              <a:buNone/>
+              <a:defRPr b="0" i="0" sz="1000" u="none" cap="none" strike="noStrike">
+                <a:solidFill>
+                  <a:schemeClr val="dk2"/>
+                </a:solidFill>
+                <a:latin typeface="Arial"/>
+                <a:ea typeface="Arial"/>
+                <a:cs typeface="Arial"/>
+                <a:sym typeface="Arial"/>
+              </a:defRPr>
             </a:lvl5pPr>
-            <a:lvl6pPr lvl="5">
-              <a:buNone/>
-              <a:defRPr/>
+            <a:lvl6pPr indent="0" lvl="5" marL="0" marR="0" algn="r">
+              <a:lnSpc>
+                <a:spcPct val="100000"/>
+              </a:lnSpc>
+              <a:spcBef>
+                <a:spcPts val="0"/>
+              </a:spcBef>
+              <a:spcAft>
+                <a:spcPts val="0"/>
+              </a:spcAft>
+              <a:buClr>
+                <a:srgbClr val="000000"/>
+              </a:buClr>
+              <a:buSzPts val="1000"/>
+              <a:buFont typeface="Arial"/>
+              <a:buNone/>
+              <a:defRPr b="0" i="0" sz="1000" u="none" cap="none" strike="noStrike">
+                <a:solidFill>
+                  <a:schemeClr val="dk2"/>
+                </a:solidFill>
+                <a:latin typeface="Arial"/>
+                <a:ea typeface="Arial"/>
+                <a:cs typeface="Arial"/>
+                <a:sym typeface="Arial"/>
+              </a:defRPr>
             </a:lvl6pPr>
-            <a:lvl7pPr lvl="6">
-              <a:buNone/>
-              <a:defRPr/>
+            <a:lvl7pPr indent="0" lvl="6" marL="0" marR="0" algn="r">
+              <a:lnSpc>
+                <a:spcPct val="100000"/>
+              </a:lnSpc>
+              <a:spcBef>
+                <a:spcPts val="0"/>
+              </a:spcBef>
+              <a:spcAft>
+                <a:spcPts val="0"/>
+              </a:spcAft>
+              <a:buClr>
+                <a:srgbClr val="000000"/>
+              </a:buClr>
+              <a:buSzPts val="1000"/>
+              <a:buFont typeface="Arial"/>
+              <a:buNone/>
+              <a:defRPr b="0" i="0" sz="1000" u="none" cap="none" strike="noStrike">
+                <a:solidFill>
+                  <a:schemeClr val="dk2"/>
+                </a:solidFill>
+                <a:latin typeface="Arial"/>
+                <a:ea typeface="Arial"/>
+                <a:cs typeface="Arial"/>
+                <a:sym typeface="Arial"/>
+              </a:defRPr>
             </a:lvl7pPr>
-            <a:lvl8pPr lvl="7">
-              <a:buNone/>
-              <a:defRPr/>
+            <a:lvl8pPr indent="0" lvl="7" marL="0" marR="0" algn="r">
+              <a:lnSpc>
+                <a:spcPct val="100000"/>
+              </a:lnSpc>
+              <a:spcBef>
+                <a:spcPts val="0"/>
+              </a:spcBef>
+              <a:spcAft>
+                <a:spcPts val="0"/>
+              </a:spcAft>
+              <a:buClr>
+                <a:srgbClr val="000000"/>
+              </a:buClr>
+              <a:buSzPts val="1000"/>
+              <a:buFont typeface="Arial"/>
+              <a:buNone/>
+              <a:defRPr b="0" i="0" sz="1000" u="none" cap="none" strike="noStrike">
+                <a:solidFill>
+                  <a:schemeClr val="dk2"/>
+                </a:solidFill>
+                <a:latin typeface="Arial"/>
+                <a:ea typeface="Arial"/>
+                <a:cs typeface="Arial"/>
+                <a:sym typeface="Arial"/>
+              </a:defRPr>
             </a:lvl8pPr>
-            <a:lvl9pPr lvl="8">
-              <a:buNone/>
-              <a:defRPr/>
+            <a:lvl9pPr indent="0" lvl="8" marL="0" marR="0" algn="r">
+              <a:lnSpc>
+                <a:spcPct val="100000"/>
+              </a:lnSpc>
+              <a:spcBef>
+                <a:spcPts val="0"/>
+              </a:spcBef>
+              <a:spcAft>
+                <a:spcPts val="0"/>
+              </a:spcAft>
+              <a:buClr>
+                <a:srgbClr val="000000"/>
+              </a:buClr>
+              <a:buSzPts val="1000"/>
+              <a:buFont typeface="Arial"/>
+              <a:buNone/>
+              <a:defRPr b="0" i="0" sz="1000" u="none" cap="none" strike="noStrike">
+                <a:solidFill>
+                  <a:schemeClr val="dk2"/>
+                </a:solidFill>
+                <a:latin typeface="Arial"/>
+                <a:ea typeface="Arial"/>
+                <a:cs typeface="Arial"/>
+                <a:sym typeface="Arial"/>
+              </a:defRPr>
             </a:lvl9pPr>
           </a:lstStyle>
           <a:p>
@@ -3698,47 +4540,249 @@
           <a:prstGeom prst="rect">
             <a:avLst/>
           </a:prstGeom>
+          <a:noFill/>
+          <a:ln>
+            <a:noFill/>
+          </a:ln>
         </p:spPr>
         <p:txBody>
           <a:bodyPr anchorCtr="0" anchor="ctr" bIns="91425" lIns="91425" spcFirstLastPara="1" rIns="91425" wrap="square" tIns="91425">
             <a:normAutofit/>
           </a:bodyPr>
           <a:lstStyle>
-            <a:lvl1pPr lvl="0">
-              <a:buNone/>
-              <a:defRPr/>
+            <a:lvl1pPr indent="0" lvl="0" marL="0" marR="0" algn="r">
+              <a:lnSpc>
+                <a:spcPct val="100000"/>
+              </a:lnSpc>
+              <a:spcBef>
+                <a:spcPts val="0"/>
+              </a:spcBef>
+              <a:spcAft>
+                <a:spcPts val="0"/>
+              </a:spcAft>
+              <a:buClr>
+                <a:srgbClr val="000000"/>
+              </a:buClr>
+              <a:buSzPts val="1000"/>
+              <a:buFont typeface="Arial"/>
+              <a:buNone/>
+              <a:defRPr b="0" i="0" sz="1000" u="none" cap="none" strike="noStrike">
+                <a:solidFill>
+                  <a:schemeClr val="dk2"/>
+                </a:solidFill>
+                <a:latin typeface="Arial"/>
+                <a:ea typeface="Arial"/>
+                <a:cs typeface="Arial"/>
+                <a:sym typeface="Arial"/>
+              </a:defRPr>
             </a:lvl1pPr>
-            <a:lvl2pPr lvl="1">
-              <a:buNone/>
-              <a:defRPr/>
+            <a:lvl2pPr indent="0" lvl="1" marL="0" marR="0" algn="r">
+              <a:lnSpc>
+                <a:spcPct val="100000"/>
+              </a:lnSpc>
+              <a:spcBef>
+                <a:spcPts val="0"/>
+              </a:spcBef>
+              <a:spcAft>
+                <a:spcPts val="0"/>
+              </a:spcAft>
+              <a:buClr>
+                <a:srgbClr val="000000"/>
+              </a:buClr>
+              <a:buSzPts val="1000"/>
+              <a:buFont typeface="Arial"/>
+              <a:buNone/>
+              <a:defRPr b="0" i="0" sz="1000" u="none" cap="none" strike="noStrike">
+                <a:solidFill>
+                  <a:schemeClr val="dk2"/>
+                </a:solidFill>
+                <a:latin typeface="Arial"/>
+                <a:ea typeface="Arial"/>
+                <a:cs typeface="Arial"/>
+                <a:sym typeface="Arial"/>
+              </a:defRPr>
             </a:lvl2pPr>
-            <a:lvl3pPr lvl="2">
-              <a:buNone/>
-              <a:defRPr/>
+            <a:lvl3pPr indent="0" lvl="2" marL="0" marR="0" algn="r">
+              <a:lnSpc>
+                <a:spcPct val="100000"/>
+              </a:lnSpc>
+              <a:spcBef>
+                <a:spcPts val="0"/>
+              </a:spcBef>
+              <a:spcAft>
+                <a:spcPts val="0"/>
+              </a:spcAft>
+              <a:buClr>
+                <a:srgbClr val="000000"/>
+              </a:buClr>
+              <a:buSzPts val="1000"/>
+              <a:buFont typeface="Arial"/>
+              <a:buNone/>
+              <a:defRPr b="0" i="0" sz="1000" u="none" cap="none" strike="noStrike">
+                <a:solidFill>
+                  <a:schemeClr val="dk2"/>
+                </a:solidFill>
+                <a:latin typeface="Arial"/>
+                <a:ea typeface="Arial"/>
+                <a:cs typeface="Arial"/>
+                <a:sym typeface="Arial"/>
+              </a:defRPr>
             </a:lvl3pPr>
-            <a:lvl4pPr lvl="3">
-              <a:buNone/>
-              <a:defRPr/>
+            <a:lvl4pPr indent="0" lvl="3" marL="0" marR="0" algn="r">
+              <a:lnSpc>
+                <a:spcPct val="100000"/>
+              </a:lnSpc>
+              <a:spcBef>
+                <a:spcPts val="0"/>
+              </a:spcBef>
+              <a:spcAft>
+                <a:spcPts val="0"/>
+              </a:spcAft>
+              <a:buClr>
+                <a:srgbClr val="000000"/>
+              </a:buClr>
+              <a:buSzPts val="1000"/>
+              <a:buFont typeface="Arial"/>
+              <a:buNone/>
+              <a:defRPr b="0" i="0" sz="1000" u="none" cap="none" strike="noStrike">
+                <a:solidFill>
+                  <a:schemeClr val="dk2"/>
+                </a:solidFill>
+                <a:latin typeface="Arial"/>
+                <a:ea typeface="Arial"/>
+                <a:cs typeface="Arial"/>
+                <a:sym typeface="Arial"/>
+              </a:defRPr>
             </a:lvl4pPr>
-            <a:lvl5pPr lvl="4">
-              <a:buNone/>
-              <a:defRPr/>
+            <a:lvl5pPr indent="0" lvl="4" marL="0" marR="0" algn="r">
+              <a:lnSpc>
+                <a:spcPct val="100000"/>
+              </a:lnSpc>
+              <a:spcBef>
+                <a:spcPts val="0"/>
+              </a:spcBef>
+              <a:spcAft>
+                <a:spcPts val="0"/>
+              </a:spcAft>
+              <a:buClr>
+                <a:srgbClr val="000000"/>
+              </a:buClr>
+              <a:buSzPts val="1000"/>
+              <a:buFont typeface="Arial"/>
+              <a:buNone/>
+              <a:defRPr b="0" i="0" sz="1000" u="none" cap="none" strike="noStrike">
+                <a:solidFill>
+                  <a:schemeClr val="dk2"/>
+                </a:solidFill>
+                <a:latin typeface="Arial"/>
+                <a:ea typeface="Arial"/>
+                <a:cs typeface="Arial"/>
+                <a:sym typeface="Arial"/>
+              </a:defRPr>
             </a:lvl5pPr>
-            <a:lvl6pPr lvl="5">
-              <a:buNone/>
-              <a:defRPr/>
+            <a:lvl6pPr indent="0" lvl="5" marL="0" marR="0" algn="r">
+              <a:lnSpc>
+                <a:spcPct val="100000"/>
+              </a:lnSpc>
+              <a:spcBef>
+                <a:spcPts val="0"/>
+              </a:spcBef>
+              <a:spcAft>
+                <a:spcPts val="0"/>
+              </a:spcAft>
+              <a:buClr>
+                <a:srgbClr val="000000"/>
+              </a:buClr>
+              <a:buSzPts val="1000"/>
+              <a:buFont typeface="Arial"/>
+              <a:buNone/>
+              <a:defRPr b="0" i="0" sz="1000" u="none" cap="none" strike="noStrike">
+                <a:solidFill>
+                  <a:schemeClr val="dk2"/>
+                </a:solidFill>
+                <a:latin typeface="Arial"/>
+                <a:ea typeface="Arial"/>
+                <a:cs typeface="Arial"/>
+                <a:sym typeface="Arial"/>
+              </a:defRPr>
             </a:lvl6pPr>
-            <a:lvl7pPr lvl="6">
-              <a:buNone/>
-              <a:defRPr/>
+            <a:lvl7pPr indent="0" lvl="6" marL="0" marR="0" algn="r">
+              <a:lnSpc>
+                <a:spcPct val="100000"/>
+              </a:lnSpc>
+              <a:spcBef>
+                <a:spcPts val="0"/>
+              </a:spcBef>
+              <a:spcAft>
+                <a:spcPts val="0"/>
+              </a:spcAft>
+              <a:buClr>
+                <a:srgbClr val="000000"/>
+              </a:buClr>
+              <a:buSzPts val="1000"/>
+              <a:buFont typeface="Arial"/>
+              <a:buNone/>
+              <a:defRPr b="0" i="0" sz="1000" u="none" cap="none" strike="noStrike">
+                <a:solidFill>
+                  <a:schemeClr val="dk2"/>
+                </a:solidFill>
+                <a:latin typeface="Arial"/>
+                <a:ea typeface="Arial"/>
+                <a:cs typeface="Arial"/>
+                <a:sym typeface="Arial"/>
+              </a:defRPr>
             </a:lvl7pPr>
-            <a:lvl8pPr lvl="7">
-              <a:buNone/>
-              <a:defRPr/>
+            <a:lvl8pPr indent="0" lvl="7" marL="0" marR="0" algn="r">
+              <a:lnSpc>
+                <a:spcPct val="100000"/>
+              </a:lnSpc>
+              <a:spcBef>
+                <a:spcPts val="0"/>
+              </a:spcBef>
+              <a:spcAft>
+                <a:spcPts val="0"/>
+              </a:spcAft>
+              <a:buClr>
+                <a:srgbClr val="000000"/>
+              </a:buClr>
+              <a:buSzPts val="1000"/>
+              <a:buFont typeface="Arial"/>
+              <a:buNone/>
+              <a:defRPr b="0" i="0" sz="1000" u="none" cap="none" strike="noStrike">
+                <a:solidFill>
+                  <a:schemeClr val="dk2"/>
+                </a:solidFill>
+                <a:latin typeface="Arial"/>
+                <a:ea typeface="Arial"/>
+                <a:cs typeface="Arial"/>
+                <a:sym typeface="Arial"/>
+              </a:defRPr>
             </a:lvl8pPr>
-            <a:lvl9pPr lvl="8">
-              <a:buNone/>
-              <a:defRPr/>
+            <a:lvl9pPr indent="0" lvl="8" marL="0" marR="0" algn="r">
+              <a:lnSpc>
+                <a:spcPct val="100000"/>
+              </a:lnSpc>
+              <a:spcBef>
+                <a:spcPts val="0"/>
+              </a:spcBef>
+              <a:spcAft>
+                <a:spcPts val="0"/>
+              </a:spcAft>
+              <a:buClr>
+                <a:srgbClr val="000000"/>
+              </a:buClr>
+              <a:buSzPts val="1000"/>
+              <a:buFont typeface="Arial"/>
+              <a:buNone/>
+              <a:defRPr b="0" i="0" sz="1000" u="none" cap="none" strike="noStrike">
+                <a:solidFill>
+                  <a:schemeClr val="dk2"/>
+                </a:solidFill>
+                <a:latin typeface="Arial"/>
+                <a:ea typeface="Arial"/>
+                <a:cs typeface="Arial"/>
+                <a:sym typeface="Arial"/>
+              </a:defRPr>
             </a:lvl9pPr>
           </a:lstStyle>
           <a:p>
@@ -3800,6 +4844,10 @@
           <a:prstGeom prst="rect">
             <a:avLst/>
           </a:prstGeom>
+          <a:noFill/>
+          <a:ln>
+            <a:noFill/>
+          </a:ln>
         </p:spPr>
         <p:txBody>
           <a:bodyPr anchorCtr="0" anchor="ctr" bIns="91425" lIns="91425" spcFirstLastPara="1" rIns="91425" wrap="square" tIns="91425">
@@ -3807,6 +4855,9 @@
           </a:bodyPr>
           <a:lstStyle>
             <a:lvl1pPr lvl="0" algn="ctr">
+              <a:lnSpc>
+                <a:spcPct val="100000"/>
+              </a:lnSpc>
               <a:spcBef>
                 <a:spcPts val="0"/>
               </a:spcBef>
@@ -3818,6 +4869,9 @@
               <a:defRPr sz="3600"/>
             </a:lvl1pPr>
             <a:lvl2pPr lvl="1" algn="ctr">
+              <a:lnSpc>
+                <a:spcPct val="100000"/>
+              </a:lnSpc>
               <a:spcBef>
                 <a:spcPts val="0"/>
               </a:spcBef>
@@ -3829,6 +4883,9 @@
               <a:defRPr sz="3600"/>
             </a:lvl2pPr>
             <a:lvl3pPr lvl="2" algn="ctr">
+              <a:lnSpc>
+                <a:spcPct val="100000"/>
+              </a:lnSpc>
               <a:spcBef>
                 <a:spcPts val="0"/>
               </a:spcBef>
@@ -3840,6 +4897,9 @@
               <a:defRPr sz="3600"/>
             </a:lvl3pPr>
             <a:lvl4pPr lvl="3" algn="ctr">
+              <a:lnSpc>
+                <a:spcPct val="100000"/>
+              </a:lnSpc>
               <a:spcBef>
                 <a:spcPts val="0"/>
               </a:spcBef>
@@ -3851,6 +4911,9 @@
               <a:defRPr sz="3600"/>
             </a:lvl4pPr>
             <a:lvl5pPr lvl="4" algn="ctr">
+              <a:lnSpc>
+                <a:spcPct val="100000"/>
+              </a:lnSpc>
               <a:spcBef>
                 <a:spcPts val="0"/>
               </a:spcBef>
@@ -3862,6 +4925,9 @@
               <a:defRPr sz="3600"/>
             </a:lvl5pPr>
             <a:lvl6pPr lvl="5" algn="ctr">
+              <a:lnSpc>
+                <a:spcPct val="100000"/>
+              </a:lnSpc>
               <a:spcBef>
                 <a:spcPts val="0"/>
               </a:spcBef>
@@ -3873,6 +4939,9 @@
               <a:defRPr sz="3600"/>
             </a:lvl6pPr>
             <a:lvl7pPr lvl="6" algn="ctr">
+              <a:lnSpc>
+                <a:spcPct val="100000"/>
+              </a:lnSpc>
               <a:spcBef>
                 <a:spcPts val="0"/>
               </a:spcBef>
@@ -3884,6 +4953,9 @@
               <a:defRPr sz="3600"/>
             </a:lvl7pPr>
             <a:lvl8pPr lvl="7" algn="ctr">
+              <a:lnSpc>
+                <a:spcPct val="100000"/>
+              </a:lnSpc>
               <a:spcBef>
                 <a:spcPts val="0"/>
               </a:spcBef>
@@ -3895,6 +4967,9 @@
               <a:defRPr sz="3600"/>
             </a:lvl8pPr>
             <a:lvl9pPr lvl="8" algn="ctr">
+              <a:lnSpc>
+                <a:spcPct val="100000"/>
+              </a:lnSpc>
               <a:spcBef>
                 <a:spcPts val="0"/>
               </a:spcBef>
@@ -3925,47 +5000,249 @@
           <a:prstGeom prst="rect">
             <a:avLst/>
           </a:prstGeom>
+          <a:noFill/>
+          <a:ln>
+            <a:noFill/>
+          </a:ln>
         </p:spPr>
         <p:txBody>
           <a:bodyPr anchorCtr="0" anchor="ctr" bIns="91425" lIns="91425" spcFirstLastPara="1" rIns="91425" wrap="square" tIns="91425">
             <a:normAutofit/>
           </a:bodyPr>
           <a:lstStyle>
-            <a:lvl1pPr lvl="0">
-              <a:buNone/>
-              <a:defRPr/>
+            <a:lvl1pPr indent="0" lvl="0" marL="0" marR="0" algn="r">
+              <a:lnSpc>
+                <a:spcPct val="100000"/>
+              </a:lnSpc>
+              <a:spcBef>
+                <a:spcPts val="0"/>
+              </a:spcBef>
+              <a:spcAft>
+                <a:spcPts val="0"/>
+              </a:spcAft>
+              <a:buClr>
+                <a:srgbClr val="000000"/>
+              </a:buClr>
+              <a:buSzPts val="1000"/>
+              <a:buFont typeface="Arial"/>
+              <a:buNone/>
+              <a:defRPr b="0" i="0" sz="1000" u="none" cap="none" strike="noStrike">
+                <a:solidFill>
+                  <a:schemeClr val="dk2"/>
+                </a:solidFill>
+                <a:latin typeface="Arial"/>
+                <a:ea typeface="Arial"/>
+                <a:cs typeface="Arial"/>
+                <a:sym typeface="Arial"/>
+              </a:defRPr>
             </a:lvl1pPr>
-            <a:lvl2pPr lvl="1">
-              <a:buNone/>
-              <a:defRPr/>
+            <a:lvl2pPr indent="0" lvl="1" marL="0" marR="0" algn="r">
+              <a:lnSpc>
+                <a:spcPct val="100000"/>
+              </a:lnSpc>
+              <a:spcBef>
+                <a:spcPts val="0"/>
+              </a:spcBef>
+              <a:spcAft>
+                <a:spcPts val="0"/>
+              </a:spcAft>
+              <a:buClr>
+                <a:srgbClr val="000000"/>
+              </a:buClr>
+              <a:buSzPts val="1000"/>
+              <a:buFont typeface="Arial"/>
+              <a:buNone/>
+              <a:defRPr b="0" i="0" sz="1000" u="none" cap="none" strike="noStrike">
+                <a:solidFill>
+                  <a:schemeClr val="dk2"/>
+                </a:solidFill>
+                <a:latin typeface="Arial"/>
+                <a:ea typeface="Arial"/>
+                <a:cs typeface="Arial"/>
+                <a:sym typeface="Arial"/>
+              </a:defRPr>
             </a:lvl2pPr>
-            <a:lvl3pPr lvl="2">
-              <a:buNone/>
-              <a:defRPr/>
+            <a:lvl3pPr indent="0" lvl="2" marL="0" marR="0" algn="r">
+              <a:lnSpc>
+                <a:spcPct val="100000"/>
+              </a:lnSpc>
+              <a:spcBef>
+                <a:spcPts val="0"/>
+              </a:spcBef>
+              <a:spcAft>
+                <a:spcPts val="0"/>
+              </a:spcAft>
+              <a:buClr>
+                <a:srgbClr val="000000"/>
+              </a:buClr>
+              <a:buSzPts val="1000"/>
+              <a:buFont typeface="Arial"/>
+              <a:buNone/>
+              <a:defRPr b="0" i="0" sz="1000" u="none" cap="none" strike="noStrike">
+                <a:solidFill>
+                  <a:schemeClr val="dk2"/>
+                </a:solidFill>
+                <a:latin typeface="Arial"/>
+                <a:ea typeface="Arial"/>
+                <a:cs typeface="Arial"/>
+                <a:sym typeface="Arial"/>
+              </a:defRPr>
             </a:lvl3pPr>
-            <a:lvl4pPr lvl="3">
-              <a:buNone/>
-              <a:defRPr/>
+            <a:lvl4pPr indent="0" lvl="3" marL="0" marR="0" algn="r">
+              <a:lnSpc>
+                <a:spcPct val="100000"/>
+              </a:lnSpc>
+              <a:spcBef>
+                <a:spcPts val="0"/>
+              </a:spcBef>
+              <a:spcAft>
+                <a:spcPts val="0"/>
+              </a:spcAft>
+              <a:buClr>
+                <a:srgbClr val="000000"/>
+              </a:buClr>
+              <a:buSzPts val="1000"/>
+              <a:buFont typeface="Arial"/>
+              <a:buNone/>
+              <a:defRPr b="0" i="0" sz="1000" u="none" cap="none" strike="noStrike">
+                <a:solidFill>
+                  <a:schemeClr val="dk2"/>
+                </a:solidFill>
+                <a:latin typeface="Arial"/>
+                <a:ea typeface="Arial"/>
+                <a:cs typeface="Arial"/>
+                <a:sym typeface="Arial"/>
+              </a:defRPr>
             </a:lvl4pPr>
-            <a:lvl5pPr lvl="4">
-              <a:buNone/>
-              <a:defRPr/>
+            <a:lvl5pPr indent="0" lvl="4" marL="0" marR="0" algn="r">
+              <a:lnSpc>
+                <a:spcPct val="100000"/>
+              </a:lnSpc>
+              <a:spcBef>
+                <a:spcPts val="0"/>
+              </a:spcBef>
+              <a:spcAft>
+                <a:spcPts val="0"/>
+              </a:spcAft>
+              <a:buClr>
+                <a:srgbClr val="000000"/>
+              </a:buClr>
+              <a:buSzPts val="1000"/>
+              <a:buFont typeface="Arial"/>
+              <a:buNone/>
+              <a:defRPr b="0" i="0" sz="1000" u="none" cap="none" strike="noStrike">
+                <a:solidFill>
+                  <a:schemeClr val="dk2"/>
+                </a:solidFill>
+                <a:latin typeface="Arial"/>
+                <a:ea typeface="Arial"/>
+                <a:cs typeface="Arial"/>
+                <a:sym typeface="Arial"/>
+              </a:defRPr>
             </a:lvl5pPr>
-            <a:lvl6pPr lvl="5">
-              <a:buNone/>
-              <a:defRPr/>
+            <a:lvl6pPr indent="0" lvl="5" marL="0" marR="0" algn="r">
+              <a:lnSpc>
+                <a:spcPct val="100000"/>
+              </a:lnSpc>
+              <a:spcBef>
+                <a:spcPts val="0"/>
+              </a:spcBef>
+              <a:spcAft>
+                <a:spcPts val="0"/>
+              </a:spcAft>
+              <a:buClr>
+                <a:srgbClr val="000000"/>
+              </a:buClr>
+              <a:buSzPts val="1000"/>
+              <a:buFont typeface="Arial"/>
+              <a:buNone/>
+              <a:defRPr b="0" i="0" sz="1000" u="none" cap="none" strike="noStrike">
+                <a:solidFill>
+                  <a:schemeClr val="dk2"/>
+                </a:solidFill>
+                <a:latin typeface="Arial"/>
+                <a:ea typeface="Arial"/>
+                <a:cs typeface="Arial"/>
+                <a:sym typeface="Arial"/>
+              </a:defRPr>
             </a:lvl6pPr>
-            <a:lvl7pPr lvl="6">
-              <a:buNone/>
-              <a:defRPr/>
+            <a:lvl7pPr indent="0" lvl="6" marL="0" marR="0" algn="r">
+              <a:lnSpc>
+                <a:spcPct val="100000"/>
+              </a:lnSpc>
+              <a:spcBef>
+                <a:spcPts val="0"/>
+              </a:spcBef>
+              <a:spcAft>
+                <a:spcPts val="0"/>
+              </a:spcAft>
+              <a:buClr>
+                <a:srgbClr val="000000"/>
+              </a:buClr>
+              <a:buSzPts val="1000"/>
+              <a:buFont typeface="Arial"/>
+              <a:buNone/>
+              <a:defRPr b="0" i="0" sz="1000" u="none" cap="none" strike="noStrike">
+                <a:solidFill>
+                  <a:schemeClr val="dk2"/>
+                </a:solidFill>
+                <a:latin typeface="Arial"/>
+                <a:ea typeface="Arial"/>
+                <a:cs typeface="Arial"/>
+                <a:sym typeface="Arial"/>
+              </a:defRPr>
             </a:lvl7pPr>
-            <a:lvl8pPr lvl="7">
-              <a:buNone/>
-              <a:defRPr/>
+            <a:lvl8pPr indent="0" lvl="7" marL="0" marR="0" algn="r">
+              <a:lnSpc>
+                <a:spcPct val="100000"/>
+              </a:lnSpc>
+              <a:spcBef>
+                <a:spcPts val="0"/>
+              </a:spcBef>
+              <a:spcAft>
+                <a:spcPts val="0"/>
+              </a:spcAft>
+              <a:buClr>
+                <a:srgbClr val="000000"/>
+              </a:buClr>
+              <a:buSzPts val="1000"/>
+              <a:buFont typeface="Arial"/>
+              <a:buNone/>
+              <a:defRPr b="0" i="0" sz="1000" u="none" cap="none" strike="noStrike">
+                <a:solidFill>
+                  <a:schemeClr val="dk2"/>
+                </a:solidFill>
+                <a:latin typeface="Arial"/>
+                <a:ea typeface="Arial"/>
+                <a:cs typeface="Arial"/>
+                <a:sym typeface="Arial"/>
+              </a:defRPr>
             </a:lvl8pPr>
-            <a:lvl9pPr lvl="8">
-              <a:buNone/>
-              <a:defRPr/>
+            <a:lvl9pPr indent="0" lvl="8" marL="0" marR="0" algn="r">
+              <a:lnSpc>
+                <a:spcPct val="100000"/>
+              </a:lnSpc>
+              <a:spcBef>
+                <a:spcPts val="0"/>
+              </a:spcBef>
+              <a:spcAft>
+                <a:spcPts val="0"/>
+              </a:spcAft>
+              <a:buClr>
+                <a:srgbClr val="000000"/>
+              </a:buClr>
+              <a:buSzPts val="1000"/>
+              <a:buFont typeface="Arial"/>
+              <a:buNone/>
+              <a:defRPr b="0" i="0" sz="1000" u="none" cap="none" strike="noStrike">
+                <a:solidFill>
+                  <a:schemeClr val="dk2"/>
+                </a:solidFill>
+                <a:latin typeface="Arial"/>
+                <a:ea typeface="Arial"/>
+                <a:cs typeface="Arial"/>
+                <a:sym typeface="Arial"/>
+              </a:defRPr>
             </a:lvl9pPr>
           </a:lstStyle>
           <a:p>
@@ -4027,13 +5304,20 @@
           <a:prstGeom prst="rect">
             <a:avLst/>
           </a:prstGeom>
+          <a:noFill/>
+          <a:ln>
+            <a:noFill/>
+          </a:ln>
         </p:spPr>
         <p:txBody>
           <a:bodyPr anchorCtr="0" anchor="t" bIns="91425" lIns="91425" spcFirstLastPara="1" rIns="91425" wrap="square" tIns="91425">
             <a:normAutofit/>
           </a:bodyPr>
           <a:lstStyle>
-            <a:lvl1pPr lvl="0">
+            <a:lvl1pPr lvl="0" algn="l">
+              <a:lnSpc>
+                <a:spcPct val="100000"/>
+              </a:lnSpc>
               <a:spcBef>
                 <a:spcPts val="0"/>
               </a:spcBef>
@@ -4044,7 +5328,10 @@
               <a:buNone/>
               <a:defRPr/>
             </a:lvl1pPr>
-            <a:lvl2pPr lvl="1">
+            <a:lvl2pPr lvl="1" algn="l">
+              <a:lnSpc>
+                <a:spcPct val="100000"/>
+              </a:lnSpc>
               <a:spcBef>
                 <a:spcPts val="0"/>
               </a:spcBef>
@@ -4055,7 +5342,10 @@
               <a:buNone/>
               <a:defRPr/>
             </a:lvl2pPr>
-            <a:lvl3pPr lvl="2">
+            <a:lvl3pPr lvl="2" algn="l">
+              <a:lnSpc>
+                <a:spcPct val="100000"/>
+              </a:lnSpc>
               <a:spcBef>
                 <a:spcPts val="0"/>
               </a:spcBef>
@@ -4066,7 +5356,10 @@
               <a:buNone/>
               <a:defRPr/>
             </a:lvl3pPr>
-            <a:lvl4pPr lvl="3">
+            <a:lvl4pPr lvl="3" algn="l">
+              <a:lnSpc>
+                <a:spcPct val="100000"/>
+              </a:lnSpc>
               <a:spcBef>
                 <a:spcPts val="0"/>
               </a:spcBef>
@@ -4077,7 +5370,10 @@
               <a:buNone/>
               <a:defRPr/>
             </a:lvl4pPr>
-            <a:lvl5pPr lvl="4">
+            <a:lvl5pPr lvl="4" algn="l">
+              <a:lnSpc>
+                <a:spcPct val="100000"/>
+              </a:lnSpc>
               <a:spcBef>
                 <a:spcPts val="0"/>
               </a:spcBef>
@@ -4088,7 +5384,10 @@
               <a:buNone/>
               <a:defRPr/>
             </a:lvl5pPr>
-            <a:lvl6pPr lvl="5">
+            <a:lvl6pPr lvl="5" algn="l">
+              <a:lnSpc>
+                <a:spcPct val="100000"/>
+              </a:lnSpc>
               <a:spcBef>
                 <a:spcPts val="0"/>
               </a:spcBef>
@@ -4099,7 +5398,10 @@
               <a:buNone/>
               <a:defRPr/>
             </a:lvl6pPr>
-            <a:lvl7pPr lvl="6">
+            <a:lvl7pPr lvl="6" algn="l">
+              <a:lnSpc>
+                <a:spcPct val="100000"/>
+              </a:lnSpc>
               <a:spcBef>
                 <a:spcPts val="0"/>
               </a:spcBef>
@@ -4110,7 +5412,10 @@
               <a:buNone/>
               <a:defRPr/>
             </a:lvl7pPr>
-            <a:lvl8pPr lvl="7">
+            <a:lvl8pPr lvl="7" algn="l">
+              <a:lnSpc>
+                <a:spcPct val="100000"/>
+              </a:lnSpc>
               <a:spcBef>
                 <a:spcPts val="0"/>
               </a:spcBef>
@@ -4121,7 +5426,10 @@
               <a:buNone/>
               <a:defRPr/>
             </a:lvl8pPr>
-            <a:lvl9pPr lvl="8">
+            <a:lvl9pPr lvl="8" algn="l">
+              <a:lnSpc>
+                <a:spcPct val="100000"/>
+              </a:lnSpc>
               <a:spcBef>
                 <a:spcPts val="0"/>
               </a:spcBef>
@@ -4152,13 +5460,20 @@
           <a:prstGeom prst="rect">
             <a:avLst/>
           </a:prstGeom>
+          <a:noFill/>
+          <a:ln>
+            <a:noFill/>
+          </a:ln>
         </p:spPr>
         <p:txBody>
           <a:bodyPr anchorCtr="0" anchor="t" bIns="91425" lIns="91425" spcFirstLastPara="1" rIns="91425" wrap="square" tIns="91425">
             <a:normAutofit/>
           </a:bodyPr>
           <a:lstStyle>
-            <a:lvl1pPr indent="-342900" lvl="0" marL="457200">
+            <a:lvl1pPr indent="-342900" lvl="0" marL="457200" algn="l">
+              <a:lnSpc>
+                <a:spcPct val="115000"/>
+              </a:lnSpc>
               <a:spcBef>
                 <a:spcPts val="0"/>
               </a:spcBef>
@@ -4169,7 +5484,10 @@
               <a:buChar char="●"/>
               <a:defRPr/>
             </a:lvl1pPr>
-            <a:lvl2pPr indent="-317500" lvl="1" marL="914400">
+            <a:lvl2pPr indent="-317500" lvl="1" marL="914400" algn="l">
+              <a:lnSpc>
+                <a:spcPct val="115000"/>
+              </a:lnSpc>
               <a:spcBef>
                 <a:spcPts val="0"/>
               </a:spcBef>
@@ -4180,7 +5498,10 @@
               <a:buChar char="○"/>
               <a:defRPr/>
             </a:lvl2pPr>
-            <a:lvl3pPr indent="-317500" lvl="2" marL="1371600">
+            <a:lvl3pPr indent="-317500" lvl="2" marL="1371600" algn="l">
+              <a:lnSpc>
+                <a:spcPct val="115000"/>
+              </a:lnSpc>
               <a:spcBef>
                 <a:spcPts val="0"/>
               </a:spcBef>
@@ -4191,7 +5512,10 @@
               <a:buChar char="■"/>
               <a:defRPr/>
             </a:lvl3pPr>
-            <a:lvl4pPr indent="-317500" lvl="3" marL="1828800">
+            <a:lvl4pPr indent="-317500" lvl="3" marL="1828800" algn="l">
+              <a:lnSpc>
+                <a:spcPct val="115000"/>
+              </a:lnSpc>
               <a:spcBef>
                 <a:spcPts val="0"/>
               </a:spcBef>
@@ -4202,7 +5526,10 @@
               <a:buChar char="●"/>
               <a:defRPr/>
             </a:lvl4pPr>
-            <a:lvl5pPr indent="-317500" lvl="4" marL="2286000">
+            <a:lvl5pPr indent="-317500" lvl="4" marL="2286000" algn="l">
+              <a:lnSpc>
+                <a:spcPct val="115000"/>
+              </a:lnSpc>
               <a:spcBef>
                 <a:spcPts val="0"/>
               </a:spcBef>
@@ -4213,7 +5540,10 @@
               <a:buChar char="○"/>
               <a:defRPr/>
             </a:lvl5pPr>
-            <a:lvl6pPr indent="-317500" lvl="5" marL="2743200">
+            <a:lvl6pPr indent="-317500" lvl="5" marL="2743200" algn="l">
+              <a:lnSpc>
+                <a:spcPct val="115000"/>
+              </a:lnSpc>
               <a:spcBef>
                 <a:spcPts val="0"/>
               </a:spcBef>
@@ -4224,7 +5554,10 @@
               <a:buChar char="■"/>
               <a:defRPr/>
             </a:lvl6pPr>
-            <a:lvl7pPr indent="-317500" lvl="6" marL="3200400">
+            <a:lvl7pPr indent="-317500" lvl="6" marL="3200400" algn="l">
+              <a:lnSpc>
+                <a:spcPct val="115000"/>
+              </a:lnSpc>
               <a:spcBef>
                 <a:spcPts val="0"/>
               </a:spcBef>
@@ -4235,7 +5568,10 @@
               <a:buChar char="●"/>
               <a:defRPr/>
             </a:lvl7pPr>
-            <a:lvl8pPr indent="-317500" lvl="7" marL="3657600">
+            <a:lvl8pPr indent="-317500" lvl="7" marL="3657600" algn="l">
+              <a:lnSpc>
+                <a:spcPct val="115000"/>
+              </a:lnSpc>
               <a:spcBef>
                 <a:spcPts val="0"/>
               </a:spcBef>
@@ -4246,7 +5582,10 @@
               <a:buChar char="○"/>
               <a:defRPr/>
             </a:lvl8pPr>
-            <a:lvl9pPr indent="-317500" lvl="8" marL="4114800">
+            <a:lvl9pPr indent="-317500" lvl="8" marL="4114800" algn="l">
+              <a:lnSpc>
+                <a:spcPct val="115000"/>
+              </a:lnSpc>
               <a:spcBef>
                 <a:spcPts val="0"/>
               </a:spcBef>
@@ -4277,47 +5616,249 @@
           <a:prstGeom prst="rect">
             <a:avLst/>
           </a:prstGeom>
+          <a:noFill/>
+          <a:ln>
+            <a:noFill/>
+          </a:ln>
         </p:spPr>
         <p:txBody>
           <a:bodyPr anchorCtr="0" anchor="ctr" bIns="91425" lIns="91425" spcFirstLastPara="1" rIns="91425" wrap="square" tIns="91425">
             <a:normAutofit/>
           </a:bodyPr>
           <a:lstStyle>
-            <a:lvl1pPr lvl="0">
-              <a:buNone/>
-              <a:defRPr/>
+            <a:lvl1pPr indent="0" lvl="0" marL="0" marR="0" algn="r">
+              <a:lnSpc>
+                <a:spcPct val="100000"/>
+              </a:lnSpc>
+              <a:spcBef>
+                <a:spcPts val="0"/>
+              </a:spcBef>
+              <a:spcAft>
+                <a:spcPts val="0"/>
+              </a:spcAft>
+              <a:buClr>
+                <a:srgbClr val="000000"/>
+              </a:buClr>
+              <a:buSzPts val="1000"/>
+              <a:buFont typeface="Arial"/>
+              <a:buNone/>
+              <a:defRPr b="0" i="0" sz="1000" u="none" cap="none" strike="noStrike">
+                <a:solidFill>
+                  <a:schemeClr val="dk2"/>
+                </a:solidFill>
+                <a:latin typeface="Arial"/>
+                <a:ea typeface="Arial"/>
+                <a:cs typeface="Arial"/>
+                <a:sym typeface="Arial"/>
+              </a:defRPr>
             </a:lvl1pPr>
-            <a:lvl2pPr lvl="1">
-              <a:buNone/>
-              <a:defRPr/>
+            <a:lvl2pPr indent="0" lvl="1" marL="0" marR="0" algn="r">
+              <a:lnSpc>
+                <a:spcPct val="100000"/>
+              </a:lnSpc>
+              <a:spcBef>
+                <a:spcPts val="0"/>
+              </a:spcBef>
+              <a:spcAft>
+                <a:spcPts val="0"/>
+              </a:spcAft>
+              <a:buClr>
+                <a:srgbClr val="000000"/>
+              </a:buClr>
+              <a:buSzPts val="1000"/>
+              <a:buFont typeface="Arial"/>
+              <a:buNone/>
+              <a:defRPr b="0" i="0" sz="1000" u="none" cap="none" strike="noStrike">
+                <a:solidFill>
+                  <a:schemeClr val="dk2"/>
+                </a:solidFill>
+                <a:latin typeface="Arial"/>
+                <a:ea typeface="Arial"/>
+                <a:cs typeface="Arial"/>
+                <a:sym typeface="Arial"/>
+              </a:defRPr>
             </a:lvl2pPr>
-            <a:lvl3pPr lvl="2">
-              <a:buNone/>
-              <a:defRPr/>
+            <a:lvl3pPr indent="0" lvl="2" marL="0" marR="0" algn="r">
+              <a:lnSpc>
+                <a:spcPct val="100000"/>
+              </a:lnSpc>
+              <a:spcBef>
+                <a:spcPts val="0"/>
+              </a:spcBef>
+              <a:spcAft>
+                <a:spcPts val="0"/>
+              </a:spcAft>
+              <a:buClr>
+                <a:srgbClr val="000000"/>
+              </a:buClr>
+              <a:buSzPts val="1000"/>
+              <a:buFont typeface="Arial"/>
+              <a:buNone/>
+              <a:defRPr b="0" i="0" sz="1000" u="none" cap="none" strike="noStrike">
+                <a:solidFill>
+                  <a:schemeClr val="dk2"/>
+                </a:solidFill>
+                <a:latin typeface="Arial"/>
+                <a:ea typeface="Arial"/>
+                <a:cs typeface="Arial"/>
+                <a:sym typeface="Arial"/>
+              </a:defRPr>
             </a:lvl3pPr>
-            <a:lvl4pPr lvl="3">
-              <a:buNone/>
-              <a:defRPr/>
+            <a:lvl4pPr indent="0" lvl="3" marL="0" marR="0" algn="r">
+              <a:lnSpc>
+                <a:spcPct val="100000"/>
+              </a:lnSpc>
+              <a:spcBef>
+                <a:spcPts val="0"/>
+              </a:spcBef>
+              <a:spcAft>
+                <a:spcPts val="0"/>
+              </a:spcAft>
+              <a:buClr>
+                <a:srgbClr val="000000"/>
+              </a:buClr>
+              <a:buSzPts val="1000"/>
+              <a:buFont typeface="Arial"/>
+              <a:buNone/>
+              <a:defRPr b="0" i="0" sz="1000" u="none" cap="none" strike="noStrike">
+                <a:solidFill>
+                  <a:schemeClr val="dk2"/>
+                </a:solidFill>
+                <a:latin typeface="Arial"/>
+                <a:ea typeface="Arial"/>
+                <a:cs typeface="Arial"/>
+                <a:sym typeface="Arial"/>
+              </a:defRPr>
             </a:lvl4pPr>
-            <a:lvl5pPr lvl="4">
-              <a:buNone/>
-              <a:defRPr/>
+            <a:lvl5pPr indent="0" lvl="4" marL="0" marR="0" algn="r">
+              <a:lnSpc>
+                <a:spcPct val="100000"/>
+              </a:lnSpc>
+              <a:spcBef>
+                <a:spcPts val="0"/>
+              </a:spcBef>
+              <a:spcAft>
+                <a:spcPts val="0"/>
+              </a:spcAft>
+              <a:buClr>
+                <a:srgbClr val="000000"/>
+              </a:buClr>
+              <a:buSzPts val="1000"/>
+              <a:buFont typeface="Arial"/>
+              <a:buNone/>
+              <a:defRPr b="0" i="0" sz="1000" u="none" cap="none" strike="noStrike">
+                <a:solidFill>
+                  <a:schemeClr val="dk2"/>
+                </a:solidFill>
+                <a:latin typeface="Arial"/>
+                <a:ea typeface="Arial"/>
+                <a:cs typeface="Arial"/>
+                <a:sym typeface="Arial"/>
+              </a:defRPr>
             </a:lvl5pPr>
-            <a:lvl6pPr lvl="5">
-              <a:buNone/>
-              <a:defRPr/>
+            <a:lvl6pPr indent="0" lvl="5" marL="0" marR="0" algn="r">
+              <a:lnSpc>
+                <a:spcPct val="100000"/>
+              </a:lnSpc>
+              <a:spcBef>
+                <a:spcPts val="0"/>
+              </a:spcBef>
+              <a:spcAft>
+                <a:spcPts val="0"/>
+              </a:spcAft>
+              <a:buClr>
+                <a:srgbClr val="000000"/>
+              </a:buClr>
+              <a:buSzPts val="1000"/>
+              <a:buFont typeface="Arial"/>
+              <a:buNone/>
+              <a:defRPr b="0" i="0" sz="1000" u="none" cap="none" strike="noStrike">
+                <a:solidFill>
+                  <a:schemeClr val="dk2"/>
+                </a:solidFill>
+                <a:latin typeface="Arial"/>
+                <a:ea typeface="Arial"/>
+                <a:cs typeface="Arial"/>
+                <a:sym typeface="Arial"/>
+              </a:defRPr>
             </a:lvl6pPr>
-            <a:lvl7pPr lvl="6">
-              <a:buNone/>
-              <a:defRPr/>
+            <a:lvl7pPr indent="0" lvl="6" marL="0" marR="0" algn="r">
+              <a:lnSpc>
+                <a:spcPct val="100000"/>
+              </a:lnSpc>
+              <a:spcBef>
+                <a:spcPts val="0"/>
+              </a:spcBef>
+              <a:spcAft>
+                <a:spcPts val="0"/>
+              </a:spcAft>
+              <a:buClr>
+                <a:srgbClr val="000000"/>
+              </a:buClr>
+              <a:buSzPts val="1000"/>
+              <a:buFont typeface="Arial"/>
+              <a:buNone/>
+              <a:defRPr b="0" i="0" sz="1000" u="none" cap="none" strike="noStrike">
+                <a:solidFill>
+                  <a:schemeClr val="dk2"/>
+                </a:solidFill>
+                <a:latin typeface="Arial"/>
+                <a:ea typeface="Arial"/>
+                <a:cs typeface="Arial"/>
+                <a:sym typeface="Arial"/>
+              </a:defRPr>
             </a:lvl7pPr>
-            <a:lvl8pPr lvl="7">
-              <a:buNone/>
-              <a:defRPr/>
+            <a:lvl8pPr indent="0" lvl="7" marL="0" marR="0" algn="r">
+              <a:lnSpc>
+                <a:spcPct val="100000"/>
+              </a:lnSpc>
+              <a:spcBef>
+                <a:spcPts val="0"/>
+              </a:spcBef>
+              <a:spcAft>
+                <a:spcPts val="0"/>
+              </a:spcAft>
+              <a:buClr>
+                <a:srgbClr val="000000"/>
+              </a:buClr>
+              <a:buSzPts val="1000"/>
+              <a:buFont typeface="Arial"/>
+              <a:buNone/>
+              <a:defRPr b="0" i="0" sz="1000" u="none" cap="none" strike="noStrike">
+                <a:solidFill>
+                  <a:schemeClr val="dk2"/>
+                </a:solidFill>
+                <a:latin typeface="Arial"/>
+                <a:ea typeface="Arial"/>
+                <a:cs typeface="Arial"/>
+                <a:sym typeface="Arial"/>
+              </a:defRPr>
             </a:lvl8pPr>
-            <a:lvl9pPr lvl="8">
-              <a:buNone/>
-              <a:defRPr/>
+            <a:lvl9pPr indent="0" lvl="8" marL="0" marR="0" algn="r">
+              <a:lnSpc>
+                <a:spcPct val="100000"/>
+              </a:lnSpc>
+              <a:spcBef>
+                <a:spcPts val="0"/>
+              </a:spcBef>
+              <a:spcAft>
+                <a:spcPts val="0"/>
+              </a:spcAft>
+              <a:buClr>
+                <a:srgbClr val="000000"/>
+              </a:buClr>
+              <a:buSzPts val="1000"/>
+              <a:buFont typeface="Arial"/>
+              <a:buNone/>
+              <a:defRPr b="0" i="0" sz="1000" u="none" cap="none" strike="noStrike">
+                <a:solidFill>
+                  <a:schemeClr val="dk2"/>
+                </a:solidFill>
+                <a:latin typeface="Arial"/>
+                <a:ea typeface="Arial"/>
+                <a:cs typeface="Arial"/>
+                <a:sym typeface="Arial"/>
+              </a:defRPr>
             </a:lvl9pPr>
           </a:lstStyle>
           <a:p>
@@ -4379,13 +5920,20 @@
           <a:prstGeom prst="rect">
             <a:avLst/>
           </a:prstGeom>
+          <a:noFill/>
+          <a:ln>
+            <a:noFill/>
+          </a:ln>
         </p:spPr>
         <p:txBody>
           <a:bodyPr anchorCtr="0" anchor="t" bIns="91425" lIns="91425" spcFirstLastPara="1" rIns="91425" wrap="square" tIns="91425">
             <a:normAutofit/>
           </a:bodyPr>
           <a:lstStyle>
-            <a:lvl1pPr lvl="0">
+            <a:lvl1pPr lvl="0" algn="l">
+              <a:lnSpc>
+                <a:spcPct val="100000"/>
+              </a:lnSpc>
               <a:spcBef>
                 <a:spcPts val="0"/>
               </a:spcBef>
@@ -4396,7 +5944,10 @@
               <a:buNone/>
               <a:defRPr/>
             </a:lvl1pPr>
-            <a:lvl2pPr lvl="1">
+            <a:lvl2pPr lvl="1" algn="l">
+              <a:lnSpc>
+                <a:spcPct val="100000"/>
+              </a:lnSpc>
               <a:spcBef>
                 <a:spcPts val="0"/>
               </a:spcBef>
@@ -4407,7 +5958,10 @@
               <a:buNone/>
               <a:defRPr/>
             </a:lvl2pPr>
-            <a:lvl3pPr lvl="2">
+            <a:lvl3pPr lvl="2" algn="l">
+              <a:lnSpc>
+                <a:spcPct val="100000"/>
+              </a:lnSpc>
               <a:spcBef>
                 <a:spcPts val="0"/>
               </a:spcBef>
@@ -4418,7 +5972,10 @@
               <a:buNone/>
               <a:defRPr/>
             </a:lvl3pPr>
-            <a:lvl4pPr lvl="3">
+            <a:lvl4pPr lvl="3" algn="l">
+              <a:lnSpc>
+                <a:spcPct val="100000"/>
+              </a:lnSpc>
               <a:spcBef>
                 <a:spcPts val="0"/>
               </a:spcBef>
@@ -4429,7 +5986,10 @@
               <a:buNone/>
               <a:defRPr/>
             </a:lvl4pPr>
-            <a:lvl5pPr lvl="4">
+            <a:lvl5pPr lvl="4" algn="l">
+              <a:lnSpc>
+                <a:spcPct val="100000"/>
+              </a:lnSpc>
               <a:spcBef>
                 <a:spcPts val="0"/>
               </a:spcBef>
@@ -4440,7 +6000,10 @@
               <a:buNone/>
               <a:defRPr/>
             </a:lvl5pPr>
-            <a:lvl6pPr lvl="5">
+            <a:lvl6pPr lvl="5" algn="l">
+              <a:lnSpc>
+                <a:spcPct val="100000"/>
+              </a:lnSpc>
               <a:spcBef>
                 <a:spcPts val="0"/>
               </a:spcBef>
@@ -4451,7 +6014,10 @@
               <a:buNone/>
               <a:defRPr/>
             </a:lvl6pPr>
-            <a:lvl7pPr lvl="6">
+            <a:lvl7pPr lvl="6" algn="l">
+              <a:lnSpc>
+                <a:spcPct val="100000"/>
+              </a:lnSpc>
               <a:spcBef>
                 <a:spcPts val="0"/>
               </a:spcBef>
@@ -4462,7 +6028,10 @@
               <a:buNone/>
               <a:defRPr/>
             </a:lvl7pPr>
-            <a:lvl8pPr lvl="7">
+            <a:lvl8pPr lvl="7" algn="l">
+              <a:lnSpc>
+                <a:spcPct val="100000"/>
+              </a:lnSpc>
               <a:spcBef>
                 <a:spcPts val="0"/>
               </a:spcBef>
@@ -4473,7 +6042,10 @@
               <a:buNone/>
               <a:defRPr/>
             </a:lvl8pPr>
-            <a:lvl9pPr lvl="8">
+            <a:lvl9pPr lvl="8" algn="l">
+              <a:lnSpc>
+                <a:spcPct val="100000"/>
+              </a:lnSpc>
               <a:spcBef>
                 <a:spcPts val="0"/>
               </a:spcBef>
@@ -4504,13 +6076,20 @@
           <a:prstGeom prst="rect">
             <a:avLst/>
           </a:prstGeom>
+          <a:noFill/>
+          <a:ln>
+            <a:noFill/>
+          </a:ln>
         </p:spPr>
         <p:txBody>
           <a:bodyPr anchorCtr="0" anchor="t" bIns="91425" lIns="91425" spcFirstLastPara="1" rIns="91425" wrap="square" tIns="91425">
             <a:normAutofit/>
           </a:bodyPr>
           <a:lstStyle>
-            <a:lvl1pPr indent="-317500" lvl="0" marL="457200">
+            <a:lvl1pPr indent="-317500" lvl="0" marL="457200" algn="l">
+              <a:lnSpc>
+                <a:spcPct val="115000"/>
+              </a:lnSpc>
               <a:spcBef>
                 <a:spcPts val="0"/>
               </a:spcBef>
@@ -4521,7 +6100,10 @@
               <a:buChar char="●"/>
               <a:defRPr sz="1400"/>
             </a:lvl1pPr>
-            <a:lvl2pPr indent="-304800" lvl="1" marL="914400">
+            <a:lvl2pPr indent="-304800" lvl="1" marL="914400" algn="l">
+              <a:lnSpc>
+                <a:spcPct val="115000"/>
+              </a:lnSpc>
               <a:spcBef>
                 <a:spcPts val="0"/>
               </a:spcBef>
@@ -4532,7 +6114,10 @@
               <a:buChar char="○"/>
               <a:defRPr sz="1200"/>
             </a:lvl2pPr>
-            <a:lvl3pPr indent="-304800" lvl="2" marL="1371600">
+            <a:lvl3pPr indent="-304800" lvl="2" marL="1371600" algn="l">
+              <a:lnSpc>
+                <a:spcPct val="115000"/>
+              </a:lnSpc>
               <a:spcBef>
                 <a:spcPts val="0"/>
               </a:spcBef>
@@ -4543,7 +6128,10 @@
               <a:buChar char="■"/>
               <a:defRPr sz="1200"/>
             </a:lvl3pPr>
-            <a:lvl4pPr indent="-304800" lvl="3" marL="1828800">
+            <a:lvl4pPr indent="-304800" lvl="3" marL="1828800" algn="l">
+              <a:lnSpc>
+                <a:spcPct val="115000"/>
+              </a:lnSpc>
               <a:spcBef>
                 <a:spcPts val="0"/>
               </a:spcBef>
@@ -4554,7 +6142,10 @@
               <a:buChar char="●"/>
               <a:defRPr sz="1200"/>
             </a:lvl4pPr>
-            <a:lvl5pPr indent="-304800" lvl="4" marL="2286000">
+            <a:lvl5pPr indent="-304800" lvl="4" marL="2286000" algn="l">
+              <a:lnSpc>
+                <a:spcPct val="115000"/>
+              </a:lnSpc>
               <a:spcBef>
                 <a:spcPts val="0"/>
               </a:spcBef>
@@ -4565,7 +6156,10 @@
               <a:buChar char="○"/>
               <a:defRPr sz="1200"/>
             </a:lvl5pPr>
-            <a:lvl6pPr indent="-304800" lvl="5" marL="2743200">
+            <a:lvl6pPr indent="-304800" lvl="5" marL="2743200" algn="l">
+              <a:lnSpc>
+                <a:spcPct val="115000"/>
+              </a:lnSpc>
               <a:spcBef>
                 <a:spcPts val="0"/>
               </a:spcBef>
@@ -4576,7 +6170,10 @@
               <a:buChar char="■"/>
               <a:defRPr sz="1200"/>
             </a:lvl6pPr>
-            <a:lvl7pPr indent="-304800" lvl="6" marL="3200400">
+            <a:lvl7pPr indent="-304800" lvl="6" marL="3200400" algn="l">
+              <a:lnSpc>
+                <a:spcPct val="115000"/>
+              </a:lnSpc>
               <a:spcBef>
                 <a:spcPts val="0"/>
               </a:spcBef>
@@ -4587,7 +6184,10 @@
               <a:buChar char="●"/>
               <a:defRPr sz="1200"/>
             </a:lvl7pPr>
-            <a:lvl8pPr indent="-304800" lvl="7" marL="3657600">
+            <a:lvl8pPr indent="-304800" lvl="7" marL="3657600" algn="l">
+              <a:lnSpc>
+                <a:spcPct val="115000"/>
+              </a:lnSpc>
               <a:spcBef>
                 <a:spcPts val="0"/>
               </a:spcBef>
@@ -4598,7 +6198,10 @@
               <a:buChar char="○"/>
               <a:defRPr sz="1200"/>
             </a:lvl8pPr>
-            <a:lvl9pPr indent="-304800" lvl="8" marL="4114800">
+            <a:lvl9pPr indent="-304800" lvl="8" marL="4114800" algn="l">
+              <a:lnSpc>
+                <a:spcPct val="115000"/>
+              </a:lnSpc>
               <a:spcBef>
                 <a:spcPts val="0"/>
               </a:spcBef>
@@ -4629,13 +6232,20 @@
           <a:prstGeom prst="rect">
             <a:avLst/>
           </a:prstGeom>
+          <a:noFill/>
+          <a:ln>
+            <a:noFill/>
+          </a:ln>
         </p:spPr>
         <p:txBody>
           <a:bodyPr anchorCtr="0" anchor="t" bIns="91425" lIns="91425" spcFirstLastPara="1" rIns="91425" wrap="square" tIns="91425">
             <a:normAutofit/>
           </a:bodyPr>
           <a:lstStyle>
-            <a:lvl1pPr indent="-317500" lvl="0" marL="457200">
+            <a:lvl1pPr indent="-317500" lvl="0" marL="457200" algn="l">
+              <a:lnSpc>
+                <a:spcPct val="115000"/>
+              </a:lnSpc>
               <a:spcBef>
                 <a:spcPts val="0"/>
               </a:spcBef>
@@ -4646,7 +6256,10 @@
               <a:buChar char="●"/>
               <a:defRPr sz="1400"/>
             </a:lvl1pPr>
-            <a:lvl2pPr indent="-304800" lvl="1" marL="914400">
+            <a:lvl2pPr indent="-304800" lvl="1" marL="914400" algn="l">
+              <a:lnSpc>
+                <a:spcPct val="115000"/>
+              </a:lnSpc>
               <a:spcBef>
                 <a:spcPts val="0"/>
               </a:spcBef>
@@ -4657,7 +6270,10 @@
               <a:buChar char="○"/>
               <a:defRPr sz="1200"/>
             </a:lvl2pPr>
-            <a:lvl3pPr indent="-304800" lvl="2" marL="1371600">
+            <a:lvl3pPr indent="-304800" lvl="2" marL="1371600" algn="l">
+              <a:lnSpc>
+                <a:spcPct val="115000"/>
+              </a:lnSpc>
               <a:spcBef>
                 <a:spcPts val="0"/>
               </a:spcBef>
@@ -4668,7 +6284,10 @@
               <a:buChar char="■"/>
               <a:defRPr sz="1200"/>
             </a:lvl3pPr>
-            <a:lvl4pPr indent="-304800" lvl="3" marL="1828800">
+            <a:lvl4pPr indent="-304800" lvl="3" marL="1828800" algn="l">
+              <a:lnSpc>
+                <a:spcPct val="115000"/>
+              </a:lnSpc>
               <a:spcBef>
                 <a:spcPts val="0"/>
               </a:spcBef>
@@ -4679,7 +6298,10 @@
               <a:buChar char="●"/>
               <a:defRPr sz="1200"/>
             </a:lvl4pPr>
-            <a:lvl5pPr indent="-304800" lvl="4" marL="2286000">
+            <a:lvl5pPr indent="-304800" lvl="4" marL="2286000" algn="l">
+              <a:lnSpc>
+                <a:spcPct val="115000"/>
+              </a:lnSpc>
               <a:spcBef>
                 <a:spcPts val="0"/>
               </a:spcBef>
@@ -4690,7 +6312,10 @@
               <a:buChar char="○"/>
               <a:defRPr sz="1200"/>
             </a:lvl5pPr>
-            <a:lvl6pPr indent="-304800" lvl="5" marL="2743200">
+            <a:lvl6pPr indent="-304800" lvl="5" marL="2743200" algn="l">
+              <a:lnSpc>
+                <a:spcPct val="115000"/>
+              </a:lnSpc>
               <a:spcBef>
                 <a:spcPts val="0"/>
               </a:spcBef>
@@ -4701,7 +6326,10 @@
               <a:buChar char="■"/>
               <a:defRPr sz="1200"/>
             </a:lvl6pPr>
-            <a:lvl7pPr indent="-304800" lvl="6" marL="3200400">
+            <a:lvl7pPr indent="-304800" lvl="6" marL="3200400" algn="l">
+              <a:lnSpc>
+                <a:spcPct val="115000"/>
+              </a:lnSpc>
               <a:spcBef>
                 <a:spcPts val="0"/>
               </a:spcBef>
@@ -4712,7 +6340,10 @@
               <a:buChar char="●"/>
               <a:defRPr sz="1200"/>
             </a:lvl7pPr>
-            <a:lvl8pPr indent="-304800" lvl="7" marL="3657600">
+            <a:lvl8pPr indent="-304800" lvl="7" marL="3657600" algn="l">
+              <a:lnSpc>
+                <a:spcPct val="115000"/>
+              </a:lnSpc>
               <a:spcBef>
                 <a:spcPts val="0"/>
               </a:spcBef>
@@ -4723,7 +6354,10 @@
               <a:buChar char="○"/>
               <a:defRPr sz="1200"/>
             </a:lvl8pPr>
-            <a:lvl9pPr indent="-304800" lvl="8" marL="4114800">
+            <a:lvl9pPr indent="-304800" lvl="8" marL="4114800" algn="l">
+              <a:lnSpc>
+                <a:spcPct val="115000"/>
+              </a:lnSpc>
               <a:spcBef>
                 <a:spcPts val="0"/>
               </a:spcBef>
@@ -4754,47 +6388,249 @@
           <a:prstGeom prst="rect">
             <a:avLst/>
           </a:prstGeom>
+          <a:noFill/>
+          <a:ln>
+            <a:noFill/>
+          </a:ln>
         </p:spPr>
         <p:txBody>
           <a:bodyPr anchorCtr="0" anchor="ctr" bIns="91425" lIns="91425" spcFirstLastPara="1" rIns="91425" wrap="square" tIns="91425">
             <a:normAutofit/>
           </a:bodyPr>
           <a:lstStyle>
-            <a:lvl1pPr lvl="0">
-              <a:buNone/>
-              <a:defRPr/>
+            <a:lvl1pPr indent="0" lvl="0" marL="0" marR="0" algn="r">
+              <a:lnSpc>
+                <a:spcPct val="100000"/>
+              </a:lnSpc>
+              <a:spcBef>
+                <a:spcPts val="0"/>
+              </a:spcBef>
+              <a:spcAft>
+                <a:spcPts val="0"/>
+              </a:spcAft>
+              <a:buClr>
+                <a:srgbClr val="000000"/>
+              </a:buClr>
+              <a:buSzPts val="1000"/>
+              <a:buFont typeface="Arial"/>
+              <a:buNone/>
+              <a:defRPr b="0" i="0" sz="1000" u="none" cap="none" strike="noStrike">
+                <a:solidFill>
+                  <a:schemeClr val="dk2"/>
+                </a:solidFill>
+                <a:latin typeface="Arial"/>
+                <a:ea typeface="Arial"/>
+                <a:cs typeface="Arial"/>
+                <a:sym typeface="Arial"/>
+              </a:defRPr>
             </a:lvl1pPr>
-            <a:lvl2pPr lvl="1">
-              <a:buNone/>
-              <a:defRPr/>
+            <a:lvl2pPr indent="0" lvl="1" marL="0" marR="0" algn="r">
+              <a:lnSpc>
+                <a:spcPct val="100000"/>
+              </a:lnSpc>
+              <a:spcBef>
+                <a:spcPts val="0"/>
+              </a:spcBef>
+              <a:spcAft>
+                <a:spcPts val="0"/>
+              </a:spcAft>
+              <a:buClr>
+                <a:srgbClr val="000000"/>
+              </a:buClr>
+              <a:buSzPts val="1000"/>
+              <a:buFont typeface="Arial"/>
+              <a:buNone/>
+              <a:defRPr b="0" i="0" sz="1000" u="none" cap="none" strike="noStrike">
+                <a:solidFill>
+                  <a:schemeClr val="dk2"/>
+                </a:solidFill>
+                <a:latin typeface="Arial"/>
+                <a:ea typeface="Arial"/>
+                <a:cs typeface="Arial"/>
+                <a:sym typeface="Arial"/>
+              </a:defRPr>
             </a:lvl2pPr>
-            <a:lvl3pPr lvl="2">
-              <a:buNone/>
-              <a:defRPr/>
+            <a:lvl3pPr indent="0" lvl="2" marL="0" marR="0" algn="r">
+              <a:lnSpc>
+                <a:spcPct val="100000"/>
+              </a:lnSpc>
+              <a:spcBef>
+                <a:spcPts val="0"/>
+              </a:spcBef>
+              <a:spcAft>
+                <a:spcPts val="0"/>
+              </a:spcAft>
+              <a:buClr>
+                <a:srgbClr val="000000"/>
+              </a:buClr>
+              <a:buSzPts val="1000"/>
+              <a:buFont typeface="Arial"/>
+              <a:buNone/>
+              <a:defRPr b="0" i="0" sz="1000" u="none" cap="none" strike="noStrike">
+                <a:solidFill>
+                  <a:schemeClr val="dk2"/>
+                </a:solidFill>
+                <a:latin typeface="Arial"/>
+                <a:ea typeface="Arial"/>
+                <a:cs typeface="Arial"/>
+                <a:sym typeface="Arial"/>
+              </a:defRPr>
             </a:lvl3pPr>
-            <a:lvl4pPr lvl="3">
-              <a:buNone/>
-              <a:defRPr/>
+            <a:lvl4pPr indent="0" lvl="3" marL="0" marR="0" algn="r">
+              <a:lnSpc>
+                <a:spcPct val="100000"/>
+              </a:lnSpc>
+              <a:spcBef>
+                <a:spcPts val="0"/>
+              </a:spcBef>
+              <a:spcAft>
+                <a:spcPts val="0"/>
+              </a:spcAft>
+              <a:buClr>
+                <a:srgbClr val="000000"/>
+              </a:buClr>
+              <a:buSzPts val="1000"/>
+              <a:buFont typeface="Arial"/>
+              <a:buNone/>
+              <a:defRPr b="0" i="0" sz="1000" u="none" cap="none" strike="noStrike">
+                <a:solidFill>
+                  <a:schemeClr val="dk2"/>
+                </a:solidFill>
+                <a:latin typeface="Arial"/>
+                <a:ea typeface="Arial"/>
+                <a:cs typeface="Arial"/>
+                <a:sym typeface="Arial"/>
+              </a:defRPr>
             </a:lvl4pPr>
-            <a:lvl5pPr lvl="4">
-              <a:buNone/>
-              <a:defRPr/>
+            <a:lvl5pPr indent="0" lvl="4" marL="0" marR="0" algn="r">
+              <a:lnSpc>
+                <a:spcPct val="100000"/>
+              </a:lnSpc>
+              <a:spcBef>
+                <a:spcPts val="0"/>
+              </a:spcBef>
+              <a:spcAft>
+                <a:spcPts val="0"/>
+              </a:spcAft>
+              <a:buClr>
+                <a:srgbClr val="000000"/>
+              </a:buClr>
+              <a:buSzPts val="1000"/>
+              <a:buFont typeface="Arial"/>
+              <a:buNone/>
+              <a:defRPr b="0" i="0" sz="1000" u="none" cap="none" strike="noStrike">
+                <a:solidFill>
+                  <a:schemeClr val="dk2"/>
+                </a:solidFill>
+                <a:latin typeface="Arial"/>
+                <a:ea typeface="Arial"/>
+                <a:cs typeface="Arial"/>
+                <a:sym typeface="Arial"/>
+              </a:defRPr>
             </a:lvl5pPr>
-            <a:lvl6pPr lvl="5">
-              <a:buNone/>
-              <a:defRPr/>
+            <a:lvl6pPr indent="0" lvl="5" marL="0" marR="0" algn="r">
+              <a:lnSpc>
+                <a:spcPct val="100000"/>
+              </a:lnSpc>
+              <a:spcBef>
+                <a:spcPts val="0"/>
+              </a:spcBef>
+              <a:spcAft>
+                <a:spcPts val="0"/>
+              </a:spcAft>
+              <a:buClr>
+                <a:srgbClr val="000000"/>
+              </a:buClr>
+              <a:buSzPts val="1000"/>
+              <a:buFont typeface="Arial"/>
+              <a:buNone/>
+              <a:defRPr b="0" i="0" sz="1000" u="none" cap="none" strike="noStrike">
+                <a:solidFill>
+                  <a:schemeClr val="dk2"/>
+                </a:solidFill>
+                <a:latin typeface="Arial"/>
+                <a:ea typeface="Arial"/>
+                <a:cs typeface="Arial"/>
+                <a:sym typeface="Arial"/>
+              </a:defRPr>
             </a:lvl6pPr>
-            <a:lvl7pPr lvl="6">
-              <a:buNone/>
-              <a:defRPr/>
+            <a:lvl7pPr indent="0" lvl="6" marL="0" marR="0" algn="r">
+              <a:lnSpc>
+                <a:spcPct val="100000"/>
+              </a:lnSpc>
+              <a:spcBef>
+                <a:spcPts val="0"/>
+              </a:spcBef>
+              <a:spcAft>
+                <a:spcPts val="0"/>
+              </a:spcAft>
+              <a:buClr>
+                <a:srgbClr val="000000"/>
+              </a:buClr>
+              <a:buSzPts val="1000"/>
+              <a:buFont typeface="Arial"/>
+              <a:buNone/>
+              <a:defRPr b="0" i="0" sz="1000" u="none" cap="none" strike="noStrike">
+                <a:solidFill>
+                  <a:schemeClr val="dk2"/>
+                </a:solidFill>
+                <a:latin typeface="Arial"/>
+                <a:ea typeface="Arial"/>
+                <a:cs typeface="Arial"/>
+                <a:sym typeface="Arial"/>
+              </a:defRPr>
             </a:lvl7pPr>
-            <a:lvl8pPr lvl="7">
-              <a:buNone/>
-              <a:defRPr/>
+            <a:lvl8pPr indent="0" lvl="7" marL="0" marR="0" algn="r">
+              <a:lnSpc>
+                <a:spcPct val="100000"/>
+              </a:lnSpc>
+              <a:spcBef>
+                <a:spcPts val="0"/>
+              </a:spcBef>
+              <a:spcAft>
+                <a:spcPts val="0"/>
+              </a:spcAft>
+              <a:buClr>
+                <a:srgbClr val="000000"/>
+              </a:buClr>
+              <a:buSzPts val="1000"/>
+              <a:buFont typeface="Arial"/>
+              <a:buNone/>
+              <a:defRPr b="0" i="0" sz="1000" u="none" cap="none" strike="noStrike">
+                <a:solidFill>
+                  <a:schemeClr val="dk2"/>
+                </a:solidFill>
+                <a:latin typeface="Arial"/>
+                <a:ea typeface="Arial"/>
+                <a:cs typeface="Arial"/>
+                <a:sym typeface="Arial"/>
+              </a:defRPr>
             </a:lvl8pPr>
-            <a:lvl9pPr lvl="8">
-              <a:buNone/>
-              <a:defRPr/>
+            <a:lvl9pPr indent="0" lvl="8" marL="0" marR="0" algn="r">
+              <a:lnSpc>
+                <a:spcPct val="100000"/>
+              </a:lnSpc>
+              <a:spcBef>
+                <a:spcPts val="0"/>
+              </a:spcBef>
+              <a:spcAft>
+                <a:spcPts val="0"/>
+              </a:spcAft>
+              <a:buClr>
+                <a:srgbClr val="000000"/>
+              </a:buClr>
+              <a:buSzPts val="1000"/>
+              <a:buFont typeface="Arial"/>
+              <a:buNone/>
+              <a:defRPr b="0" i="0" sz="1000" u="none" cap="none" strike="noStrike">
+                <a:solidFill>
+                  <a:schemeClr val="dk2"/>
+                </a:solidFill>
+                <a:latin typeface="Arial"/>
+                <a:ea typeface="Arial"/>
+                <a:cs typeface="Arial"/>
+                <a:sym typeface="Arial"/>
+              </a:defRPr>
             </a:lvl9pPr>
           </a:lstStyle>
           <a:p>
@@ -4856,13 +6692,20 @@
           <a:prstGeom prst="rect">
             <a:avLst/>
           </a:prstGeom>
+          <a:noFill/>
+          <a:ln>
+            <a:noFill/>
+          </a:ln>
         </p:spPr>
         <p:txBody>
           <a:bodyPr anchorCtr="0" anchor="t" bIns="91425" lIns="91425" spcFirstLastPara="1" rIns="91425" wrap="square" tIns="91425">
             <a:normAutofit/>
           </a:bodyPr>
           <a:lstStyle>
-            <a:lvl1pPr lvl="0">
+            <a:lvl1pPr lvl="0" algn="l">
+              <a:lnSpc>
+                <a:spcPct val="100000"/>
+              </a:lnSpc>
               <a:spcBef>
                 <a:spcPts val="0"/>
               </a:spcBef>
@@ -4873,7 +6716,10 @@
               <a:buNone/>
               <a:defRPr/>
             </a:lvl1pPr>
-            <a:lvl2pPr lvl="1">
+            <a:lvl2pPr lvl="1" algn="l">
+              <a:lnSpc>
+                <a:spcPct val="100000"/>
+              </a:lnSpc>
               <a:spcBef>
                 <a:spcPts val="0"/>
               </a:spcBef>
@@ -4884,7 +6730,10 @@
               <a:buNone/>
               <a:defRPr/>
             </a:lvl2pPr>
-            <a:lvl3pPr lvl="2">
+            <a:lvl3pPr lvl="2" algn="l">
+              <a:lnSpc>
+                <a:spcPct val="100000"/>
+              </a:lnSpc>
               <a:spcBef>
                 <a:spcPts val="0"/>
               </a:spcBef>
@@ -4895,7 +6744,10 @@
               <a:buNone/>
               <a:defRPr/>
             </a:lvl3pPr>
-            <a:lvl4pPr lvl="3">
+            <a:lvl4pPr lvl="3" algn="l">
+              <a:lnSpc>
+                <a:spcPct val="100000"/>
+              </a:lnSpc>
               <a:spcBef>
                 <a:spcPts val="0"/>
               </a:spcBef>
@@ -4906,7 +6758,10 @@
               <a:buNone/>
               <a:defRPr/>
             </a:lvl4pPr>
-            <a:lvl5pPr lvl="4">
+            <a:lvl5pPr lvl="4" algn="l">
+              <a:lnSpc>
+                <a:spcPct val="100000"/>
+              </a:lnSpc>
               <a:spcBef>
                 <a:spcPts val="0"/>
               </a:spcBef>
@@ -4917,7 +6772,10 @@
               <a:buNone/>
               <a:defRPr/>
             </a:lvl5pPr>
-            <a:lvl6pPr lvl="5">
+            <a:lvl6pPr lvl="5" algn="l">
+              <a:lnSpc>
+                <a:spcPct val="100000"/>
+              </a:lnSpc>
               <a:spcBef>
                 <a:spcPts val="0"/>
               </a:spcBef>
@@ -4928,7 +6786,10 @@
               <a:buNone/>
               <a:defRPr/>
             </a:lvl6pPr>
-            <a:lvl7pPr lvl="6">
+            <a:lvl7pPr lvl="6" algn="l">
+              <a:lnSpc>
+                <a:spcPct val="100000"/>
+              </a:lnSpc>
               <a:spcBef>
                 <a:spcPts val="0"/>
               </a:spcBef>
@@ -4939,7 +6800,10 @@
               <a:buNone/>
               <a:defRPr/>
             </a:lvl7pPr>
-            <a:lvl8pPr lvl="7">
+            <a:lvl8pPr lvl="7" algn="l">
+              <a:lnSpc>
+                <a:spcPct val="100000"/>
+              </a:lnSpc>
               <a:spcBef>
                 <a:spcPts val="0"/>
               </a:spcBef>
@@ -4950,7 +6814,10 @@
               <a:buNone/>
               <a:defRPr/>
             </a:lvl8pPr>
-            <a:lvl9pPr lvl="8">
+            <a:lvl9pPr lvl="8" algn="l">
+              <a:lnSpc>
+                <a:spcPct val="100000"/>
+              </a:lnSpc>
               <a:spcBef>
                 <a:spcPts val="0"/>
               </a:spcBef>
@@ -4981,47 +6848,249 @@
           <a:prstGeom prst="rect">
             <a:avLst/>
           </a:prstGeom>
+          <a:noFill/>
+          <a:ln>
+            <a:noFill/>
+          </a:ln>
         </p:spPr>
         <p:txBody>
           <a:bodyPr anchorCtr="0" anchor="ctr" bIns="91425" lIns="91425" spcFirstLastPara="1" rIns="91425" wrap="square" tIns="91425">
             <a:normAutofit/>
           </a:bodyPr>
           <a:lstStyle>
-            <a:lvl1pPr lvl="0">
-              <a:buNone/>
-              <a:defRPr/>
+            <a:lvl1pPr indent="0" lvl="0" marL="0" marR="0" algn="r">
+              <a:lnSpc>
+                <a:spcPct val="100000"/>
+              </a:lnSpc>
+              <a:spcBef>
+                <a:spcPts val="0"/>
+              </a:spcBef>
+              <a:spcAft>
+                <a:spcPts val="0"/>
+              </a:spcAft>
+              <a:buClr>
+                <a:srgbClr val="000000"/>
+              </a:buClr>
+              <a:buSzPts val="1000"/>
+              <a:buFont typeface="Arial"/>
+              <a:buNone/>
+              <a:defRPr b="0" i="0" sz="1000" u="none" cap="none" strike="noStrike">
+                <a:solidFill>
+                  <a:schemeClr val="dk2"/>
+                </a:solidFill>
+                <a:latin typeface="Arial"/>
+                <a:ea typeface="Arial"/>
+                <a:cs typeface="Arial"/>
+                <a:sym typeface="Arial"/>
+              </a:defRPr>
             </a:lvl1pPr>
-            <a:lvl2pPr lvl="1">
-              <a:buNone/>
-              <a:defRPr/>
+            <a:lvl2pPr indent="0" lvl="1" marL="0" marR="0" algn="r">
+              <a:lnSpc>
+                <a:spcPct val="100000"/>
+              </a:lnSpc>
+              <a:spcBef>
+                <a:spcPts val="0"/>
+              </a:spcBef>
+              <a:spcAft>
+                <a:spcPts val="0"/>
+              </a:spcAft>
+              <a:buClr>
+                <a:srgbClr val="000000"/>
+              </a:buClr>
+              <a:buSzPts val="1000"/>
+              <a:buFont typeface="Arial"/>
+              <a:buNone/>
+              <a:defRPr b="0" i="0" sz="1000" u="none" cap="none" strike="noStrike">
+                <a:solidFill>
+                  <a:schemeClr val="dk2"/>
+                </a:solidFill>
+                <a:latin typeface="Arial"/>
+                <a:ea typeface="Arial"/>
+                <a:cs typeface="Arial"/>
+                <a:sym typeface="Arial"/>
+              </a:defRPr>
             </a:lvl2pPr>
-            <a:lvl3pPr lvl="2">
-              <a:buNone/>
-              <a:defRPr/>
+            <a:lvl3pPr indent="0" lvl="2" marL="0" marR="0" algn="r">
+              <a:lnSpc>
+                <a:spcPct val="100000"/>
+              </a:lnSpc>
+              <a:spcBef>
+                <a:spcPts val="0"/>
+              </a:spcBef>
+              <a:spcAft>
+                <a:spcPts val="0"/>
+              </a:spcAft>
+              <a:buClr>
+                <a:srgbClr val="000000"/>
+              </a:buClr>
+              <a:buSzPts val="1000"/>
+              <a:buFont typeface="Arial"/>
+              <a:buNone/>
+              <a:defRPr b="0" i="0" sz="1000" u="none" cap="none" strike="noStrike">
+                <a:solidFill>
+                  <a:schemeClr val="dk2"/>
+                </a:solidFill>
+                <a:latin typeface="Arial"/>
+                <a:ea typeface="Arial"/>
+                <a:cs typeface="Arial"/>
+                <a:sym typeface="Arial"/>
+              </a:defRPr>
             </a:lvl3pPr>
-            <a:lvl4pPr lvl="3">
-              <a:buNone/>
-              <a:defRPr/>
+            <a:lvl4pPr indent="0" lvl="3" marL="0" marR="0" algn="r">
+              <a:lnSpc>
+                <a:spcPct val="100000"/>
+              </a:lnSpc>
+              <a:spcBef>
+                <a:spcPts val="0"/>
+              </a:spcBef>
+              <a:spcAft>
+                <a:spcPts val="0"/>
+              </a:spcAft>
+              <a:buClr>
+                <a:srgbClr val="000000"/>
+              </a:buClr>
+              <a:buSzPts val="1000"/>
+              <a:buFont typeface="Arial"/>
+              <a:buNone/>
+              <a:defRPr b="0" i="0" sz="1000" u="none" cap="none" strike="noStrike">
+                <a:solidFill>
+                  <a:schemeClr val="dk2"/>
+                </a:solidFill>
+                <a:latin typeface="Arial"/>
+                <a:ea typeface="Arial"/>
+                <a:cs typeface="Arial"/>
+                <a:sym typeface="Arial"/>
+              </a:defRPr>
             </a:lvl4pPr>
-            <a:lvl5pPr lvl="4">
-              <a:buNone/>
-              <a:defRPr/>
+            <a:lvl5pPr indent="0" lvl="4" marL="0" marR="0" algn="r">
+              <a:lnSpc>
+                <a:spcPct val="100000"/>
+              </a:lnSpc>
+              <a:spcBef>
+                <a:spcPts val="0"/>
+              </a:spcBef>
+              <a:spcAft>
+                <a:spcPts val="0"/>
+              </a:spcAft>
+              <a:buClr>
+                <a:srgbClr val="000000"/>
+              </a:buClr>
+              <a:buSzPts val="1000"/>
+              <a:buFont typeface="Arial"/>
+              <a:buNone/>
+              <a:defRPr b="0" i="0" sz="1000" u="none" cap="none" strike="noStrike">
+                <a:solidFill>
+                  <a:schemeClr val="dk2"/>
+                </a:solidFill>
+                <a:latin typeface="Arial"/>
+                <a:ea typeface="Arial"/>
+                <a:cs typeface="Arial"/>
+                <a:sym typeface="Arial"/>
+              </a:defRPr>
             </a:lvl5pPr>
-            <a:lvl6pPr lvl="5">
-              <a:buNone/>
-              <a:defRPr/>
+            <a:lvl6pPr indent="0" lvl="5" marL="0" marR="0" algn="r">
+              <a:lnSpc>
+                <a:spcPct val="100000"/>
+              </a:lnSpc>
+              <a:spcBef>
+                <a:spcPts val="0"/>
+              </a:spcBef>
+              <a:spcAft>
+                <a:spcPts val="0"/>
+              </a:spcAft>
+              <a:buClr>
+                <a:srgbClr val="000000"/>
+              </a:buClr>
+              <a:buSzPts val="1000"/>
+              <a:buFont typeface="Arial"/>
+              <a:buNone/>
+              <a:defRPr b="0" i="0" sz="1000" u="none" cap="none" strike="noStrike">
+                <a:solidFill>
+                  <a:schemeClr val="dk2"/>
+                </a:solidFill>
+                <a:latin typeface="Arial"/>
+                <a:ea typeface="Arial"/>
+                <a:cs typeface="Arial"/>
+                <a:sym typeface="Arial"/>
+              </a:defRPr>
             </a:lvl6pPr>
-            <a:lvl7pPr lvl="6">
-              <a:buNone/>
-              <a:defRPr/>
+            <a:lvl7pPr indent="0" lvl="6" marL="0" marR="0" algn="r">
+              <a:lnSpc>
+                <a:spcPct val="100000"/>
+              </a:lnSpc>
+              <a:spcBef>
+                <a:spcPts val="0"/>
+              </a:spcBef>
+              <a:spcAft>
+                <a:spcPts val="0"/>
+              </a:spcAft>
+              <a:buClr>
+                <a:srgbClr val="000000"/>
+              </a:buClr>
+              <a:buSzPts val="1000"/>
+              <a:buFont typeface="Arial"/>
+              <a:buNone/>
+              <a:defRPr b="0" i="0" sz="1000" u="none" cap="none" strike="noStrike">
+                <a:solidFill>
+                  <a:schemeClr val="dk2"/>
+                </a:solidFill>
+                <a:latin typeface="Arial"/>
+                <a:ea typeface="Arial"/>
+                <a:cs typeface="Arial"/>
+                <a:sym typeface="Arial"/>
+              </a:defRPr>
             </a:lvl7pPr>
-            <a:lvl8pPr lvl="7">
-              <a:buNone/>
-              <a:defRPr/>
+            <a:lvl8pPr indent="0" lvl="7" marL="0" marR="0" algn="r">
+              <a:lnSpc>
+                <a:spcPct val="100000"/>
+              </a:lnSpc>
+              <a:spcBef>
+                <a:spcPts val="0"/>
+              </a:spcBef>
+              <a:spcAft>
+                <a:spcPts val="0"/>
+              </a:spcAft>
+              <a:buClr>
+                <a:srgbClr val="000000"/>
+              </a:buClr>
+              <a:buSzPts val="1000"/>
+              <a:buFont typeface="Arial"/>
+              <a:buNone/>
+              <a:defRPr b="0" i="0" sz="1000" u="none" cap="none" strike="noStrike">
+                <a:solidFill>
+                  <a:schemeClr val="dk2"/>
+                </a:solidFill>
+                <a:latin typeface="Arial"/>
+                <a:ea typeface="Arial"/>
+                <a:cs typeface="Arial"/>
+                <a:sym typeface="Arial"/>
+              </a:defRPr>
             </a:lvl8pPr>
-            <a:lvl9pPr lvl="8">
-              <a:buNone/>
-              <a:defRPr/>
+            <a:lvl9pPr indent="0" lvl="8" marL="0" marR="0" algn="r">
+              <a:lnSpc>
+                <a:spcPct val="100000"/>
+              </a:lnSpc>
+              <a:spcBef>
+                <a:spcPts val="0"/>
+              </a:spcBef>
+              <a:spcAft>
+                <a:spcPts val="0"/>
+              </a:spcAft>
+              <a:buClr>
+                <a:srgbClr val="000000"/>
+              </a:buClr>
+              <a:buSzPts val="1000"/>
+              <a:buFont typeface="Arial"/>
+              <a:buNone/>
+              <a:defRPr b="0" i="0" sz="1000" u="none" cap="none" strike="noStrike">
+                <a:solidFill>
+                  <a:schemeClr val="dk2"/>
+                </a:solidFill>
+                <a:latin typeface="Arial"/>
+                <a:ea typeface="Arial"/>
+                <a:cs typeface="Arial"/>
+                <a:sym typeface="Arial"/>
+              </a:defRPr>
             </a:lvl9pPr>
           </a:lstStyle>
           <a:p>
@@ -5083,13 +7152,20 @@
           <a:prstGeom prst="rect">
             <a:avLst/>
           </a:prstGeom>
+          <a:noFill/>
+          <a:ln>
+            <a:noFill/>
+          </a:ln>
         </p:spPr>
         <p:txBody>
           <a:bodyPr anchorCtr="0" anchor="b" bIns="91425" lIns="91425" spcFirstLastPara="1" rIns="91425" wrap="square" tIns="91425">
             <a:normAutofit/>
           </a:bodyPr>
           <a:lstStyle>
-            <a:lvl1pPr lvl="0">
+            <a:lvl1pPr lvl="0" algn="l">
+              <a:lnSpc>
+                <a:spcPct val="100000"/>
+              </a:lnSpc>
               <a:spcBef>
                 <a:spcPts val="0"/>
               </a:spcBef>
@@ -5100,7 +7176,10 @@
               <a:buNone/>
               <a:defRPr sz="2400"/>
             </a:lvl1pPr>
-            <a:lvl2pPr lvl="1">
+            <a:lvl2pPr lvl="1" algn="l">
+              <a:lnSpc>
+                <a:spcPct val="100000"/>
+              </a:lnSpc>
               <a:spcBef>
                 <a:spcPts val="0"/>
               </a:spcBef>
@@ -5111,7 +7190,10 @@
               <a:buNone/>
               <a:defRPr sz="2400"/>
             </a:lvl2pPr>
-            <a:lvl3pPr lvl="2">
+            <a:lvl3pPr lvl="2" algn="l">
+              <a:lnSpc>
+                <a:spcPct val="100000"/>
+              </a:lnSpc>
               <a:spcBef>
                 <a:spcPts val="0"/>
               </a:spcBef>
@@ -5122,7 +7204,10 @@
               <a:buNone/>
               <a:defRPr sz="2400"/>
             </a:lvl3pPr>
-            <a:lvl4pPr lvl="3">
+            <a:lvl4pPr lvl="3" algn="l">
+              <a:lnSpc>
+                <a:spcPct val="100000"/>
+              </a:lnSpc>
               <a:spcBef>
                 <a:spcPts val="0"/>
               </a:spcBef>
@@ -5133,7 +7218,10 @@
               <a:buNone/>
               <a:defRPr sz="2400"/>
             </a:lvl4pPr>
-            <a:lvl5pPr lvl="4">
+            <a:lvl5pPr lvl="4" algn="l">
+              <a:lnSpc>
+                <a:spcPct val="100000"/>
+              </a:lnSpc>
               <a:spcBef>
                 <a:spcPts val="0"/>
               </a:spcBef>
@@ -5144,7 +7232,10 @@
               <a:buNone/>
               <a:defRPr sz="2400"/>
             </a:lvl5pPr>
-            <a:lvl6pPr lvl="5">
+            <a:lvl6pPr lvl="5" algn="l">
+              <a:lnSpc>
+                <a:spcPct val="100000"/>
+              </a:lnSpc>
               <a:spcBef>
                 <a:spcPts val="0"/>
               </a:spcBef>
@@ -5155,7 +7246,10 @@
               <a:buNone/>
               <a:defRPr sz="2400"/>
             </a:lvl6pPr>
-            <a:lvl7pPr lvl="6">
+            <a:lvl7pPr lvl="6" algn="l">
+              <a:lnSpc>
+                <a:spcPct val="100000"/>
+              </a:lnSpc>
               <a:spcBef>
                 <a:spcPts val="0"/>
               </a:spcBef>
@@ -5166,7 +7260,10 @@
               <a:buNone/>
               <a:defRPr sz="2400"/>
             </a:lvl7pPr>
-            <a:lvl8pPr lvl="7">
+            <a:lvl8pPr lvl="7" algn="l">
+              <a:lnSpc>
+                <a:spcPct val="100000"/>
+              </a:lnSpc>
               <a:spcBef>
                 <a:spcPts val="0"/>
               </a:spcBef>
@@ -5177,7 +7274,10 @@
               <a:buNone/>
               <a:defRPr sz="2400"/>
             </a:lvl8pPr>
-            <a:lvl9pPr lvl="8">
+            <a:lvl9pPr lvl="8" algn="l">
+              <a:lnSpc>
+                <a:spcPct val="100000"/>
+              </a:lnSpc>
               <a:spcBef>
                 <a:spcPts val="0"/>
               </a:spcBef>
@@ -5208,13 +7308,20 @@
           <a:prstGeom prst="rect">
             <a:avLst/>
           </a:prstGeom>
+          <a:noFill/>
+          <a:ln>
+            <a:noFill/>
+          </a:ln>
         </p:spPr>
         <p:txBody>
           <a:bodyPr anchorCtr="0" anchor="t" bIns="91425" lIns="91425" spcFirstLastPara="1" rIns="91425" wrap="square" tIns="91425">
             <a:normAutofit/>
           </a:bodyPr>
           <a:lstStyle>
-            <a:lvl1pPr indent="-304800" lvl="0" marL="457200">
+            <a:lvl1pPr indent="-304800" lvl="0" marL="457200" algn="l">
+              <a:lnSpc>
+                <a:spcPct val="115000"/>
+              </a:lnSpc>
               <a:spcBef>
                 <a:spcPts val="0"/>
               </a:spcBef>
@@ -5225,7 +7332,10 @@
               <a:buChar char="●"/>
               <a:defRPr sz="1200"/>
             </a:lvl1pPr>
-            <a:lvl2pPr indent="-304800" lvl="1" marL="914400">
+            <a:lvl2pPr indent="-304800" lvl="1" marL="914400" algn="l">
+              <a:lnSpc>
+                <a:spcPct val="115000"/>
+              </a:lnSpc>
               <a:spcBef>
                 <a:spcPts val="0"/>
               </a:spcBef>
@@ -5236,7 +7346,10 @@
               <a:buChar char="○"/>
               <a:defRPr sz="1200"/>
             </a:lvl2pPr>
-            <a:lvl3pPr indent="-304800" lvl="2" marL="1371600">
+            <a:lvl3pPr indent="-304800" lvl="2" marL="1371600" algn="l">
+              <a:lnSpc>
+                <a:spcPct val="115000"/>
+              </a:lnSpc>
               <a:spcBef>
                 <a:spcPts val="0"/>
               </a:spcBef>
@@ -5247,7 +7360,10 @@
               <a:buChar char="■"/>
               <a:defRPr sz="1200"/>
             </a:lvl3pPr>
-            <a:lvl4pPr indent="-304800" lvl="3" marL="1828800">
+            <a:lvl4pPr indent="-304800" lvl="3" marL="1828800" algn="l">
+              <a:lnSpc>
+                <a:spcPct val="115000"/>
+              </a:lnSpc>
               <a:spcBef>
                 <a:spcPts val="0"/>
               </a:spcBef>
@@ -5258,7 +7374,10 @@
               <a:buChar char="●"/>
               <a:defRPr sz="1200"/>
             </a:lvl4pPr>
-            <a:lvl5pPr indent="-304800" lvl="4" marL="2286000">
+            <a:lvl5pPr indent="-304800" lvl="4" marL="2286000" algn="l">
+              <a:lnSpc>
+                <a:spcPct val="115000"/>
+              </a:lnSpc>
               <a:spcBef>
                 <a:spcPts val="0"/>
               </a:spcBef>
@@ -5269,7 +7388,10 @@
               <a:buChar char="○"/>
               <a:defRPr sz="1200"/>
             </a:lvl5pPr>
-            <a:lvl6pPr indent="-304800" lvl="5" marL="2743200">
+            <a:lvl6pPr indent="-304800" lvl="5" marL="2743200" algn="l">
+              <a:lnSpc>
+                <a:spcPct val="115000"/>
+              </a:lnSpc>
               <a:spcBef>
                 <a:spcPts val="0"/>
               </a:spcBef>
@@ -5280,7 +7402,10 @@
               <a:buChar char="■"/>
               <a:defRPr sz="1200"/>
             </a:lvl6pPr>
-            <a:lvl7pPr indent="-304800" lvl="6" marL="3200400">
+            <a:lvl7pPr indent="-304800" lvl="6" marL="3200400" algn="l">
+              <a:lnSpc>
+                <a:spcPct val="115000"/>
+              </a:lnSpc>
               <a:spcBef>
                 <a:spcPts val="0"/>
               </a:spcBef>
@@ -5291,7 +7416,10 @@
               <a:buChar char="●"/>
               <a:defRPr sz="1200"/>
             </a:lvl7pPr>
-            <a:lvl8pPr indent="-304800" lvl="7" marL="3657600">
+            <a:lvl8pPr indent="-304800" lvl="7" marL="3657600" algn="l">
+              <a:lnSpc>
+                <a:spcPct val="115000"/>
+              </a:lnSpc>
               <a:spcBef>
                 <a:spcPts val="0"/>
               </a:spcBef>
@@ -5302,7 +7430,10 @@
               <a:buChar char="○"/>
               <a:defRPr sz="1200"/>
             </a:lvl8pPr>
-            <a:lvl9pPr indent="-304800" lvl="8" marL="4114800">
+            <a:lvl9pPr indent="-304800" lvl="8" marL="4114800" algn="l">
+              <a:lnSpc>
+                <a:spcPct val="115000"/>
+              </a:lnSpc>
               <a:spcBef>
                 <a:spcPts val="0"/>
               </a:spcBef>
@@ -5333,47 +7464,249 @@
           <a:prstGeom prst="rect">
             <a:avLst/>
           </a:prstGeom>
+          <a:noFill/>
+          <a:ln>
+            <a:noFill/>
+          </a:ln>
         </p:spPr>
         <p:txBody>
           <a:bodyPr anchorCtr="0" anchor="ctr" bIns="91425" lIns="91425" spcFirstLastPara="1" rIns="91425" wrap="square" tIns="91425">
             <a:normAutofit/>
           </a:bodyPr>
           <a:lstStyle>
-            <a:lvl1pPr lvl="0">
-              <a:buNone/>
-              <a:defRPr/>
+            <a:lvl1pPr indent="0" lvl="0" marL="0" marR="0" algn="r">
+              <a:lnSpc>
+                <a:spcPct val="100000"/>
+              </a:lnSpc>
+              <a:spcBef>
+                <a:spcPts val="0"/>
+              </a:spcBef>
+              <a:spcAft>
+                <a:spcPts val="0"/>
+              </a:spcAft>
+              <a:buClr>
+                <a:srgbClr val="000000"/>
+              </a:buClr>
+              <a:buSzPts val="1000"/>
+              <a:buFont typeface="Arial"/>
+              <a:buNone/>
+              <a:defRPr b="0" i="0" sz="1000" u="none" cap="none" strike="noStrike">
+                <a:solidFill>
+                  <a:schemeClr val="dk2"/>
+                </a:solidFill>
+                <a:latin typeface="Arial"/>
+                <a:ea typeface="Arial"/>
+                <a:cs typeface="Arial"/>
+                <a:sym typeface="Arial"/>
+              </a:defRPr>
             </a:lvl1pPr>
-            <a:lvl2pPr lvl="1">
-              <a:buNone/>
-              <a:defRPr/>
+            <a:lvl2pPr indent="0" lvl="1" marL="0" marR="0" algn="r">
+              <a:lnSpc>
+                <a:spcPct val="100000"/>
+              </a:lnSpc>
+              <a:spcBef>
+                <a:spcPts val="0"/>
+              </a:spcBef>
+              <a:spcAft>
+                <a:spcPts val="0"/>
+              </a:spcAft>
+              <a:buClr>
+                <a:srgbClr val="000000"/>
+              </a:buClr>
+              <a:buSzPts val="1000"/>
+              <a:buFont typeface="Arial"/>
+              <a:buNone/>
+              <a:defRPr b="0" i="0" sz="1000" u="none" cap="none" strike="noStrike">
+                <a:solidFill>
+                  <a:schemeClr val="dk2"/>
+                </a:solidFill>
+                <a:latin typeface="Arial"/>
+                <a:ea typeface="Arial"/>
+                <a:cs typeface="Arial"/>
+                <a:sym typeface="Arial"/>
+              </a:defRPr>
             </a:lvl2pPr>
-            <a:lvl3pPr lvl="2">
-              <a:buNone/>
-              <a:defRPr/>
+            <a:lvl3pPr indent="0" lvl="2" marL="0" marR="0" algn="r">
+              <a:lnSpc>
+                <a:spcPct val="100000"/>
+              </a:lnSpc>
+              <a:spcBef>
+                <a:spcPts val="0"/>
+              </a:spcBef>
+              <a:spcAft>
+                <a:spcPts val="0"/>
+              </a:spcAft>
+              <a:buClr>
+                <a:srgbClr val="000000"/>
+              </a:buClr>
+              <a:buSzPts val="1000"/>
+              <a:buFont typeface="Arial"/>
+              <a:buNone/>
+              <a:defRPr b="0" i="0" sz="1000" u="none" cap="none" strike="noStrike">
+                <a:solidFill>
+                  <a:schemeClr val="dk2"/>
+                </a:solidFill>
+                <a:latin typeface="Arial"/>
+                <a:ea typeface="Arial"/>
+                <a:cs typeface="Arial"/>
+                <a:sym typeface="Arial"/>
+              </a:defRPr>
             </a:lvl3pPr>
-            <a:lvl4pPr lvl="3">
-              <a:buNone/>
-              <a:defRPr/>
+            <a:lvl4pPr indent="0" lvl="3" marL="0" marR="0" algn="r">
+              <a:lnSpc>
+                <a:spcPct val="100000"/>
+              </a:lnSpc>
+              <a:spcBef>
+                <a:spcPts val="0"/>
+              </a:spcBef>
+              <a:spcAft>
+                <a:spcPts val="0"/>
+              </a:spcAft>
+              <a:buClr>
+                <a:srgbClr val="000000"/>
+              </a:buClr>
+              <a:buSzPts val="1000"/>
+              <a:buFont typeface="Arial"/>
+              <a:buNone/>
+              <a:defRPr b="0" i="0" sz="1000" u="none" cap="none" strike="noStrike">
+                <a:solidFill>
+                  <a:schemeClr val="dk2"/>
+                </a:solidFill>
+                <a:latin typeface="Arial"/>
+                <a:ea typeface="Arial"/>
+                <a:cs typeface="Arial"/>
+                <a:sym typeface="Arial"/>
+              </a:defRPr>
             </a:lvl4pPr>
-            <a:lvl5pPr lvl="4">
-              <a:buNone/>
-              <a:defRPr/>
+            <a:lvl5pPr indent="0" lvl="4" marL="0" marR="0" algn="r">
+              <a:lnSpc>
+                <a:spcPct val="100000"/>
+              </a:lnSpc>
+              <a:spcBef>
+                <a:spcPts val="0"/>
+              </a:spcBef>
+              <a:spcAft>
+                <a:spcPts val="0"/>
+              </a:spcAft>
+              <a:buClr>
+                <a:srgbClr val="000000"/>
+              </a:buClr>
+              <a:buSzPts val="1000"/>
+              <a:buFont typeface="Arial"/>
+              <a:buNone/>
+              <a:defRPr b="0" i="0" sz="1000" u="none" cap="none" strike="noStrike">
+                <a:solidFill>
+                  <a:schemeClr val="dk2"/>
+                </a:solidFill>
+                <a:latin typeface="Arial"/>
+                <a:ea typeface="Arial"/>
+                <a:cs typeface="Arial"/>
+                <a:sym typeface="Arial"/>
+              </a:defRPr>
             </a:lvl5pPr>
-            <a:lvl6pPr lvl="5">
-              <a:buNone/>
-              <a:defRPr/>
+            <a:lvl6pPr indent="0" lvl="5" marL="0" marR="0" algn="r">
+              <a:lnSpc>
+                <a:spcPct val="100000"/>
+              </a:lnSpc>
+              <a:spcBef>
+                <a:spcPts val="0"/>
+              </a:spcBef>
+              <a:spcAft>
+                <a:spcPts val="0"/>
+              </a:spcAft>
+              <a:buClr>
+                <a:srgbClr val="000000"/>
+              </a:buClr>
+              <a:buSzPts val="1000"/>
+              <a:buFont typeface="Arial"/>
+              <a:buNone/>
+              <a:defRPr b="0" i="0" sz="1000" u="none" cap="none" strike="noStrike">
+                <a:solidFill>
+                  <a:schemeClr val="dk2"/>
+                </a:solidFill>
+                <a:latin typeface="Arial"/>
+                <a:ea typeface="Arial"/>
+                <a:cs typeface="Arial"/>
+                <a:sym typeface="Arial"/>
+              </a:defRPr>
             </a:lvl6pPr>
-            <a:lvl7pPr lvl="6">
-              <a:buNone/>
-              <a:defRPr/>
+            <a:lvl7pPr indent="0" lvl="6" marL="0" marR="0" algn="r">
+              <a:lnSpc>
+                <a:spcPct val="100000"/>
+              </a:lnSpc>
+              <a:spcBef>
+                <a:spcPts val="0"/>
+              </a:spcBef>
+              <a:spcAft>
+                <a:spcPts val="0"/>
+              </a:spcAft>
+              <a:buClr>
+                <a:srgbClr val="000000"/>
+              </a:buClr>
+              <a:buSzPts val="1000"/>
+              <a:buFont typeface="Arial"/>
+              <a:buNone/>
+              <a:defRPr b="0" i="0" sz="1000" u="none" cap="none" strike="noStrike">
+                <a:solidFill>
+                  <a:schemeClr val="dk2"/>
+                </a:solidFill>
+                <a:latin typeface="Arial"/>
+                <a:ea typeface="Arial"/>
+                <a:cs typeface="Arial"/>
+                <a:sym typeface="Arial"/>
+              </a:defRPr>
             </a:lvl7pPr>
-            <a:lvl8pPr lvl="7">
-              <a:buNone/>
-              <a:defRPr/>
+            <a:lvl8pPr indent="0" lvl="7" marL="0" marR="0" algn="r">
+              <a:lnSpc>
+                <a:spcPct val="100000"/>
+              </a:lnSpc>
+              <a:spcBef>
+                <a:spcPts val="0"/>
+              </a:spcBef>
+              <a:spcAft>
+                <a:spcPts val="0"/>
+              </a:spcAft>
+              <a:buClr>
+                <a:srgbClr val="000000"/>
+              </a:buClr>
+              <a:buSzPts val="1000"/>
+              <a:buFont typeface="Arial"/>
+              <a:buNone/>
+              <a:defRPr b="0" i="0" sz="1000" u="none" cap="none" strike="noStrike">
+                <a:solidFill>
+                  <a:schemeClr val="dk2"/>
+                </a:solidFill>
+                <a:latin typeface="Arial"/>
+                <a:ea typeface="Arial"/>
+                <a:cs typeface="Arial"/>
+                <a:sym typeface="Arial"/>
+              </a:defRPr>
             </a:lvl8pPr>
-            <a:lvl9pPr lvl="8">
-              <a:buNone/>
-              <a:defRPr/>
+            <a:lvl9pPr indent="0" lvl="8" marL="0" marR="0" algn="r">
+              <a:lnSpc>
+                <a:spcPct val="100000"/>
+              </a:lnSpc>
+              <a:spcBef>
+                <a:spcPts val="0"/>
+              </a:spcBef>
+              <a:spcAft>
+                <a:spcPts val="0"/>
+              </a:spcAft>
+              <a:buClr>
+                <a:srgbClr val="000000"/>
+              </a:buClr>
+              <a:buSzPts val="1000"/>
+              <a:buFont typeface="Arial"/>
+              <a:buNone/>
+              <a:defRPr b="0" i="0" sz="1000" u="none" cap="none" strike="noStrike">
+                <a:solidFill>
+                  <a:schemeClr val="dk2"/>
+                </a:solidFill>
+                <a:latin typeface="Arial"/>
+                <a:ea typeface="Arial"/>
+                <a:cs typeface="Arial"/>
+                <a:sym typeface="Arial"/>
+              </a:defRPr>
             </a:lvl9pPr>
           </a:lstStyle>
           <a:p>
@@ -5435,13 +7768,20 @@
           <a:prstGeom prst="rect">
             <a:avLst/>
           </a:prstGeom>
+          <a:noFill/>
+          <a:ln>
+            <a:noFill/>
+          </a:ln>
         </p:spPr>
         <p:txBody>
           <a:bodyPr anchorCtr="0" anchor="ctr" bIns="91425" lIns="91425" spcFirstLastPara="1" rIns="91425" wrap="square" tIns="91425">
             <a:normAutofit/>
           </a:bodyPr>
           <a:lstStyle>
-            <a:lvl1pPr lvl="0">
+            <a:lvl1pPr lvl="0" algn="l">
+              <a:lnSpc>
+                <a:spcPct val="100000"/>
+              </a:lnSpc>
               <a:spcBef>
                 <a:spcPts val="0"/>
               </a:spcBef>
@@ -5452,7 +7792,10 @@
               <a:buNone/>
               <a:defRPr sz="4800"/>
             </a:lvl1pPr>
-            <a:lvl2pPr lvl="1">
+            <a:lvl2pPr lvl="1" algn="l">
+              <a:lnSpc>
+                <a:spcPct val="100000"/>
+              </a:lnSpc>
               <a:spcBef>
                 <a:spcPts val="0"/>
               </a:spcBef>
@@ -5463,7 +7806,10 @@
               <a:buNone/>
               <a:defRPr sz="4800"/>
             </a:lvl2pPr>
-            <a:lvl3pPr lvl="2">
+            <a:lvl3pPr lvl="2" algn="l">
+              <a:lnSpc>
+                <a:spcPct val="100000"/>
+              </a:lnSpc>
               <a:spcBef>
                 <a:spcPts val="0"/>
               </a:spcBef>
@@ -5474,7 +7820,10 @@
               <a:buNone/>
               <a:defRPr sz="4800"/>
             </a:lvl3pPr>
-            <a:lvl4pPr lvl="3">
+            <a:lvl4pPr lvl="3" algn="l">
+              <a:lnSpc>
+                <a:spcPct val="100000"/>
+              </a:lnSpc>
               <a:spcBef>
                 <a:spcPts val="0"/>
               </a:spcBef>
@@ -5485,7 +7834,10 @@
               <a:buNone/>
               <a:defRPr sz="4800"/>
             </a:lvl4pPr>
-            <a:lvl5pPr lvl="4">
+            <a:lvl5pPr lvl="4" algn="l">
+              <a:lnSpc>
+                <a:spcPct val="100000"/>
+              </a:lnSpc>
               <a:spcBef>
                 <a:spcPts val="0"/>
               </a:spcBef>
@@ -5496,7 +7848,10 @@
               <a:buNone/>
               <a:defRPr sz="4800"/>
             </a:lvl5pPr>
-            <a:lvl6pPr lvl="5">
+            <a:lvl6pPr lvl="5" algn="l">
+              <a:lnSpc>
+                <a:spcPct val="100000"/>
+              </a:lnSpc>
               <a:spcBef>
                 <a:spcPts val="0"/>
               </a:spcBef>
@@ -5507,7 +7862,10 @@
               <a:buNone/>
               <a:defRPr sz="4800"/>
             </a:lvl6pPr>
-            <a:lvl7pPr lvl="6">
+            <a:lvl7pPr lvl="6" algn="l">
+              <a:lnSpc>
+                <a:spcPct val="100000"/>
+              </a:lnSpc>
               <a:spcBef>
                 <a:spcPts val="0"/>
               </a:spcBef>
@@ -5518,7 +7876,10 @@
               <a:buNone/>
               <a:defRPr sz="4800"/>
             </a:lvl7pPr>
-            <a:lvl8pPr lvl="7">
+            <a:lvl8pPr lvl="7" algn="l">
+              <a:lnSpc>
+                <a:spcPct val="100000"/>
+              </a:lnSpc>
               <a:spcBef>
                 <a:spcPts val="0"/>
               </a:spcBef>
@@ -5529,7 +7890,10 @@
               <a:buNone/>
               <a:defRPr sz="4800"/>
             </a:lvl8pPr>
-            <a:lvl9pPr lvl="8">
+            <a:lvl9pPr lvl="8" algn="l">
+              <a:lnSpc>
+                <a:spcPct val="100000"/>
+              </a:lnSpc>
               <a:spcBef>
                 <a:spcPts val="0"/>
               </a:spcBef>
@@ -5560,47 +7924,249 @@
           <a:prstGeom prst="rect">
             <a:avLst/>
           </a:prstGeom>
+          <a:noFill/>
+          <a:ln>
+            <a:noFill/>
+          </a:ln>
         </p:spPr>
         <p:txBody>
           <a:bodyPr anchorCtr="0" anchor="ctr" bIns="91425" lIns="91425" spcFirstLastPara="1" rIns="91425" wrap="square" tIns="91425">
             <a:normAutofit/>
           </a:bodyPr>
           <a:lstStyle>
-            <a:lvl1pPr lvl="0">
-              <a:buNone/>
-              <a:defRPr/>
+            <a:lvl1pPr indent="0" lvl="0" marL="0" marR="0" algn="r">
+              <a:lnSpc>
+                <a:spcPct val="100000"/>
+              </a:lnSpc>
+              <a:spcBef>
+                <a:spcPts val="0"/>
+              </a:spcBef>
+              <a:spcAft>
+                <a:spcPts val="0"/>
+              </a:spcAft>
+              <a:buClr>
+                <a:srgbClr val="000000"/>
+              </a:buClr>
+              <a:buSzPts val="1000"/>
+              <a:buFont typeface="Arial"/>
+              <a:buNone/>
+              <a:defRPr b="0" i="0" sz="1000" u="none" cap="none" strike="noStrike">
+                <a:solidFill>
+                  <a:schemeClr val="dk2"/>
+                </a:solidFill>
+                <a:latin typeface="Arial"/>
+                <a:ea typeface="Arial"/>
+                <a:cs typeface="Arial"/>
+                <a:sym typeface="Arial"/>
+              </a:defRPr>
             </a:lvl1pPr>
-            <a:lvl2pPr lvl="1">
-              <a:buNone/>
-              <a:defRPr/>
+            <a:lvl2pPr indent="0" lvl="1" marL="0" marR="0" algn="r">
+              <a:lnSpc>
+                <a:spcPct val="100000"/>
+              </a:lnSpc>
+              <a:spcBef>
+                <a:spcPts val="0"/>
+              </a:spcBef>
+              <a:spcAft>
+                <a:spcPts val="0"/>
+              </a:spcAft>
+              <a:buClr>
+                <a:srgbClr val="000000"/>
+              </a:buClr>
+              <a:buSzPts val="1000"/>
+              <a:buFont typeface="Arial"/>
+              <a:buNone/>
+              <a:defRPr b="0" i="0" sz="1000" u="none" cap="none" strike="noStrike">
+                <a:solidFill>
+                  <a:schemeClr val="dk2"/>
+                </a:solidFill>
+                <a:latin typeface="Arial"/>
+                <a:ea typeface="Arial"/>
+                <a:cs typeface="Arial"/>
+                <a:sym typeface="Arial"/>
+              </a:defRPr>
             </a:lvl2pPr>
-            <a:lvl3pPr lvl="2">
-              <a:buNone/>
-              <a:defRPr/>
+            <a:lvl3pPr indent="0" lvl="2" marL="0" marR="0" algn="r">
+              <a:lnSpc>
+                <a:spcPct val="100000"/>
+              </a:lnSpc>
+              <a:spcBef>
+                <a:spcPts val="0"/>
+              </a:spcBef>
+              <a:spcAft>
+                <a:spcPts val="0"/>
+              </a:spcAft>
+              <a:buClr>
+                <a:srgbClr val="000000"/>
+              </a:buClr>
+              <a:buSzPts val="1000"/>
+              <a:buFont typeface="Arial"/>
+              <a:buNone/>
+              <a:defRPr b="0" i="0" sz="1000" u="none" cap="none" strike="noStrike">
+                <a:solidFill>
+                  <a:schemeClr val="dk2"/>
+                </a:solidFill>
+                <a:latin typeface="Arial"/>
+                <a:ea typeface="Arial"/>
+                <a:cs typeface="Arial"/>
+                <a:sym typeface="Arial"/>
+              </a:defRPr>
             </a:lvl3pPr>
-            <a:lvl4pPr lvl="3">
-              <a:buNone/>
-              <a:defRPr/>
+            <a:lvl4pPr indent="0" lvl="3" marL="0" marR="0" algn="r">
+              <a:lnSpc>
+                <a:spcPct val="100000"/>
+              </a:lnSpc>
+              <a:spcBef>
+                <a:spcPts val="0"/>
+              </a:spcBef>
+              <a:spcAft>
+                <a:spcPts val="0"/>
+              </a:spcAft>
+              <a:buClr>
+                <a:srgbClr val="000000"/>
+              </a:buClr>
+              <a:buSzPts val="1000"/>
+              <a:buFont typeface="Arial"/>
+              <a:buNone/>
+              <a:defRPr b="0" i="0" sz="1000" u="none" cap="none" strike="noStrike">
+                <a:solidFill>
+                  <a:schemeClr val="dk2"/>
+                </a:solidFill>
+                <a:latin typeface="Arial"/>
+                <a:ea typeface="Arial"/>
+                <a:cs typeface="Arial"/>
+                <a:sym typeface="Arial"/>
+              </a:defRPr>
             </a:lvl4pPr>
-            <a:lvl5pPr lvl="4">
-              <a:buNone/>
-              <a:defRPr/>
+            <a:lvl5pPr indent="0" lvl="4" marL="0" marR="0" algn="r">
+              <a:lnSpc>
+                <a:spcPct val="100000"/>
+              </a:lnSpc>
+              <a:spcBef>
+                <a:spcPts val="0"/>
+              </a:spcBef>
+              <a:spcAft>
+                <a:spcPts val="0"/>
+              </a:spcAft>
+              <a:buClr>
+                <a:srgbClr val="000000"/>
+              </a:buClr>
+              <a:buSzPts val="1000"/>
+              <a:buFont typeface="Arial"/>
+              <a:buNone/>
+              <a:defRPr b="0" i="0" sz="1000" u="none" cap="none" strike="noStrike">
+                <a:solidFill>
+                  <a:schemeClr val="dk2"/>
+                </a:solidFill>
+                <a:latin typeface="Arial"/>
+                <a:ea typeface="Arial"/>
+                <a:cs typeface="Arial"/>
+                <a:sym typeface="Arial"/>
+              </a:defRPr>
             </a:lvl5pPr>
-            <a:lvl6pPr lvl="5">
-              <a:buNone/>
-              <a:defRPr/>
+            <a:lvl6pPr indent="0" lvl="5" marL="0" marR="0" algn="r">
+              <a:lnSpc>
+                <a:spcPct val="100000"/>
+              </a:lnSpc>
+              <a:spcBef>
+                <a:spcPts val="0"/>
+              </a:spcBef>
+              <a:spcAft>
+                <a:spcPts val="0"/>
+              </a:spcAft>
+              <a:buClr>
+                <a:srgbClr val="000000"/>
+              </a:buClr>
+              <a:buSzPts val="1000"/>
+              <a:buFont typeface="Arial"/>
+              <a:buNone/>
+              <a:defRPr b="0" i="0" sz="1000" u="none" cap="none" strike="noStrike">
+                <a:solidFill>
+                  <a:schemeClr val="dk2"/>
+                </a:solidFill>
+                <a:latin typeface="Arial"/>
+                <a:ea typeface="Arial"/>
+                <a:cs typeface="Arial"/>
+                <a:sym typeface="Arial"/>
+              </a:defRPr>
             </a:lvl6pPr>
-            <a:lvl7pPr lvl="6">
-              <a:buNone/>
-              <a:defRPr/>
+            <a:lvl7pPr indent="0" lvl="6" marL="0" marR="0" algn="r">
+              <a:lnSpc>
+                <a:spcPct val="100000"/>
+              </a:lnSpc>
+              <a:spcBef>
+                <a:spcPts val="0"/>
+              </a:spcBef>
+              <a:spcAft>
+                <a:spcPts val="0"/>
+              </a:spcAft>
+              <a:buClr>
+                <a:srgbClr val="000000"/>
+              </a:buClr>
+              <a:buSzPts val="1000"/>
+              <a:buFont typeface="Arial"/>
+              <a:buNone/>
+              <a:defRPr b="0" i="0" sz="1000" u="none" cap="none" strike="noStrike">
+                <a:solidFill>
+                  <a:schemeClr val="dk2"/>
+                </a:solidFill>
+                <a:latin typeface="Arial"/>
+                <a:ea typeface="Arial"/>
+                <a:cs typeface="Arial"/>
+                <a:sym typeface="Arial"/>
+              </a:defRPr>
             </a:lvl7pPr>
-            <a:lvl8pPr lvl="7">
-              <a:buNone/>
-              <a:defRPr/>
+            <a:lvl8pPr indent="0" lvl="7" marL="0" marR="0" algn="r">
+              <a:lnSpc>
+                <a:spcPct val="100000"/>
+              </a:lnSpc>
+              <a:spcBef>
+                <a:spcPts val="0"/>
+              </a:spcBef>
+              <a:spcAft>
+                <a:spcPts val="0"/>
+              </a:spcAft>
+              <a:buClr>
+                <a:srgbClr val="000000"/>
+              </a:buClr>
+              <a:buSzPts val="1000"/>
+              <a:buFont typeface="Arial"/>
+              <a:buNone/>
+              <a:defRPr b="0" i="0" sz="1000" u="none" cap="none" strike="noStrike">
+                <a:solidFill>
+                  <a:schemeClr val="dk2"/>
+                </a:solidFill>
+                <a:latin typeface="Arial"/>
+                <a:ea typeface="Arial"/>
+                <a:cs typeface="Arial"/>
+                <a:sym typeface="Arial"/>
+              </a:defRPr>
             </a:lvl8pPr>
-            <a:lvl9pPr lvl="8">
-              <a:buNone/>
-              <a:defRPr/>
+            <a:lvl9pPr indent="0" lvl="8" marL="0" marR="0" algn="r">
+              <a:lnSpc>
+                <a:spcPct val="100000"/>
+              </a:lnSpc>
+              <a:spcBef>
+                <a:spcPts val="0"/>
+              </a:spcBef>
+              <a:spcAft>
+                <a:spcPts val="0"/>
+              </a:spcAft>
+              <a:buClr>
+                <a:srgbClr val="000000"/>
+              </a:buClr>
+              <a:buSzPts val="1000"/>
+              <a:buFont typeface="Arial"/>
+              <a:buNone/>
+              <a:defRPr b="0" i="0" sz="1000" u="none" cap="none" strike="noStrike">
+                <a:solidFill>
+                  <a:schemeClr val="dk2"/>
+                </a:solidFill>
+                <a:latin typeface="Arial"/>
+                <a:ea typeface="Arial"/>
+                <a:cs typeface="Arial"/>
+                <a:sym typeface="Arial"/>
+              </a:defRPr>
             </a:lvl9pPr>
           </a:lstStyle>
           <a:p>
@@ -5673,19 +8239,35 @@
           </a:bodyPr>
           <a:lstStyle/>
           <a:p>
-            <a:pPr indent="0" lvl="0" marL="0" rtl="0" algn="l">
-              <a:spcBef>
-                <a:spcPts val="0"/>
-              </a:spcBef>
-              <a:spcAft>
-                <a:spcPts val="0"/>
-              </a:spcAft>
+            <a:pPr indent="0" lvl="0" marL="0" marR="0" rtl="0" algn="l">
+              <a:lnSpc>
+                <a:spcPct val="100000"/>
+              </a:lnSpc>
+              <a:spcBef>
+                <a:spcPts val="0"/>
+              </a:spcBef>
+              <a:spcAft>
+                <a:spcPts val="0"/>
+              </a:spcAft>
+              <a:buClr>
+                <a:srgbClr val="000000"/>
+              </a:buClr>
+              <a:buSzPts val="1400"/>
+              <a:buFont typeface="Arial"/>
               <a:buNone/>
             </a:pPr>
             <a:r>
               <a:t/>
             </a:r>
-            <a:endParaRPr/>
+            <a:endParaRPr b="0" i="0" sz="1400" u="none" cap="none" strike="noStrike">
+              <a:solidFill>
+                <a:srgbClr val="000000"/>
+              </a:solidFill>
+              <a:latin typeface="Arial"/>
+              <a:ea typeface="Arial"/>
+              <a:cs typeface="Arial"/>
+              <a:sym typeface="Arial"/>
+            </a:endParaRPr>
           </a:p>
         </p:txBody>
       </p:sp>
@@ -5705,6 +8287,10 @@
           <a:prstGeom prst="rect">
             <a:avLst/>
           </a:prstGeom>
+          <a:noFill/>
+          <a:ln>
+            <a:noFill/>
+          </a:ln>
         </p:spPr>
         <p:txBody>
           <a:bodyPr anchorCtr="0" anchor="b" bIns="91425" lIns="91425" spcFirstLastPara="1" rIns="91425" wrap="square" tIns="91425">
@@ -5712,6 +8298,9 @@
           </a:bodyPr>
           <a:lstStyle>
             <a:lvl1pPr lvl="0" algn="ctr">
+              <a:lnSpc>
+                <a:spcPct val="100000"/>
+              </a:lnSpc>
               <a:spcBef>
                 <a:spcPts val="0"/>
               </a:spcBef>
@@ -5723,6 +8312,9 @@
               <a:defRPr sz="4200"/>
             </a:lvl1pPr>
             <a:lvl2pPr lvl="1" algn="ctr">
+              <a:lnSpc>
+                <a:spcPct val="100000"/>
+              </a:lnSpc>
               <a:spcBef>
                 <a:spcPts val="0"/>
               </a:spcBef>
@@ -5734,6 +8326,9 @@
               <a:defRPr sz="4200"/>
             </a:lvl2pPr>
             <a:lvl3pPr lvl="2" algn="ctr">
+              <a:lnSpc>
+                <a:spcPct val="100000"/>
+              </a:lnSpc>
               <a:spcBef>
                 <a:spcPts val="0"/>
               </a:spcBef>
@@ -5745,6 +8340,9 @@
               <a:defRPr sz="4200"/>
             </a:lvl3pPr>
             <a:lvl4pPr lvl="3" algn="ctr">
+              <a:lnSpc>
+                <a:spcPct val="100000"/>
+              </a:lnSpc>
               <a:spcBef>
                 <a:spcPts val="0"/>
               </a:spcBef>
@@ -5756,6 +8354,9 @@
               <a:defRPr sz="4200"/>
             </a:lvl4pPr>
             <a:lvl5pPr lvl="4" algn="ctr">
+              <a:lnSpc>
+                <a:spcPct val="100000"/>
+              </a:lnSpc>
               <a:spcBef>
                 <a:spcPts val="0"/>
               </a:spcBef>
@@ -5767,6 +8368,9 @@
               <a:defRPr sz="4200"/>
             </a:lvl5pPr>
             <a:lvl6pPr lvl="5" algn="ctr">
+              <a:lnSpc>
+                <a:spcPct val="100000"/>
+              </a:lnSpc>
               <a:spcBef>
                 <a:spcPts val="0"/>
               </a:spcBef>
@@ -5778,6 +8382,9 @@
               <a:defRPr sz="4200"/>
             </a:lvl6pPr>
             <a:lvl7pPr lvl="6" algn="ctr">
+              <a:lnSpc>
+                <a:spcPct val="100000"/>
+              </a:lnSpc>
               <a:spcBef>
                 <a:spcPts val="0"/>
               </a:spcBef>
@@ -5789,6 +8396,9 @@
               <a:defRPr sz="4200"/>
             </a:lvl7pPr>
             <a:lvl8pPr lvl="7" algn="ctr">
+              <a:lnSpc>
+                <a:spcPct val="100000"/>
+              </a:lnSpc>
               <a:spcBef>
                 <a:spcPts val="0"/>
               </a:spcBef>
@@ -5800,6 +8410,9 @@
               <a:defRPr sz="4200"/>
             </a:lvl8pPr>
             <a:lvl9pPr lvl="8" algn="ctr">
+              <a:lnSpc>
+                <a:spcPct val="100000"/>
+              </a:lnSpc>
               <a:spcBef>
                 <a:spcPts val="0"/>
               </a:spcBef>
@@ -5830,6 +8443,10 @@
           <a:prstGeom prst="rect">
             <a:avLst/>
           </a:prstGeom>
+          <a:noFill/>
+          <a:ln>
+            <a:noFill/>
+          </a:ln>
         </p:spPr>
         <p:txBody>
           <a:bodyPr anchorCtr="0" anchor="t" bIns="91425" lIns="91425" spcFirstLastPara="1" rIns="91425" wrap="square" tIns="91425">
@@ -5982,13 +8599,20 @@
           <a:prstGeom prst="rect">
             <a:avLst/>
           </a:prstGeom>
+          <a:noFill/>
+          <a:ln>
+            <a:noFill/>
+          </a:ln>
         </p:spPr>
         <p:txBody>
           <a:bodyPr anchorCtr="0" anchor="ctr" bIns="91425" lIns="91425" spcFirstLastPara="1" rIns="91425" wrap="square" tIns="91425">
             <a:normAutofit/>
           </a:bodyPr>
           <a:lstStyle>
-            <a:lvl1pPr indent="-342900" lvl="0" marL="457200">
+            <a:lvl1pPr indent="-342900" lvl="0" marL="457200" algn="l">
+              <a:lnSpc>
+                <a:spcPct val="115000"/>
+              </a:lnSpc>
               <a:spcBef>
                 <a:spcPts val="0"/>
               </a:spcBef>
@@ -5999,7 +8623,10 @@
               <a:buChar char="●"/>
               <a:defRPr/>
             </a:lvl1pPr>
-            <a:lvl2pPr indent="-317500" lvl="1" marL="914400">
+            <a:lvl2pPr indent="-317500" lvl="1" marL="914400" algn="l">
+              <a:lnSpc>
+                <a:spcPct val="115000"/>
+              </a:lnSpc>
               <a:spcBef>
                 <a:spcPts val="0"/>
               </a:spcBef>
@@ -6010,7 +8637,10 @@
               <a:buChar char="○"/>
               <a:defRPr/>
             </a:lvl2pPr>
-            <a:lvl3pPr indent="-317500" lvl="2" marL="1371600">
+            <a:lvl3pPr indent="-317500" lvl="2" marL="1371600" algn="l">
+              <a:lnSpc>
+                <a:spcPct val="115000"/>
+              </a:lnSpc>
               <a:spcBef>
                 <a:spcPts val="0"/>
               </a:spcBef>
@@ -6021,7 +8651,10 @@
               <a:buChar char="■"/>
               <a:defRPr/>
             </a:lvl3pPr>
-            <a:lvl4pPr indent="-317500" lvl="3" marL="1828800">
+            <a:lvl4pPr indent="-317500" lvl="3" marL="1828800" algn="l">
+              <a:lnSpc>
+                <a:spcPct val="115000"/>
+              </a:lnSpc>
               <a:spcBef>
                 <a:spcPts val="0"/>
               </a:spcBef>
@@ -6032,7 +8665,10 @@
               <a:buChar char="●"/>
               <a:defRPr/>
             </a:lvl4pPr>
-            <a:lvl5pPr indent="-317500" lvl="4" marL="2286000">
+            <a:lvl5pPr indent="-317500" lvl="4" marL="2286000" algn="l">
+              <a:lnSpc>
+                <a:spcPct val="115000"/>
+              </a:lnSpc>
               <a:spcBef>
                 <a:spcPts val="0"/>
               </a:spcBef>
@@ -6043,7 +8679,10 @@
               <a:buChar char="○"/>
               <a:defRPr/>
             </a:lvl5pPr>
-            <a:lvl6pPr indent="-317500" lvl="5" marL="2743200">
+            <a:lvl6pPr indent="-317500" lvl="5" marL="2743200" algn="l">
+              <a:lnSpc>
+                <a:spcPct val="115000"/>
+              </a:lnSpc>
               <a:spcBef>
                 <a:spcPts val="0"/>
               </a:spcBef>
@@ -6054,7 +8693,10 @@
               <a:buChar char="■"/>
               <a:defRPr/>
             </a:lvl6pPr>
-            <a:lvl7pPr indent="-317500" lvl="6" marL="3200400">
+            <a:lvl7pPr indent="-317500" lvl="6" marL="3200400" algn="l">
+              <a:lnSpc>
+                <a:spcPct val="115000"/>
+              </a:lnSpc>
               <a:spcBef>
                 <a:spcPts val="0"/>
               </a:spcBef>
@@ -6065,7 +8707,10 @@
               <a:buChar char="●"/>
               <a:defRPr/>
             </a:lvl7pPr>
-            <a:lvl8pPr indent="-317500" lvl="7" marL="3657600">
+            <a:lvl8pPr indent="-317500" lvl="7" marL="3657600" algn="l">
+              <a:lnSpc>
+                <a:spcPct val="115000"/>
+              </a:lnSpc>
               <a:spcBef>
                 <a:spcPts val="0"/>
               </a:spcBef>
@@ -6076,7 +8721,10 @@
               <a:buChar char="○"/>
               <a:defRPr/>
             </a:lvl8pPr>
-            <a:lvl9pPr indent="-317500" lvl="8" marL="4114800">
+            <a:lvl9pPr indent="-317500" lvl="8" marL="4114800" algn="l">
+              <a:lnSpc>
+                <a:spcPct val="115000"/>
+              </a:lnSpc>
               <a:spcBef>
                 <a:spcPts val="0"/>
               </a:spcBef>
@@ -6107,47 +8755,249 @@
           <a:prstGeom prst="rect">
             <a:avLst/>
           </a:prstGeom>
+          <a:noFill/>
+          <a:ln>
+            <a:noFill/>
+          </a:ln>
         </p:spPr>
         <p:txBody>
           <a:bodyPr anchorCtr="0" anchor="ctr" bIns="91425" lIns="91425" spcFirstLastPara="1" rIns="91425" wrap="square" tIns="91425">
             <a:normAutofit/>
           </a:bodyPr>
           <a:lstStyle>
-            <a:lvl1pPr lvl="0">
-              <a:buNone/>
-              <a:defRPr/>
+            <a:lvl1pPr indent="0" lvl="0" marL="0" marR="0" algn="r">
+              <a:lnSpc>
+                <a:spcPct val="100000"/>
+              </a:lnSpc>
+              <a:spcBef>
+                <a:spcPts val="0"/>
+              </a:spcBef>
+              <a:spcAft>
+                <a:spcPts val="0"/>
+              </a:spcAft>
+              <a:buClr>
+                <a:srgbClr val="000000"/>
+              </a:buClr>
+              <a:buSzPts val="1000"/>
+              <a:buFont typeface="Arial"/>
+              <a:buNone/>
+              <a:defRPr b="0" i="0" sz="1000" u="none" cap="none" strike="noStrike">
+                <a:solidFill>
+                  <a:schemeClr val="dk2"/>
+                </a:solidFill>
+                <a:latin typeface="Arial"/>
+                <a:ea typeface="Arial"/>
+                <a:cs typeface="Arial"/>
+                <a:sym typeface="Arial"/>
+              </a:defRPr>
             </a:lvl1pPr>
-            <a:lvl2pPr lvl="1">
-              <a:buNone/>
-              <a:defRPr/>
+            <a:lvl2pPr indent="0" lvl="1" marL="0" marR="0" algn="r">
+              <a:lnSpc>
+                <a:spcPct val="100000"/>
+              </a:lnSpc>
+              <a:spcBef>
+                <a:spcPts val="0"/>
+              </a:spcBef>
+              <a:spcAft>
+                <a:spcPts val="0"/>
+              </a:spcAft>
+              <a:buClr>
+                <a:srgbClr val="000000"/>
+              </a:buClr>
+              <a:buSzPts val="1000"/>
+              <a:buFont typeface="Arial"/>
+              <a:buNone/>
+              <a:defRPr b="0" i="0" sz="1000" u="none" cap="none" strike="noStrike">
+                <a:solidFill>
+                  <a:schemeClr val="dk2"/>
+                </a:solidFill>
+                <a:latin typeface="Arial"/>
+                <a:ea typeface="Arial"/>
+                <a:cs typeface="Arial"/>
+                <a:sym typeface="Arial"/>
+              </a:defRPr>
             </a:lvl2pPr>
-            <a:lvl3pPr lvl="2">
-              <a:buNone/>
-              <a:defRPr/>
+            <a:lvl3pPr indent="0" lvl="2" marL="0" marR="0" algn="r">
+              <a:lnSpc>
+                <a:spcPct val="100000"/>
+              </a:lnSpc>
+              <a:spcBef>
+                <a:spcPts val="0"/>
+              </a:spcBef>
+              <a:spcAft>
+                <a:spcPts val="0"/>
+              </a:spcAft>
+              <a:buClr>
+                <a:srgbClr val="000000"/>
+              </a:buClr>
+              <a:buSzPts val="1000"/>
+              <a:buFont typeface="Arial"/>
+              <a:buNone/>
+              <a:defRPr b="0" i="0" sz="1000" u="none" cap="none" strike="noStrike">
+                <a:solidFill>
+                  <a:schemeClr val="dk2"/>
+                </a:solidFill>
+                <a:latin typeface="Arial"/>
+                <a:ea typeface="Arial"/>
+                <a:cs typeface="Arial"/>
+                <a:sym typeface="Arial"/>
+              </a:defRPr>
             </a:lvl3pPr>
-            <a:lvl4pPr lvl="3">
-              <a:buNone/>
-              <a:defRPr/>
+            <a:lvl4pPr indent="0" lvl="3" marL="0" marR="0" algn="r">
+              <a:lnSpc>
+                <a:spcPct val="100000"/>
+              </a:lnSpc>
+              <a:spcBef>
+                <a:spcPts val="0"/>
+              </a:spcBef>
+              <a:spcAft>
+                <a:spcPts val="0"/>
+              </a:spcAft>
+              <a:buClr>
+                <a:srgbClr val="000000"/>
+              </a:buClr>
+              <a:buSzPts val="1000"/>
+              <a:buFont typeface="Arial"/>
+              <a:buNone/>
+              <a:defRPr b="0" i="0" sz="1000" u="none" cap="none" strike="noStrike">
+                <a:solidFill>
+                  <a:schemeClr val="dk2"/>
+                </a:solidFill>
+                <a:latin typeface="Arial"/>
+                <a:ea typeface="Arial"/>
+                <a:cs typeface="Arial"/>
+                <a:sym typeface="Arial"/>
+              </a:defRPr>
             </a:lvl4pPr>
-            <a:lvl5pPr lvl="4">
-              <a:buNone/>
-              <a:defRPr/>
+            <a:lvl5pPr indent="0" lvl="4" marL="0" marR="0" algn="r">
+              <a:lnSpc>
+                <a:spcPct val="100000"/>
+              </a:lnSpc>
+              <a:spcBef>
+                <a:spcPts val="0"/>
+              </a:spcBef>
+              <a:spcAft>
+                <a:spcPts val="0"/>
+              </a:spcAft>
+              <a:buClr>
+                <a:srgbClr val="000000"/>
+              </a:buClr>
+              <a:buSzPts val="1000"/>
+              <a:buFont typeface="Arial"/>
+              <a:buNone/>
+              <a:defRPr b="0" i="0" sz="1000" u="none" cap="none" strike="noStrike">
+                <a:solidFill>
+                  <a:schemeClr val="dk2"/>
+                </a:solidFill>
+                <a:latin typeface="Arial"/>
+                <a:ea typeface="Arial"/>
+                <a:cs typeface="Arial"/>
+                <a:sym typeface="Arial"/>
+              </a:defRPr>
             </a:lvl5pPr>
-            <a:lvl6pPr lvl="5">
-              <a:buNone/>
-              <a:defRPr/>
+            <a:lvl6pPr indent="0" lvl="5" marL="0" marR="0" algn="r">
+              <a:lnSpc>
+                <a:spcPct val="100000"/>
+              </a:lnSpc>
+              <a:spcBef>
+                <a:spcPts val="0"/>
+              </a:spcBef>
+              <a:spcAft>
+                <a:spcPts val="0"/>
+              </a:spcAft>
+              <a:buClr>
+                <a:srgbClr val="000000"/>
+              </a:buClr>
+              <a:buSzPts val="1000"/>
+              <a:buFont typeface="Arial"/>
+              <a:buNone/>
+              <a:defRPr b="0" i="0" sz="1000" u="none" cap="none" strike="noStrike">
+                <a:solidFill>
+                  <a:schemeClr val="dk2"/>
+                </a:solidFill>
+                <a:latin typeface="Arial"/>
+                <a:ea typeface="Arial"/>
+                <a:cs typeface="Arial"/>
+                <a:sym typeface="Arial"/>
+              </a:defRPr>
             </a:lvl6pPr>
-            <a:lvl7pPr lvl="6">
-              <a:buNone/>
-              <a:defRPr/>
+            <a:lvl7pPr indent="0" lvl="6" marL="0" marR="0" algn="r">
+              <a:lnSpc>
+                <a:spcPct val="100000"/>
+              </a:lnSpc>
+              <a:spcBef>
+                <a:spcPts val="0"/>
+              </a:spcBef>
+              <a:spcAft>
+                <a:spcPts val="0"/>
+              </a:spcAft>
+              <a:buClr>
+                <a:srgbClr val="000000"/>
+              </a:buClr>
+              <a:buSzPts val="1000"/>
+              <a:buFont typeface="Arial"/>
+              <a:buNone/>
+              <a:defRPr b="0" i="0" sz="1000" u="none" cap="none" strike="noStrike">
+                <a:solidFill>
+                  <a:schemeClr val="dk2"/>
+                </a:solidFill>
+                <a:latin typeface="Arial"/>
+                <a:ea typeface="Arial"/>
+                <a:cs typeface="Arial"/>
+                <a:sym typeface="Arial"/>
+              </a:defRPr>
             </a:lvl7pPr>
-            <a:lvl8pPr lvl="7">
-              <a:buNone/>
-              <a:defRPr/>
+            <a:lvl8pPr indent="0" lvl="7" marL="0" marR="0" algn="r">
+              <a:lnSpc>
+                <a:spcPct val="100000"/>
+              </a:lnSpc>
+              <a:spcBef>
+                <a:spcPts val="0"/>
+              </a:spcBef>
+              <a:spcAft>
+                <a:spcPts val="0"/>
+              </a:spcAft>
+              <a:buClr>
+                <a:srgbClr val="000000"/>
+              </a:buClr>
+              <a:buSzPts val="1000"/>
+              <a:buFont typeface="Arial"/>
+              <a:buNone/>
+              <a:defRPr b="0" i="0" sz="1000" u="none" cap="none" strike="noStrike">
+                <a:solidFill>
+                  <a:schemeClr val="dk2"/>
+                </a:solidFill>
+                <a:latin typeface="Arial"/>
+                <a:ea typeface="Arial"/>
+                <a:cs typeface="Arial"/>
+                <a:sym typeface="Arial"/>
+              </a:defRPr>
             </a:lvl8pPr>
-            <a:lvl9pPr lvl="8">
-              <a:buNone/>
-              <a:defRPr/>
+            <a:lvl9pPr indent="0" lvl="8" marL="0" marR="0" algn="r">
+              <a:lnSpc>
+                <a:spcPct val="100000"/>
+              </a:lnSpc>
+              <a:spcBef>
+                <a:spcPts val="0"/>
+              </a:spcBef>
+              <a:spcAft>
+                <a:spcPts val="0"/>
+              </a:spcAft>
+              <a:buClr>
+                <a:srgbClr val="000000"/>
+              </a:buClr>
+              <a:buSzPts val="1000"/>
+              <a:buFont typeface="Arial"/>
+              <a:buNone/>
+              <a:defRPr b="0" i="0" sz="1000" u="none" cap="none" strike="noStrike">
+                <a:solidFill>
+                  <a:schemeClr val="dk2"/>
+                </a:solidFill>
+                <a:latin typeface="Arial"/>
+                <a:ea typeface="Arial"/>
+                <a:cs typeface="Arial"/>
+                <a:sym typeface="Arial"/>
+              </a:defRPr>
             </a:lvl9pPr>
           </a:lstStyle>
           <a:p>
@@ -6209,13 +9059,17 @@
           <a:prstGeom prst="rect">
             <a:avLst/>
           </a:prstGeom>
+          <a:noFill/>
+          <a:ln>
+            <a:noFill/>
+          </a:ln>
         </p:spPr>
         <p:txBody>
           <a:bodyPr anchorCtr="0" anchor="ctr" bIns="91425" lIns="91425" spcFirstLastPara="1" rIns="91425" wrap="square" tIns="91425">
             <a:normAutofit/>
           </a:bodyPr>
           <a:lstStyle>
-            <a:lvl1pPr indent="-228600" lvl="0" marL="457200">
+            <a:lvl1pPr indent="-228600" lvl="0" marL="457200" algn="l">
               <a:lnSpc>
                 <a:spcPct val="100000"/>
               </a:lnSpc>
@@ -6249,47 +9103,249 @@
           <a:prstGeom prst="rect">
             <a:avLst/>
           </a:prstGeom>
+          <a:noFill/>
+          <a:ln>
+            <a:noFill/>
+          </a:ln>
         </p:spPr>
         <p:txBody>
           <a:bodyPr anchorCtr="0" anchor="ctr" bIns="91425" lIns="91425" spcFirstLastPara="1" rIns="91425" wrap="square" tIns="91425">
             <a:normAutofit/>
           </a:bodyPr>
           <a:lstStyle>
-            <a:lvl1pPr lvl="0">
-              <a:buNone/>
-              <a:defRPr/>
+            <a:lvl1pPr indent="0" lvl="0" marL="0" marR="0" algn="r">
+              <a:lnSpc>
+                <a:spcPct val="100000"/>
+              </a:lnSpc>
+              <a:spcBef>
+                <a:spcPts val="0"/>
+              </a:spcBef>
+              <a:spcAft>
+                <a:spcPts val="0"/>
+              </a:spcAft>
+              <a:buClr>
+                <a:srgbClr val="000000"/>
+              </a:buClr>
+              <a:buSzPts val="1000"/>
+              <a:buFont typeface="Arial"/>
+              <a:buNone/>
+              <a:defRPr b="0" i="0" sz="1000" u="none" cap="none" strike="noStrike">
+                <a:solidFill>
+                  <a:schemeClr val="dk2"/>
+                </a:solidFill>
+                <a:latin typeface="Arial"/>
+                <a:ea typeface="Arial"/>
+                <a:cs typeface="Arial"/>
+                <a:sym typeface="Arial"/>
+              </a:defRPr>
             </a:lvl1pPr>
-            <a:lvl2pPr lvl="1">
-              <a:buNone/>
-              <a:defRPr/>
+            <a:lvl2pPr indent="0" lvl="1" marL="0" marR="0" algn="r">
+              <a:lnSpc>
+                <a:spcPct val="100000"/>
+              </a:lnSpc>
+              <a:spcBef>
+                <a:spcPts val="0"/>
+              </a:spcBef>
+              <a:spcAft>
+                <a:spcPts val="0"/>
+              </a:spcAft>
+              <a:buClr>
+                <a:srgbClr val="000000"/>
+              </a:buClr>
+              <a:buSzPts val="1000"/>
+              <a:buFont typeface="Arial"/>
+              <a:buNone/>
+              <a:defRPr b="0" i="0" sz="1000" u="none" cap="none" strike="noStrike">
+                <a:solidFill>
+                  <a:schemeClr val="dk2"/>
+                </a:solidFill>
+                <a:latin typeface="Arial"/>
+                <a:ea typeface="Arial"/>
+                <a:cs typeface="Arial"/>
+                <a:sym typeface="Arial"/>
+              </a:defRPr>
             </a:lvl2pPr>
-            <a:lvl3pPr lvl="2">
-              <a:buNone/>
-              <a:defRPr/>
+            <a:lvl3pPr indent="0" lvl="2" marL="0" marR="0" algn="r">
+              <a:lnSpc>
+                <a:spcPct val="100000"/>
+              </a:lnSpc>
+              <a:spcBef>
+                <a:spcPts val="0"/>
+              </a:spcBef>
+              <a:spcAft>
+                <a:spcPts val="0"/>
+              </a:spcAft>
+              <a:buClr>
+                <a:srgbClr val="000000"/>
+              </a:buClr>
+              <a:buSzPts val="1000"/>
+              <a:buFont typeface="Arial"/>
+              <a:buNone/>
+              <a:defRPr b="0" i="0" sz="1000" u="none" cap="none" strike="noStrike">
+                <a:solidFill>
+                  <a:schemeClr val="dk2"/>
+                </a:solidFill>
+                <a:latin typeface="Arial"/>
+                <a:ea typeface="Arial"/>
+                <a:cs typeface="Arial"/>
+                <a:sym typeface="Arial"/>
+              </a:defRPr>
             </a:lvl3pPr>
-            <a:lvl4pPr lvl="3">
-              <a:buNone/>
-              <a:defRPr/>
+            <a:lvl4pPr indent="0" lvl="3" marL="0" marR="0" algn="r">
+              <a:lnSpc>
+                <a:spcPct val="100000"/>
+              </a:lnSpc>
+              <a:spcBef>
+                <a:spcPts val="0"/>
+              </a:spcBef>
+              <a:spcAft>
+                <a:spcPts val="0"/>
+              </a:spcAft>
+              <a:buClr>
+                <a:srgbClr val="000000"/>
+              </a:buClr>
+              <a:buSzPts val="1000"/>
+              <a:buFont typeface="Arial"/>
+              <a:buNone/>
+              <a:defRPr b="0" i="0" sz="1000" u="none" cap="none" strike="noStrike">
+                <a:solidFill>
+                  <a:schemeClr val="dk2"/>
+                </a:solidFill>
+                <a:latin typeface="Arial"/>
+                <a:ea typeface="Arial"/>
+                <a:cs typeface="Arial"/>
+                <a:sym typeface="Arial"/>
+              </a:defRPr>
             </a:lvl4pPr>
-            <a:lvl5pPr lvl="4">
-              <a:buNone/>
-              <a:defRPr/>
+            <a:lvl5pPr indent="0" lvl="4" marL="0" marR="0" algn="r">
+              <a:lnSpc>
+                <a:spcPct val="100000"/>
+              </a:lnSpc>
+              <a:spcBef>
+                <a:spcPts val="0"/>
+              </a:spcBef>
+              <a:spcAft>
+                <a:spcPts val="0"/>
+              </a:spcAft>
+              <a:buClr>
+                <a:srgbClr val="000000"/>
+              </a:buClr>
+              <a:buSzPts val="1000"/>
+              <a:buFont typeface="Arial"/>
+              <a:buNone/>
+              <a:defRPr b="0" i="0" sz="1000" u="none" cap="none" strike="noStrike">
+                <a:solidFill>
+                  <a:schemeClr val="dk2"/>
+                </a:solidFill>
+                <a:latin typeface="Arial"/>
+                <a:ea typeface="Arial"/>
+                <a:cs typeface="Arial"/>
+                <a:sym typeface="Arial"/>
+              </a:defRPr>
             </a:lvl5pPr>
-            <a:lvl6pPr lvl="5">
-              <a:buNone/>
-              <a:defRPr/>
+            <a:lvl6pPr indent="0" lvl="5" marL="0" marR="0" algn="r">
+              <a:lnSpc>
+                <a:spcPct val="100000"/>
+              </a:lnSpc>
+              <a:spcBef>
+                <a:spcPts val="0"/>
+              </a:spcBef>
+              <a:spcAft>
+                <a:spcPts val="0"/>
+              </a:spcAft>
+              <a:buClr>
+                <a:srgbClr val="000000"/>
+              </a:buClr>
+              <a:buSzPts val="1000"/>
+              <a:buFont typeface="Arial"/>
+              <a:buNone/>
+              <a:defRPr b="0" i="0" sz="1000" u="none" cap="none" strike="noStrike">
+                <a:solidFill>
+                  <a:schemeClr val="dk2"/>
+                </a:solidFill>
+                <a:latin typeface="Arial"/>
+                <a:ea typeface="Arial"/>
+                <a:cs typeface="Arial"/>
+                <a:sym typeface="Arial"/>
+              </a:defRPr>
             </a:lvl6pPr>
-            <a:lvl7pPr lvl="6">
-              <a:buNone/>
-              <a:defRPr/>
+            <a:lvl7pPr indent="0" lvl="6" marL="0" marR="0" algn="r">
+              <a:lnSpc>
+                <a:spcPct val="100000"/>
+              </a:lnSpc>
+              <a:spcBef>
+                <a:spcPts val="0"/>
+              </a:spcBef>
+              <a:spcAft>
+                <a:spcPts val="0"/>
+              </a:spcAft>
+              <a:buClr>
+                <a:srgbClr val="000000"/>
+              </a:buClr>
+              <a:buSzPts val="1000"/>
+              <a:buFont typeface="Arial"/>
+              <a:buNone/>
+              <a:defRPr b="0" i="0" sz="1000" u="none" cap="none" strike="noStrike">
+                <a:solidFill>
+                  <a:schemeClr val="dk2"/>
+                </a:solidFill>
+                <a:latin typeface="Arial"/>
+                <a:ea typeface="Arial"/>
+                <a:cs typeface="Arial"/>
+                <a:sym typeface="Arial"/>
+              </a:defRPr>
             </a:lvl7pPr>
-            <a:lvl8pPr lvl="7">
-              <a:buNone/>
-              <a:defRPr/>
+            <a:lvl8pPr indent="0" lvl="7" marL="0" marR="0" algn="r">
+              <a:lnSpc>
+                <a:spcPct val="100000"/>
+              </a:lnSpc>
+              <a:spcBef>
+                <a:spcPts val="0"/>
+              </a:spcBef>
+              <a:spcAft>
+                <a:spcPts val="0"/>
+              </a:spcAft>
+              <a:buClr>
+                <a:srgbClr val="000000"/>
+              </a:buClr>
+              <a:buSzPts val="1000"/>
+              <a:buFont typeface="Arial"/>
+              <a:buNone/>
+              <a:defRPr b="0" i="0" sz="1000" u="none" cap="none" strike="noStrike">
+                <a:solidFill>
+                  <a:schemeClr val="dk2"/>
+                </a:solidFill>
+                <a:latin typeface="Arial"/>
+                <a:ea typeface="Arial"/>
+                <a:cs typeface="Arial"/>
+                <a:sym typeface="Arial"/>
+              </a:defRPr>
             </a:lvl8pPr>
-            <a:lvl9pPr lvl="8">
-              <a:buNone/>
-              <a:defRPr/>
+            <a:lvl9pPr indent="0" lvl="8" marL="0" marR="0" algn="r">
+              <a:lnSpc>
+                <a:spcPct val="100000"/>
+              </a:lnSpc>
+              <a:spcBef>
+                <a:spcPts val="0"/>
+              </a:spcBef>
+              <a:spcAft>
+                <a:spcPts val="0"/>
+              </a:spcAft>
+              <a:buClr>
+                <a:srgbClr val="000000"/>
+              </a:buClr>
+              <a:buSzPts val="1000"/>
+              <a:buFont typeface="Arial"/>
+              <a:buNone/>
+              <a:defRPr b="0" i="0" sz="1000" u="none" cap="none" strike="noStrike">
+                <a:solidFill>
+                  <a:schemeClr val="dk2"/>
+                </a:solidFill>
+                <a:latin typeface="Arial"/>
+                <a:ea typeface="Arial"/>
+                <a:cs typeface="Arial"/>
+                <a:sym typeface="Arial"/>
+              </a:defRPr>
             </a:lvl9pPr>
           </a:lstStyle>
           <a:p>
@@ -6368,7 +9424,10 @@
             <a:normAutofit/>
           </a:bodyPr>
           <a:lstStyle>
-            <a:lvl1pPr lvl="0">
+            <a:lvl1pPr lvl="0" marR="0" rtl="0" algn="l">
+              <a:lnSpc>
+                <a:spcPct val="100000"/>
+              </a:lnSpc>
               <a:spcBef>
                 <a:spcPts val="0"/>
               </a:spcBef>
@@ -6379,14 +9438,22 @@
                 <a:schemeClr val="dk1"/>
               </a:buClr>
               <a:buSzPts val="2800"/>
-              <a:buNone/>
-              <a:defRPr sz="2800">
+              <a:buFont typeface="Arial"/>
+              <a:buNone/>
+              <a:defRPr b="0" i="0" sz="2800" u="none" cap="none" strike="noStrike">
                 <a:solidFill>
                   <a:schemeClr val="dk1"/>
                 </a:solidFill>
+                <a:latin typeface="Arial"/>
+                <a:ea typeface="Arial"/>
+                <a:cs typeface="Arial"/>
+                <a:sym typeface="Arial"/>
               </a:defRPr>
             </a:lvl1pPr>
-            <a:lvl2pPr lvl="1">
+            <a:lvl2pPr lvl="1" marR="0" rtl="0" algn="l">
+              <a:lnSpc>
+                <a:spcPct val="100000"/>
+              </a:lnSpc>
               <a:spcBef>
                 <a:spcPts val="0"/>
               </a:spcBef>
@@ -6397,14 +9464,22 @@
                 <a:schemeClr val="dk1"/>
               </a:buClr>
               <a:buSzPts val="2800"/>
-              <a:buNone/>
-              <a:defRPr sz="2800">
+              <a:buFont typeface="Arial"/>
+              <a:buNone/>
+              <a:defRPr b="0" i="0" sz="2800" u="none" cap="none" strike="noStrike">
                 <a:solidFill>
                   <a:schemeClr val="dk1"/>
                 </a:solidFill>
+                <a:latin typeface="Arial"/>
+                <a:ea typeface="Arial"/>
+                <a:cs typeface="Arial"/>
+                <a:sym typeface="Arial"/>
               </a:defRPr>
             </a:lvl2pPr>
-            <a:lvl3pPr lvl="2">
+            <a:lvl3pPr lvl="2" marR="0" rtl="0" algn="l">
+              <a:lnSpc>
+                <a:spcPct val="100000"/>
+              </a:lnSpc>
               <a:spcBef>
                 <a:spcPts val="0"/>
               </a:spcBef>
@@ -6415,14 +9490,22 @@
                 <a:schemeClr val="dk1"/>
               </a:buClr>
               <a:buSzPts val="2800"/>
-              <a:buNone/>
-              <a:defRPr sz="2800">
+              <a:buFont typeface="Arial"/>
+              <a:buNone/>
+              <a:defRPr b="0" i="0" sz="2800" u="none" cap="none" strike="noStrike">
                 <a:solidFill>
                   <a:schemeClr val="dk1"/>
                 </a:solidFill>
+                <a:latin typeface="Arial"/>
+                <a:ea typeface="Arial"/>
+                <a:cs typeface="Arial"/>
+                <a:sym typeface="Arial"/>
               </a:defRPr>
             </a:lvl3pPr>
-            <a:lvl4pPr lvl="3">
+            <a:lvl4pPr lvl="3" marR="0" rtl="0" algn="l">
+              <a:lnSpc>
+                <a:spcPct val="100000"/>
+              </a:lnSpc>
               <a:spcBef>
                 <a:spcPts val="0"/>
               </a:spcBef>
@@ -6433,14 +9516,22 @@
                 <a:schemeClr val="dk1"/>
               </a:buClr>
               <a:buSzPts val="2800"/>
-              <a:buNone/>
-              <a:defRPr sz="2800">
+              <a:buFont typeface="Arial"/>
+              <a:buNone/>
+              <a:defRPr b="0" i="0" sz="2800" u="none" cap="none" strike="noStrike">
                 <a:solidFill>
                   <a:schemeClr val="dk1"/>
                 </a:solidFill>
+                <a:latin typeface="Arial"/>
+                <a:ea typeface="Arial"/>
+                <a:cs typeface="Arial"/>
+                <a:sym typeface="Arial"/>
               </a:defRPr>
             </a:lvl4pPr>
-            <a:lvl5pPr lvl="4">
+            <a:lvl5pPr lvl="4" marR="0" rtl="0" algn="l">
+              <a:lnSpc>
+                <a:spcPct val="100000"/>
+              </a:lnSpc>
               <a:spcBef>
                 <a:spcPts val="0"/>
               </a:spcBef>
@@ -6451,14 +9542,22 @@
                 <a:schemeClr val="dk1"/>
               </a:buClr>
               <a:buSzPts val="2800"/>
-              <a:buNone/>
-              <a:defRPr sz="2800">
+              <a:buFont typeface="Arial"/>
+              <a:buNone/>
+              <a:defRPr b="0" i="0" sz="2800" u="none" cap="none" strike="noStrike">
                 <a:solidFill>
                   <a:schemeClr val="dk1"/>
                 </a:solidFill>
+                <a:latin typeface="Arial"/>
+                <a:ea typeface="Arial"/>
+                <a:cs typeface="Arial"/>
+                <a:sym typeface="Arial"/>
               </a:defRPr>
             </a:lvl5pPr>
-            <a:lvl6pPr lvl="5">
+            <a:lvl6pPr lvl="5" marR="0" rtl="0" algn="l">
+              <a:lnSpc>
+                <a:spcPct val="100000"/>
+              </a:lnSpc>
               <a:spcBef>
                 <a:spcPts val="0"/>
               </a:spcBef>
@@ -6469,14 +9568,22 @@
                 <a:schemeClr val="dk1"/>
               </a:buClr>
               <a:buSzPts val="2800"/>
-              <a:buNone/>
-              <a:defRPr sz="2800">
+              <a:buFont typeface="Arial"/>
+              <a:buNone/>
+              <a:defRPr b="0" i="0" sz="2800" u="none" cap="none" strike="noStrike">
                 <a:solidFill>
                   <a:schemeClr val="dk1"/>
                 </a:solidFill>
+                <a:latin typeface="Arial"/>
+                <a:ea typeface="Arial"/>
+                <a:cs typeface="Arial"/>
+                <a:sym typeface="Arial"/>
               </a:defRPr>
             </a:lvl6pPr>
-            <a:lvl7pPr lvl="6">
+            <a:lvl7pPr lvl="6" marR="0" rtl="0" algn="l">
+              <a:lnSpc>
+                <a:spcPct val="100000"/>
+              </a:lnSpc>
               <a:spcBef>
                 <a:spcPts val="0"/>
               </a:spcBef>
@@ -6487,14 +9594,22 @@
                 <a:schemeClr val="dk1"/>
               </a:buClr>
               <a:buSzPts val="2800"/>
-              <a:buNone/>
-              <a:defRPr sz="2800">
+              <a:buFont typeface="Arial"/>
+              <a:buNone/>
+              <a:defRPr b="0" i="0" sz="2800" u="none" cap="none" strike="noStrike">
                 <a:solidFill>
                   <a:schemeClr val="dk1"/>
                 </a:solidFill>
+                <a:latin typeface="Arial"/>
+                <a:ea typeface="Arial"/>
+                <a:cs typeface="Arial"/>
+                <a:sym typeface="Arial"/>
               </a:defRPr>
             </a:lvl7pPr>
-            <a:lvl8pPr lvl="7">
+            <a:lvl8pPr lvl="7" marR="0" rtl="0" algn="l">
+              <a:lnSpc>
+                <a:spcPct val="100000"/>
+              </a:lnSpc>
               <a:spcBef>
                 <a:spcPts val="0"/>
               </a:spcBef>
@@ -6505,14 +9620,22 @@
                 <a:schemeClr val="dk1"/>
               </a:buClr>
               <a:buSzPts val="2800"/>
-              <a:buNone/>
-              <a:defRPr sz="2800">
+              <a:buFont typeface="Arial"/>
+              <a:buNone/>
+              <a:defRPr b="0" i="0" sz="2800" u="none" cap="none" strike="noStrike">
                 <a:solidFill>
                   <a:schemeClr val="dk1"/>
                 </a:solidFill>
+                <a:latin typeface="Arial"/>
+                <a:ea typeface="Arial"/>
+                <a:cs typeface="Arial"/>
+                <a:sym typeface="Arial"/>
               </a:defRPr>
             </a:lvl8pPr>
-            <a:lvl9pPr lvl="8">
+            <a:lvl9pPr lvl="8" marR="0" rtl="0" algn="l">
+              <a:lnSpc>
+                <a:spcPct val="100000"/>
+              </a:lnSpc>
               <a:spcBef>
                 <a:spcPts val="0"/>
               </a:spcBef>
@@ -6523,11 +9646,16 @@
                 <a:schemeClr val="dk1"/>
               </a:buClr>
               <a:buSzPts val="2800"/>
-              <a:buNone/>
-              <a:defRPr sz="2800">
+              <a:buFont typeface="Arial"/>
+              <a:buNone/>
+              <a:defRPr b="0" i="0" sz="2800" u="none" cap="none" strike="noStrike">
                 <a:solidFill>
                   <a:schemeClr val="dk1"/>
                 </a:solidFill>
+                <a:latin typeface="Arial"/>
+                <a:ea typeface="Arial"/>
+                <a:cs typeface="Arial"/>
+                <a:sym typeface="Arial"/>
               </a:defRPr>
             </a:lvl9pPr>
           </a:lstStyle>
@@ -6560,7 +9688,7 @@
             <a:normAutofit/>
           </a:bodyPr>
           <a:lstStyle>
-            <a:lvl1pPr indent="-342900" lvl="0" marL="457200">
+            <a:lvl1pPr indent="-342900" lvl="0" marL="457200" marR="0" rtl="0" algn="l">
               <a:lnSpc>
                 <a:spcPct val="115000"/>
               </a:lnSpc>
@@ -6574,14 +9702,19 @@
                 <a:schemeClr val="dk2"/>
               </a:buClr>
               <a:buSzPts val="1800"/>
+              <a:buFont typeface="Arial"/>
               <a:buChar char="●"/>
-              <a:defRPr sz="1800">
+              <a:defRPr b="0" i="0" sz="1800" u="none" cap="none" strike="noStrike">
                 <a:solidFill>
                   <a:schemeClr val="dk2"/>
                 </a:solidFill>
+                <a:latin typeface="Arial"/>
+                <a:ea typeface="Arial"/>
+                <a:cs typeface="Arial"/>
+                <a:sym typeface="Arial"/>
               </a:defRPr>
             </a:lvl1pPr>
-            <a:lvl2pPr indent="-317500" lvl="1" marL="914400">
+            <a:lvl2pPr indent="-317500" lvl="1" marL="914400" marR="0" rtl="0" algn="l">
               <a:lnSpc>
                 <a:spcPct val="115000"/>
               </a:lnSpc>
@@ -6595,14 +9728,19 @@
                 <a:schemeClr val="dk2"/>
               </a:buClr>
               <a:buSzPts val="1400"/>
+              <a:buFont typeface="Arial"/>
               <a:buChar char="○"/>
-              <a:defRPr>
+              <a:defRPr b="0" i="0" sz="1400" u="none" cap="none" strike="noStrike">
                 <a:solidFill>
                   <a:schemeClr val="dk2"/>
                 </a:solidFill>
+                <a:latin typeface="Arial"/>
+                <a:ea typeface="Arial"/>
+                <a:cs typeface="Arial"/>
+                <a:sym typeface="Arial"/>
               </a:defRPr>
             </a:lvl2pPr>
-            <a:lvl3pPr indent="-317500" lvl="2" marL="1371600">
+            <a:lvl3pPr indent="-317500" lvl="2" marL="1371600" marR="0" rtl="0" algn="l">
               <a:lnSpc>
                 <a:spcPct val="115000"/>
               </a:lnSpc>
@@ -6616,14 +9754,19 @@
                 <a:schemeClr val="dk2"/>
               </a:buClr>
               <a:buSzPts val="1400"/>
+              <a:buFont typeface="Arial"/>
               <a:buChar char="■"/>
-              <a:defRPr>
+              <a:defRPr b="0" i="0" sz="1400" u="none" cap="none" strike="noStrike">
                 <a:solidFill>
                   <a:schemeClr val="dk2"/>
                 </a:solidFill>
+                <a:latin typeface="Arial"/>
+                <a:ea typeface="Arial"/>
+                <a:cs typeface="Arial"/>
+                <a:sym typeface="Arial"/>
               </a:defRPr>
             </a:lvl3pPr>
-            <a:lvl4pPr indent="-317500" lvl="3" marL="1828800">
+            <a:lvl4pPr indent="-317500" lvl="3" marL="1828800" marR="0" rtl="0" algn="l">
               <a:lnSpc>
                 <a:spcPct val="115000"/>
               </a:lnSpc>
@@ -6637,14 +9780,19 @@
                 <a:schemeClr val="dk2"/>
               </a:buClr>
               <a:buSzPts val="1400"/>
+              <a:buFont typeface="Arial"/>
               <a:buChar char="●"/>
-              <a:defRPr>
+              <a:defRPr b="0" i="0" sz="1400" u="none" cap="none" strike="noStrike">
                 <a:solidFill>
                   <a:schemeClr val="dk2"/>
                 </a:solidFill>
+                <a:latin typeface="Arial"/>
+                <a:ea typeface="Arial"/>
+                <a:cs typeface="Arial"/>
+                <a:sym typeface="Arial"/>
               </a:defRPr>
             </a:lvl4pPr>
-            <a:lvl5pPr indent="-317500" lvl="4" marL="2286000">
+            <a:lvl5pPr indent="-317500" lvl="4" marL="2286000" marR="0" rtl="0" algn="l">
               <a:lnSpc>
                 <a:spcPct val="115000"/>
               </a:lnSpc>
@@ -6658,14 +9806,19 @@
                 <a:schemeClr val="dk2"/>
               </a:buClr>
               <a:buSzPts val="1400"/>
+              <a:buFont typeface="Arial"/>
               <a:buChar char="○"/>
-              <a:defRPr>
+              <a:defRPr b="0" i="0" sz="1400" u="none" cap="none" strike="noStrike">
                 <a:solidFill>
                   <a:schemeClr val="dk2"/>
                 </a:solidFill>
+                <a:latin typeface="Arial"/>
+                <a:ea typeface="Arial"/>
+                <a:cs typeface="Arial"/>
+                <a:sym typeface="Arial"/>
               </a:defRPr>
             </a:lvl5pPr>
-            <a:lvl6pPr indent="-317500" lvl="5" marL="2743200">
+            <a:lvl6pPr indent="-317500" lvl="5" marL="2743200" marR="0" rtl="0" algn="l">
               <a:lnSpc>
                 <a:spcPct val="115000"/>
               </a:lnSpc>
@@ -6679,14 +9832,19 @@
                 <a:schemeClr val="dk2"/>
               </a:buClr>
               <a:buSzPts val="1400"/>
+              <a:buFont typeface="Arial"/>
               <a:buChar char="■"/>
-              <a:defRPr>
+              <a:defRPr b="0" i="0" sz="1400" u="none" cap="none" strike="noStrike">
                 <a:solidFill>
                   <a:schemeClr val="dk2"/>
                 </a:solidFill>
+                <a:latin typeface="Arial"/>
+                <a:ea typeface="Arial"/>
+                <a:cs typeface="Arial"/>
+                <a:sym typeface="Arial"/>
               </a:defRPr>
             </a:lvl6pPr>
-            <a:lvl7pPr indent="-317500" lvl="6" marL="3200400">
+            <a:lvl7pPr indent="-317500" lvl="6" marL="3200400" marR="0" rtl="0" algn="l">
               <a:lnSpc>
                 <a:spcPct val="115000"/>
               </a:lnSpc>
@@ -6700,14 +9858,19 @@
                 <a:schemeClr val="dk2"/>
               </a:buClr>
               <a:buSzPts val="1400"/>
+              <a:buFont typeface="Arial"/>
               <a:buChar char="●"/>
-              <a:defRPr>
+              <a:defRPr b="0" i="0" sz="1400" u="none" cap="none" strike="noStrike">
                 <a:solidFill>
                   <a:schemeClr val="dk2"/>
                 </a:solidFill>
+                <a:latin typeface="Arial"/>
+                <a:ea typeface="Arial"/>
+                <a:cs typeface="Arial"/>
+                <a:sym typeface="Arial"/>
               </a:defRPr>
             </a:lvl7pPr>
-            <a:lvl8pPr indent="-317500" lvl="7" marL="3657600">
+            <a:lvl8pPr indent="-317500" lvl="7" marL="3657600" marR="0" rtl="0" algn="l">
               <a:lnSpc>
                 <a:spcPct val="115000"/>
               </a:lnSpc>
@@ -6721,14 +9884,19 @@
                 <a:schemeClr val="dk2"/>
               </a:buClr>
               <a:buSzPts val="1400"/>
+              <a:buFont typeface="Arial"/>
               <a:buChar char="○"/>
-              <a:defRPr>
+              <a:defRPr b="0" i="0" sz="1400" u="none" cap="none" strike="noStrike">
                 <a:solidFill>
                   <a:schemeClr val="dk2"/>
                 </a:solidFill>
+                <a:latin typeface="Arial"/>
+                <a:ea typeface="Arial"/>
+                <a:cs typeface="Arial"/>
+                <a:sym typeface="Arial"/>
               </a:defRPr>
             </a:lvl8pPr>
-            <a:lvl9pPr indent="-317500" lvl="8" marL="4114800">
+            <a:lvl9pPr indent="-317500" lvl="8" marL="4114800" marR="0" rtl="0" algn="l">
               <a:lnSpc>
                 <a:spcPct val="115000"/>
               </a:lnSpc>
@@ -6742,11 +9910,16 @@
                 <a:schemeClr val="dk2"/>
               </a:buClr>
               <a:buSzPts val="1400"/>
+              <a:buFont typeface="Arial"/>
               <a:buChar char="■"/>
-              <a:defRPr>
+              <a:defRPr b="0" i="0" sz="1400" u="none" cap="none" strike="noStrike">
                 <a:solidFill>
                   <a:schemeClr val="dk2"/>
                 </a:solidFill>
+                <a:latin typeface="Arial"/>
+                <a:ea typeface="Arial"/>
+                <a:cs typeface="Arial"/>
+                <a:sym typeface="Arial"/>
               </a:defRPr>
             </a:lvl9pPr>
           </a:lstStyle>
@@ -6779,76 +9952,238 @@
             <a:normAutofit/>
           </a:bodyPr>
           <a:lstStyle>
-            <a:lvl1pPr lvl="0" algn="r">
-              <a:buNone/>
-              <a:defRPr sz="1000">
+            <a:lvl1pPr indent="0" lvl="0" marL="0" marR="0" rtl="0" algn="r">
+              <a:lnSpc>
+                <a:spcPct val="100000"/>
+              </a:lnSpc>
+              <a:spcBef>
+                <a:spcPts val="0"/>
+              </a:spcBef>
+              <a:spcAft>
+                <a:spcPts val="0"/>
+              </a:spcAft>
+              <a:buClr>
+                <a:srgbClr val="000000"/>
+              </a:buClr>
+              <a:buSzPts val="1000"/>
+              <a:buFont typeface="Arial"/>
+              <a:buNone/>
+              <a:defRPr b="0" i="0" sz="1000" u="none" cap="none" strike="noStrike">
                 <a:solidFill>
                   <a:schemeClr val="dk2"/>
                 </a:solidFill>
+                <a:latin typeface="Arial"/>
+                <a:ea typeface="Arial"/>
+                <a:cs typeface="Arial"/>
+                <a:sym typeface="Arial"/>
               </a:defRPr>
             </a:lvl1pPr>
-            <a:lvl2pPr lvl="1" algn="r">
-              <a:buNone/>
-              <a:defRPr sz="1000">
+            <a:lvl2pPr indent="0" lvl="1" marL="0" marR="0" rtl="0" algn="r">
+              <a:lnSpc>
+                <a:spcPct val="100000"/>
+              </a:lnSpc>
+              <a:spcBef>
+                <a:spcPts val="0"/>
+              </a:spcBef>
+              <a:spcAft>
+                <a:spcPts val="0"/>
+              </a:spcAft>
+              <a:buClr>
+                <a:srgbClr val="000000"/>
+              </a:buClr>
+              <a:buSzPts val="1000"/>
+              <a:buFont typeface="Arial"/>
+              <a:buNone/>
+              <a:defRPr b="0" i="0" sz="1000" u="none" cap="none" strike="noStrike">
                 <a:solidFill>
                   <a:schemeClr val="dk2"/>
                 </a:solidFill>
+                <a:latin typeface="Arial"/>
+                <a:ea typeface="Arial"/>
+                <a:cs typeface="Arial"/>
+                <a:sym typeface="Arial"/>
               </a:defRPr>
             </a:lvl2pPr>
-            <a:lvl3pPr lvl="2" algn="r">
-              <a:buNone/>
-              <a:defRPr sz="1000">
+            <a:lvl3pPr indent="0" lvl="2" marL="0" marR="0" rtl="0" algn="r">
+              <a:lnSpc>
+                <a:spcPct val="100000"/>
+              </a:lnSpc>
+              <a:spcBef>
+                <a:spcPts val="0"/>
+              </a:spcBef>
+              <a:spcAft>
+                <a:spcPts val="0"/>
+              </a:spcAft>
+              <a:buClr>
+                <a:srgbClr val="000000"/>
+              </a:buClr>
+              <a:buSzPts val="1000"/>
+              <a:buFont typeface="Arial"/>
+              <a:buNone/>
+              <a:defRPr b="0" i="0" sz="1000" u="none" cap="none" strike="noStrike">
                 <a:solidFill>
                   <a:schemeClr val="dk2"/>
                 </a:solidFill>
+                <a:latin typeface="Arial"/>
+                <a:ea typeface="Arial"/>
+                <a:cs typeface="Arial"/>
+                <a:sym typeface="Arial"/>
               </a:defRPr>
             </a:lvl3pPr>
-            <a:lvl4pPr lvl="3" algn="r">
-              <a:buNone/>
-              <a:defRPr sz="1000">
+            <a:lvl4pPr indent="0" lvl="3" marL="0" marR="0" rtl="0" algn="r">
+              <a:lnSpc>
+                <a:spcPct val="100000"/>
+              </a:lnSpc>
+              <a:spcBef>
+                <a:spcPts val="0"/>
+              </a:spcBef>
+              <a:spcAft>
+                <a:spcPts val="0"/>
+              </a:spcAft>
+              <a:buClr>
+                <a:srgbClr val="000000"/>
+              </a:buClr>
+              <a:buSzPts val="1000"/>
+              <a:buFont typeface="Arial"/>
+              <a:buNone/>
+              <a:defRPr b="0" i="0" sz="1000" u="none" cap="none" strike="noStrike">
                 <a:solidFill>
                   <a:schemeClr val="dk2"/>
                 </a:solidFill>
+                <a:latin typeface="Arial"/>
+                <a:ea typeface="Arial"/>
+                <a:cs typeface="Arial"/>
+                <a:sym typeface="Arial"/>
               </a:defRPr>
             </a:lvl4pPr>
-            <a:lvl5pPr lvl="4" algn="r">
-              <a:buNone/>
-              <a:defRPr sz="1000">
+            <a:lvl5pPr indent="0" lvl="4" marL="0" marR="0" rtl="0" algn="r">
+              <a:lnSpc>
+                <a:spcPct val="100000"/>
+              </a:lnSpc>
+              <a:spcBef>
+                <a:spcPts val="0"/>
+              </a:spcBef>
+              <a:spcAft>
+                <a:spcPts val="0"/>
+              </a:spcAft>
+              <a:buClr>
+                <a:srgbClr val="000000"/>
+              </a:buClr>
+              <a:buSzPts val="1000"/>
+              <a:buFont typeface="Arial"/>
+              <a:buNone/>
+              <a:defRPr b="0" i="0" sz="1000" u="none" cap="none" strike="noStrike">
                 <a:solidFill>
                   <a:schemeClr val="dk2"/>
                 </a:solidFill>
+                <a:latin typeface="Arial"/>
+                <a:ea typeface="Arial"/>
+                <a:cs typeface="Arial"/>
+                <a:sym typeface="Arial"/>
               </a:defRPr>
             </a:lvl5pPr>
-            <a:lvl6pPr lvl="5" algn="r">
-              <a:buNone/>
-              <a:defRPr sz="1000">
+            <a:lvl6pPr indent="0" lvl="5" marL="0" marR="0" rtl="0" algn="r">
+              <a:lnSpc>
+                <a:spcPct val="100000"/>
+              </a:lnSpc>
+              <a:spcBef>
+                <a:spcPts val="0"/>
+              </a:spcBef>
+              <a:spcAft>
+                <a:spcPts val="0"/>
+              </a:spcAft>
+              <a:buClr>
+                <a:srgbClr val="000000"/>
+              </a:buClr>
+              <a:buSzPts val="1000"/>
+              <a:buFont typeface="Arial"/>
+              <a:buNone/>
+              <a:defRPr b="0" i="0" sz="1000" u="none" cap="none" strike="noStrike">
                 <a:solidFill>
                   <a:schemeClr val="dk2"/>
                 </a:solidFill>
+                <a:latin typeface="Arial"/>
+                <a:ea typeface="Arial"/>
+                <a:cs typeface="Arial"/>
+                <a:sym typeface="Arial"/>
               </a:defRPr>
             </a:lvl6pPr>
-            <a:lvl7pPr lvl="6" algn="r">
-              <a:buNone/>
-              <a:defRPr sz="1000">
+            <a:lvl7pPr indent="0" lvl="6" marL="0" marR="0" rtl="0" algn="r">
+              <a:lnSpc>
+                <a:spcPct val="100000"/>
+              </a:lnSpc>
+              <a:spcBef>
+                <a:spcPts val="0"/>
+              </a:spcBef>
+              <a:spcAft>
+                <a:spcPts val="0"/>
+              </a:spcAft>
+              <a:buClr>
+                <a:srgbClr val="000000"/>
+              </a:buClr>
+              <a:buSzPts val="1000"/>
+              <a:buFont typeface="Arial"/>
+              <a:buNone/>
+              <a:defRPr b="0" i="0" sz="1000" u="none" cap="none" strike="noStrike">
                 <a:solidFill>
                   <a:schemeClr val="dk2"/>
                 </a:solidFill>
+                <a:latin typeface="Arial"/>
+                <a:ea typeface="Arial"/>
+                <a:cs typeface="Arial"/>
+                <a:sym typeface="Arial"/>
               </a:defRPr>
             </a:lvl7pPr>
-            <a:lvl8pPr lvl="7" algn="r">
-              <a:buNone/>
-              <a:defRPr sz="1000">
+            <a:lvl8pPr indent="0" lvl="7" marL="0" marR="0" rtl="0" algn="r">
+              <a:lnSpc>
+                <a:spcPct val="100000"/>
+              </a:lnSpc>
+              <a:spcBef>
+                <a:spcPts val="0"/>
+              </a:spcBef>
+              <a:spcAft>
+                <a:spcPts val="0"/>
+              </a:spcAft>
+              <a:buClr>
+                <a:srgbClr val="000000"/>
+              </a:buClr>
+              <a:buSzPts val="1000"/>
+              <a:buFont typeface="Arial"/>
+              <a:buNone/>
+              <a:defRPr b="0" i="0" sz="1000" u="none" cap="none" strike="noStrike">
                 <a:solidFill>
                   <a:schemeClr val="dk2"/>
                 </a:solidFill>
+                <a:latin typeface="Arial"/>
+                <a:ea typeface="Arial"/>
+                <a:cs typeface="Arial"/>
+                <a:sym typeface="Arial"/>
               </a:defRPr>
             </a:lvl8pPr>
-            <a:lvl9pPr lvl="8" algn="r">
-              <a:buNone/>
-              <a:defRPr sz="1000">
+            <a:lvl9pPr indent="0" lvl="8" marL="0" marR="0" rtl="0" algn="r">
+              <a:lnSpc>
+                <a:spcPct val="100000"/>
+              </a:lnSpc>
+              <a:spcBef>
+                <a:spcPts val="0"/>
+              </a:spcBef>
+              <a:spcAft>
+                <a:spcPts val="0"/>
+              </a:spcAft>
+              <a:buClr>
+                <a:srgbClr val="000000"/>
+              </a:buClr>
+              <a:buSzPts val="1000"/>
+              <a:buFont typeface="Arial"/>
+              <a:buNone/>
+              <a:defRPr b="0" i="0" sz="1000" u="none" cap="none" strike="noStrike">
                 <a:solidFill>
                   <a:schemeClr val="dk2"/>
                 </a:solidFill>
+                <a:latin typeface="Arial"/>
+                <a:ea typeface="Arial"/>
+                <a:cs typeface="Arial"/>
+                <a:sym typeface="Arial"/>
               </a:defRPr>
             </a:lvl9pPr>
           </a:lstStyle>
@@ -7622,6 +10957,10 @@
           <a:prstGeom prst="rect">
             <a:avLst/>
           </a:prstGeom>
+          <a:noFill/>
+          <a:ln>
+            <a:noFill/>
+          </a:ln>
         </p:spPr>
         <p:txBody>
           <a:bodyPr anchorCtr="0" anchor="b" bIns="91425" lIns="91425" spcFirstLastPara="1" rIns="91425" wrap="square" tIns="91425">
@@ -7630,6 +10969,9 @@
           <a:lstStyle/>
           <a:p>
             <a:pPr indent="0" lvl="0" marL="0" rtl="0" algn="ctr">
+              <a:lnSpc>
+                <a:spcPct val="100000"/>
+              </a:lnSpc>
               <a:spcBef>
                 <a:spcPts val="0"/>
               </a:spcBef>
@@ -7640,37 +10982,37 @@
               <a:buNone/>
             </a:pPr>
             <a:r>
-              <a:rPr lang="en" sz="3620">
+              <a:rPr b="1" lang="en" sz="3620">
                 <a:solidFill>
                   <a:srgbClr val="2B777D"/>
                 </a:solidFill>
-                <a:latin typeface="Raleway Thin"/>
-                <a:ea typeface="Raleway Thin"/>
-                <a:cs typeface="Raleway Thin"/>
-                <a:sym typeface="Raleway Thin"/>
+                <a:latin typeface="Raleway"/>
+                <a:ea typeface="Raleway"/>
+                <a:cs typeface="Raleway"/>
+                <a:sym typeface="Raleway"/>
               </a:rPr>
               <a:t>Cen</a:t>
             </a:r>
             <a:r>
-              <a:rPr lang="en" sz="3620">
+              <a:rPr b="1" lang="en" sz="3620">
                 <a:solidFill>
                   <a:srgbClr val="5FBE6E"/>
                 </a:solidFill>
-                <a:latin typeface="Raleway Thin"/>
-                <a:ea typeface="Raleway Thin"/>
-                <a:cs typeface="Raleway Thin"/>
-                <a:sym typeface="Raleway Thin"/>
+                <a:latin typeface="Raleway"/>
+                <a:ea typeface="Raleway"/>
+                <a:cs typeface="Raleway"/>
+                <a:sym typeface="Raleway"/>
               </a:rPr>
               <a:t>Sync</a:t>
             </a:r>
-            <a:endParaRPr sz="3620">
+            <a:endParaRPr b="1" sz="3620">
               <a:solidFill>
                 <a:srgbClr val="5FBE6E"/>
               </a:solidFill>
-              <a:latin typeface="Raleway Thin"/>
-              <a:ea typeface="Raleway Thin"/>
-              <a:cs typeface="Raleway Thin"/>
-              <a:sym typeface="Raleway Thin"/>
+              <a:latin typeface="Raleway"/>
+              <a:ea typeface="Raleway"/>
+              <a:cs typeface="Raleway"/>
+              <a:sym typeface="Raleway"/>
             </a:endParaRPr>
           </a:p>
         </p:txBody>
@@ -7691,6 +11033,10 @@
           <a:prstGeom prst="rect">
             <a:avLst/>
           </a:prstGeom>
+          <a:noFill/>
+          <a:ln>
+            <a:noFill/>
+          </a:ln>
         </p:spPr>
         <p:txBody>
           <a:bodyPr anchorCtr="0" anchor="t" bIns="91425" lIns="91425" spcFirstLastPara="1" rIns="91425" wrap="square" tIns="91425">
@@ -7708,6 +11054,7 @@
               <a:spcAft>
                 <a:spcPts val="0"/>
               </a:spcAft>
+              <a:buSzPts val="2800"/>
               <a:buNone/>
             </a:pPr>
             <a:r>
@@ -7740,13 +11087,12 @@
           <p:cNvPicPr preferRelativeResize="0"/>
           <p:nvPr/>
         </p:nvPicPr>
-        <p:blipFill>
+        <p:blipFill rotWithShape="1">
           <a:blip r:embed="rId3">
             <a:alphaModFix/>
           </a:blip>
-          <a:stretch>
-            <a:fillRect/>
-          </a:stretch>
+          <a:srcRect b="0" l="0" r="0" t="0"/>
+          <a:stretch/>
         </p:blipFill>
         <p:spPr>
           <a:xfrm>
@@ -7778,6 +11124,10 @@
           <a:prstGeom prst="rect">
             <a:avLst/>
           </a:prstGeom>
+          <a:noFill/>
+          <a:ln>
+            <a:noFill/>
+          </a:ln>
         </p:spPr>
         <p:txBody>
           <a:bodyPr anchorCtr="0" anchor="t" bIns="91425" lIns="91425" spcFirstLastPara="1" rIns="91425" wrap="square" tIns="91425">
@@ -7811,25 +11161,25 @@
               <a:t>Par </a:t>
             </a:r>
             <a:r>
-              <a:rPr lang="en" sz="1200">
+              <a:rPr b="1" lang="en" sz="1200">
                 <a:solidFill>
                   <a:srgbClr val="262626"/>
                 </a:solidFill>
-                <a:latin typeface="Raleway Thin"/>
-                <a:ea typeface="Raleway Thin"/>
-                <a:cs typeface="Raleway Thin"/>
-                <a:sym typeface="Raleway Thin"/>
+                <a:latin typeface="Raleway"/>
+                <a:ea typeface="Raleway"/>
+                <a:cs typeface="Raleway"/>
+                <a:sym typeface="Raleway"/>
               </a:rPr>
               <a:t>Adam Khomsi</a:t>
             </a:r>
-            <a:endParaRPr sz="1200">
+            <a:endParaRPr b="1" sz="1200">
               <a:solidFill>
                 <a:srgbClr val="262626"/>
               </a:solidFill>
-              <a:latin typeface="Raleway Thin"/>
-              <a:ea typeface="Raleway Thin"/>
-              <a:cs typeface="Raleway Thin"/>
-              <a:sym typeface="Raleway Thin"/>
+              <a:latin typeface="Raleway"/>
+              <a:ea typeface="Raleway"/>
+              <a:cs typeface="Raleway"/>
+              <a:sym typeface="Raleway"/>
             </a:endParaRPr>
           </a:p>
           <a:p>
@@ -7874,25 +11224,25 @@
               <a:buNone/>
             </a:pPr>
             <a:r>
-              <a:rPr lang="en" sz="1200">
+              <a:rPr b="1" lang="en" sz="1200">
                 <a:solidFill>
                   <a:srgbClr val="262626"/>
                 </a:solidFill>
-                <a:latin typeface="Raleway Thin"/>
-                <a:ea typeface="Raleway Thin"/>
-                <a:cs typeface="Raleway Thin"/>
-                <a:sym typeface="Raleway Thin"/>
+                <a:latin typeface="Raleway"/>
+                <a:ea typeface="Raleway"/>
+                <a:cs typeface="Raleway"/>
+                <a:sym typeface="Raleway"/>
               </a:rPr>
               <a:t>YouCode Safi</a:t>
             </a:r>
-            <a:endParaRPr sz="1200">
+            <a:endParaRPr b="1" sz="1200">
               <a:solidFill>
                 <a:srgbClr val="262626"/>
               </a:solidFill>
-              <a:latin typeface="Raleway Thin"/>
-              <a:ea typeface="Raleway Thin"/>
-              <a:cs typeface="Raleway Thin"/>
-              <a:sym typeface="Raleway Thin"/>
+              <a:latin typeface="Raleway"/>
+              <a:ea typeface="Raleway"/>
+              <a:cs typeface="Raleway"/>
+              <a:sym typeface="Raleway"/>
             </a:endParaRPr>
           </a:p>
           <a:p>
@@ -7949,25 +11299,25 @@
               <a:t>Première année, Classe </a:t>
             </a:r>
             <a:r>
-              <a:rPr lang="en" sz="1200">
+              <a:rPr b="1" lang="en" sz="1200">
                 <a:solidFill>
                   <a:srgbClr val="262626"/>
                 </a:solidFill>
-                <a:latin typeface="Raleway Thin"/>
-                <a:ea typeface="Raleway Thin"/>
-                <a:cs typeface="Raleway Thin"/>
-                <a:sym typeface="Raleway Thin"/>
+                <a:latin typeface="Raleway"/>
+                <a:ea typeface="Raleway"/>
+                <a:cs typeface="Raleway"/>
+                <a:sym typeface="Raleway"/>
               </a:rPr>
               <a:t>Alan Turing</a:t>
             </a:r>
-            <a:endParaRPr sz="1200">
+            <a:endParaRPr b="1" sz="1200">
               <a:solidFill>
                 <a:srgbClr val="262626"/>
               </a:solidFill>
-              <a:latin typeface="Raleway Thin"/>
-              <a:ea typeface="Raleway Thin"/>
-              <a:cs typeface="Raleway Thin"/>
-              <a:sym typeface="Raleway Thin"/>
+              <a:latin typeface="Raleway"/>
+              <a:ea typeface="Raleway"/>
+              <a:cs typeface="Raleway"/>
+              <a:sym typeface="Raleway"/>
             </a:endParaRPr>
           </a:p>
           <a:p>
@@ -8012,25 +11362,25 @@
               <a:buNone/>
             </a:pPr>
             <a:r>
-              <a:rPr lang="en" sz="1200">
+              <a:rPr b="1" lang="en" sz="1200">
                 <a:solidFill>
                   <a:srgbClr val="262626"/>
                 </a:solidFill>
-                <a:latin typeface="Raleway Thin"/>
-                <a:ea typeface="Raleway Thin"/>
-                <a:cs typeface="Raleway Thin"/>
-                <a:sym typeface="Raleway Thin"/>
+                <a:latin typeface="Raleway"/>
+                <a:ea typeface="Raleway"/>
+                <a:cs typeface="Raleway"/>
+                <a:sym typeface="Raleway"/>
               </a:rPr>
               <a:t>2020 - 2021</a:t>
             </a:r>
-            <a:endParaRPr sz="1200">
+            <a:endParaRPr b="1" sz="1200">
               <a:solidFill>
                 <a:srgbClr val="262626"/>
               </a:solidFill>
-              <a:latin typeface="Raleway Thin"/>
-              <a:ea typeface="Raleway Thin"/>
-              <a:cs typeface="Raleway Thin"/>
-              <a:sym typeface="Raleway Thin"/>
+              <a:latin typeface="Raleway"/>
+              <a:ea typeface="Raleway"/>
+              <a:cs typeface="Raleway"/>
+              <a:sym typeface="Raleway"/>
             </a:endParaRPr>
           </a:p>
         </p:txBody>
@@ -8294,6 +11644,10 @@
           <a:prstGeom prst="rect">
             <a:avLst/>
           </a:prstGeom>
+          <a:noFill/>
+          <a:ln>
+            <a:noFill/>
+          </a:ln>
         </p:spPr>
         <p:txBody>
           <a:bodyPr anchorCtr="0" anchor="t" bIns="91425" lIns="91425" spcFirstLastPara="1" rIns="91425" wrap="square" tIns="91425">
@@ -8359,8 +11713,8 @@
             </a:solidFill>
             <a:prstDash val="solid"/>
             <a:round/>
-            <a:headEnd len="med" w="med" type="none"/>
-            <a:tailEnd len="med" w="med" type="none"/>
+            <a:headEnd len="sm" w="sm" type="none"/>
+            <a:tailEnd len="sm" w="sm" type="none"/>
           </a:ln>
         </p:spPr>
       </p:cxnSp>
@@ -8370,13 +11724,12 @@
           <p:cNvPicPr preferRelativeResize="0"/>
           <p:nvPr/>
         </p:nvPicPr>
-        <p:blipFill>
+        <p:blipFill rotWithShape="1">
           <a:blip r:embed="rId3">
             <a:alphaModFix/>
           </a:blip>
-          <a:stretch>
-            <a:fillRect/>
-          </a:stretch>
+          <a:srcRect b="0" l="0" r="0" t="0"/>
+          <a:stretch/>
         </p:blipFill>
         <p:spPr>
           <a:xfrm>
@@ -8398,13 +11751,12 @@
           <p:cNvPicPr preferRelativeResize="0"/>
           <p:nvPr/>
         </p:nvPicPr>
-        <p:blipFill>
+        <p:blipFill rotWithShape="1">
           <a:blip r:embed="rId4">
             <a:alphaModFix/>
           </a:blip>
-          <a:stretch>
-            <a:fillRect/>
-          </a:stretch>
+          <a:srcRect b="0" l="0" r="0" t="0"/>
+          <a:stretch/>
         </p:blipFill>
         <p:spPr>
           <a:xfrm>
@@ -8624,6 +11976,10 @@
           <a:prstGeom prst="rect">
             <a:avLst/>
           </a:prstGeom>
+          <a:noFill/>
+          <a:ln>
+            <a:noFill/>
+          </a:ln>
         </p:spPr>
         <p:txBody>
           <a:bodyPr anchorCtr="0" anchor="t" bIns="91425" lIns="91425" spcFirstLastPara="1" rIns="91425" wrap="square" tIns="91425">
@@ -8689,8 +12045,8 @@
             </a:solidFill>
             <a:prstDash val="solid"/>
             <a:round/>
-            <a:headEnd len="med" w="med" type="none"/>
-            <a:tailEnd len="med" w="med" type="none"/>
+            <a:headEnd len="sm" w="sm" type="none"/>
+            <a:tailEnd len="sm" w="sm" type="none"/>
           </a:ln>
         </p:spPr>
       </p:cxnSp>
@@ -8700,13 +12056,12 @@
           <p:cNvPicPr preferRelativeResize="0"/>
           <p:nvPr/>
         </p:nvPicPr>
-        <p:blipFill>
+        <p:blipFill rotWithShape="1">
           <a:blip r:embed="rId3">
             <a:alphaModFix/>
           </a:blip>
-          <a:stretch>
-            <a:fillRect/>
-          </a:stretch>
+          <a:srcRect b="0" l="0" r="0" t="0"/>
+          <a:stretch/>
         </p:blipFill>
         <p:spPr>
           <a:xfrm>
@@ -8728,13 +12083,12 @@
           <p:cNvPicPr preferRelativeResize="0"/>
           <p:nvPr/>
         </p:nvPicPr>
-        <p:blipFill>
+        <p:blipFill rotWithShape="1">
           <a:blip r:embed="rId4">
             <a:alphaModFix/>
           </a:blip>
-          <a:stretch>
-            <a:fillRect/>
-          </a:stretch>
+          <a:srcRect b="0" l="0" r="0" t="0"/>
+          <a:stretch/>
         </p:blipFill>
         <p:spPr>
           <a:xfrm>
@@ -8954,6 +12308,10 @@
           <a:prstGeom prst="rect">
             <a:avLst/>
           </a:prstGeom>
+          <a:noFill/>
+          <a:ln>
+            <a:noFill/>
+          </a:ln>
         </p:spPr>
         <p:txBody>
           <a:bodyPr anchorCtr="0" anchor="t" bIns="91425" lIns="91425" spcFirstLastPara="1" rIns="91425" wrap="square" tIns="91425">
@@ -9019,8 +12377,8 @@
             </a:solidFill>
             <a:prstDash val="solid"/>
             <a:round/>
-            <a:headEnd len="med" w="med" type="none"/>
-            <a:tailEnd len="med" w="med" type="none"/>
+            <a:headEnd len="sm" w="sm" type="none"/>
+            <a:tailEnd len="sm" w="sm" type="none"/>
           </a:ln>
         </p:spPr>
       </p:cxnSp>
@@ -9040,6 +12398,10 @@
           <a:prstGeom prst="rect">
             <a:avLst/>
           </a:prstGeom>
+          <a:noFill/>
+          <a:ln>
+            <a:noFill/>
+          </a:ln>
         </p:spPr>
         <p:txBody>
           <a:bodyPr anchorCtr="0" anchor="t" bIns="91425" lIns="91425" spcFirstLastPara="1" rIns="91425" wrap="square" tIns="91425">
@@ -9097,6 +12459,7 @@
               <a:spcAft>
                 <a:spcPts val="0"/>
               </a:spcAft>
+              <a:buSzPts val="2800"/>
               <a:buNone/>
             </a:pPr>
             <a:br>
@@ -9131,6 +12494,7 @@
               <a:spcAft>
                 <a:spcPts val="0"/>
               </a:spcAft>
+              <a:buSzPts val="2800"/>
               <a:buNone/>
             </a:pPr>
             <a:r>
@@ -9157,6 +12521,7 @@
               <a:spcAft>
                 <a:spcPts val="0"/>
               </a:spcAft>
+              <a:buSzPts val="2800"/>
               <a:buNone/>
             </a:pPr>
             <a:r>
@@ -9183,6 +12548,7 @@
               <a:spcAft>
                 <a:spcPts val="0"/>
               </a:spcAft>
+              <a:buSzPts val="2800"/>
               <a:buNone/>
             </a:pPr>
             <a:r>
@@ -9209,6 +12575,7 @@
               <a:spcAft>
                 <a:spcPts val="0"/>
               </a:spcAft>
+              <a:buSzPts val="2800"/>
               <a:buNone/>
             </a:pPr>
             <a:r>
@@ -9275,6 +12642,7 @@
               <a:spcAft>
                 <a:spcPts val="0"/>
               </a:spcAft>
+              <a:buSzPts val="2800"/>
               <a:buNone/>
             </a:pPr>
             <a:r>
@@ -9298,13 +12666,12 @@
           <p:cNvPicPr preferRelativeResize="0"/>
           <p:nvPr/>
         </p:nvPicPr>
-        <p:blipFill>
+        <p:blipFill rotWithShape="1">
           <a:blip r:embed="rId3">
             <a:alphaModFix/>
           </a:blip>
-          <a:stretch>
-            <a:fillRect/>
-          </a:stretch>
+          <a:srcRect b="0" l="0" r="0" t="0"/>
+          <a:stretch/>
         </p:blipFill>
         <p:spPr>
           <a:xfrm>
@@ -9326,13 +12693,12 @@
           <p:cNvPicPr preferRelativeResize="0"/>
           <p:nvPr/>
         </p:nvPicPr>
-        <p:blipFill>
+        <p:blipFill rotWithShape="1">
           <a:blip r:embed="rId4">
             <a:alphaModFix/>
           </a:blip>
-          <a:stretch>
-            <a:fillRect/>
-          </a:stretch>
+          <a:srcRect b="0" l="0" r="0" t="0"/>
+          <a:stretch/>
         </p:blipFill>
         <p:spPr>
           <a:xfrm>
@@ -9354,13 +12720,12 @@
           <p:cNvPicPr preferRelativeResize="0"/>
           <p:nvPr/>
         </p:nvPicPr>
-        <p:blipFill>
+        <p:blipFill rotWithShape="1">
           <a:blip r:embed="rId5">
             <a:alphaModFix/>
           </a:blip>
-          <a:stretch>
-            <a:fillRect/>
-          </a:stretch>
+          <a:srcRect b="0" l="0" r="0" t="0"/>
+          <a:stretch/>
         </p:blipFill>
         <p:spPr>
           <a:xfrm>
@@ -9382,13 +12747,12 @@
           <p:cNvPicPr preferRelativeResize="0"/>
           <p:nvPr/>
         </p:nvPicPr>
-        <p:blipFill>
+        <p:blipFill rotWithShape="1">
           <a:blip r:embed="rId6">
             <a:alphaModFix/>
           </a:blip>
-          <a:stretch>
-            <a:fillRect/>
-          </a:stretch>
+          <a:srcRect b="0" l="0" r="0" t="0"/>
+          <a:stretch/>
         </p:blipFill>
         <p:spPr>
           <a:xfrm>
@@ -9410,13 +12774,12 @@
           <p:cNvPicPr preferRelativeResize="0"/>
           <p:nvPr/>
         </p:nvPicPr>
-        <p:blipFill>
+        <p:blipFill rotWithShape="1">
           <a:blip r:embed="rId7">
             <a:alphaModFix/>
           </a:blip>
-          <a:stretch>
-            <a:fillRect/>
-          </a:stretch>
+          <a:srcRect b="0" l="0" r="0" t="0"/>
+          <a:stretch/>
         </p:blipFill>
         <p:spPr>
           <a:xfrm>
@@ -9438,13 +12801,12 @@
           <p:cNvPicPr preferRelativeResize="0"/>
           <p:nvPr/>
         </p:nvPicPr>
-        <p:blipFill>
+        <p:blipFill rotWithShape="1">
           <a:blip r:embed="rId8">
             <a:alphaModFix/>
           </a:blip>
-          <a:stretch>
-            <a:fillRect/>
-          </a:stretch>
+          <a:srcRect b="0" l="0" r="0" t="0"/>
+          <a:stretch/>
         </p:blipFill>
         <p:spPr>
           <a:xfrm>
@@ -9964,6 +13326,10 @@
           <a:prstGeom prst="rect">
             <a:avLst/>
           </a:prstGeom>
+          <a:noFill/>
+          <a:ln>
+            <a:noFill/>
+          </a:ln>
         </p:spPr>
         <p:txBody>
           <a:bodyPr anchorCtr="0" anchor="t" bIns="91425" lIns="91425" spcFirstLastPara="1" rIns="91425" wrap="square" tIns="91425">
@@ -9989,10 +13355,10 @@
                 <a:solidFill>
                   <a:srgbClr val="202124"/>
                 </a:solidFill>
-                <a:latin typeface="Raleway Thin"/>
-                <a:ea typeface="Raleway Thin"/>
-                <a:cs typeface="Raleway Thin"/>
-                <a:sym typeface="Raleway Thin"/>
+                <a:latin typeface="Raleway"/>
+                <a:ea typeface="Raleway"/>
+                <a:cs typeface="Raleway"/>
+                <a:sym typeface="Raleway"/>
               </a:rPr>
               <a:t>J'ai divisé le travail en plusieurs étapes et par ordre de priorité, donc dans le pire des cas, je me retrouverais au moins avec un MVP (minimal viable product):</a:t>
             </a:r>
@@ -10000,10 +13366,10 @@
               <a:solidFill>
                 <a:srgbClr val="202124"/>
               </a:solidFill>
-              <a:latin typeface="Raleway Thin"/>
-              <a:ea typeface="Raleway Thin"/>
-              <a:cs typeface="Raleway Thin"/>
-              <a:sym typeface="Raleway Thin"/>
+              <a:latin typeface="Raleway"/>
+              <a:ea typeface="Raleway"/>
+              <a:cs typeface="Raleway"/>
+              <a:sym typeface="Raleway"/>
             </a:endParaRPr>
           </a:p>
         </p:txBody>
@@ -10024,6 +13390,10 @@
           <a:prstGeom prst="rect">
             <a:avLst/>
           </a:prstGeom>
+          <a:noFill/>
+          <a:ln>
+            <a:noFill/>
+          </a:ln>
         </p:spPr>
         <p:txBody>
           <a:bodyPr anchorCtr="0" anchor="t" bIns="91425" lIns="91425" spcFirstLastPara="1" rIns="91425" wrap="square" tIns="91425">
@@ -10089,8 +13459,8 @@
             </a:solidFill>
             <a:prstDash val="solid"/>
             <a:round/>
-            <a:headEnd len="med" w="med" type="none"/>
-            <a:tailEnd len="med" w="med" type="none"/>
+            <a:headEnd len="sm" w="sm" type="none"/>
+            <a:tailEnd len="sm" w="sm" type="none"/>
           </a:ln>
         </p:spPr>
       </p:cxnSp>
@@ -10110,6 +13480,10 @@
           <a:prstGeom prst="rect">
             <a:avLst/>
           </a:prstGeom>
+          <a:noFill/>
+          <a:ln>
+            <a:noFill/>
+          </a:ln>
         </p:spPr>
         <p:txBody>
           <a:bodyPr anchorCtr="0" anchor="t" bIns="91425" lIns="91425" spcFirstLastPara="1" rIns="91425" wrap="square" tIns="91425">
@@ -10137,10 +13511,10 @@
               <a:solidFill>
                 <a:srgbClr val="202124"/>
               </a:solidFill>
-              <a:latin typeface="Raleway Thin"/>
-              <a:ea typeface="Raleway Thin"/>
-              <a:cs typeface="Raleway Thin"/>
-              <a:sym typeface="Raleway Thin"/>
+              <a:latin typeface="Raleway"/>
+              <a:ea typeface="Raleway"/>
+              <a:cs typeface="Raleway"/>
+              <a:sym typeface="Raleway"/>
             </a:endParaRPr>
           </a:p>
           <a:p>
@@ -10158,7 +13532,7 @@
                 <a:srgbClr val="202124"/>
               </a:buClr>
               <a:buSzPts val="1600"/>
-              <a:buFont typeface="Raleway Thin"/>
+              <a:buFont typeface="Raleway"/>
               <a:buAutoNum type="arabicPeriod"/>
             </a:pPr>
             <a:r>
@@ -10166,10 +13540,10 @@
                 <a:solidFill>
                   <a:srgbClr val="202124"/>
                 </a:solidFill>
-                <a:latin typeface="Raleway Thin"/>
-                <a:ea typeface="Raleway Thin"/>
-                <a:cs typeface="Raleway Thin"/>
-                <a:sym typeface="Raleway Thin"/>
+                <a:latin typeface="Raleway"/>
+                <a:ea typeface="Raleway"/>
+                <a:cs typeface="Raleway"/>
+                <a:sym typeface="Raleway"/>
               </a:rPr>
               <a:t>Configuration du backend</a:t>
             </a:r>
@@ -10178,20 +13552,20 @@
                 <a:solidFill>
                   <a:srgbClr val="202124"/>
                 </a:solidFill>
-                <a:latin typeface="Raleway Thin"/>
-                <a:ea typeface="Raleway Thin"/>
-                <a:cs typeface="Raleway Thin"/>
-                <a:sym typeface="Raleway Thin"/>
+                <a:latin typeface="Raleway"/>
+                <a:ea typeface="Raleway"/>
+                <a:cs typeface="Raleway"/>
+                <a:sym typeface="Raleway"/>
               </a:rPr>
             </a:br>
             <a:endParaRPr sz="1600">
               <a:solidFill>
                 <a:srgbClr val="202124"/>
               </a:solidFill>
-              <a:latin typeface="Raleway Thin"/>
-              <a:ea typeface="Raleway Thin"/>
-              <a:cs typeface="Raleway Thin"/>
-              <a:sym typeface="Raleway Thin"/>
+              <a:latin typeface="Raleway"/>
+              <a:ea typeface="Raleway"/>
+              <a:cs typeface="Raleway"/>
+              <a:sym typeface="Raleway"/>
             </a:endParaRPr>
           </a:p>
           <a:p>
@@ -10209,7 +13583,7 @@
                 <a:srgbClr val="202124"/>
               </a:buClr>
               <a:buSzPts val="1600"/>
-              <a:buFont typeface="Raleway Thin"/>
+              <a:buFont typeface="Raleway"/>
               <a:buAutoNum type="arabicPeriod"/>
             </a:pPr>
             <a:r>
@@ -10217,10 +13591,10 @@
                 <a:solidFill>
                   <a:srgbClr val="202124"/>
                 </a:solidFill>
-                <a:latin typeface="Raleway Thin"/>
-                <a:ea typeface="Raleway Thin"/>
-                <a:cs typeface="Raleway Thin"/>
-                <a:sym typeface="Raleway Thin"/>
+                <a:latin typeface="Raleway"/>
+                <a:ea typeface="Raleway"/>
+                <a:cs typeface="Raleway"/>
+                <a:sym typeface="Raleway"/>
               </a:rPr>
               <a:t>Les vues et le frontend</a:t>
             </a:r>
@@ -10228,10 +13602,10 @@
               <a:solidFill>
                 <a:srgbClr val="202124"/>
               </a:solidFill>
-              <a:latin typeface="Raleway Thin"/>
-              <a:ea typeface="Raleway Thin"/>
-              <a:cs typeface="Raleway Thin"/>
-              <a:sym typeface="Raleway Thin"/>
+              <a:latin typeface="Raleway"/>
+              <a:ea typeface="Raleway"/>
+              <a:cs typeface="Raleway"/>
+              <a:sym typeface="Raleway"/>
             </a:endParaRPr>
           </a:p>
           <a:p>
@@ -10245,6 +13619,7 @@
               <a:spcAft>
                 <a:spcPts val="0"/>
               </a:spcAft>
+              <a:buSzPts val="2800"/>
               <a:buNone/>
             </a:pPr>
             <a:r>
@@ -10254,10 +13629,10 @@
               <a:solidFill>
                 <a:srgbClr val="202124"/>
               </a:solidFill>
-              <a:latin typeface="Raleway Thin"/>
-              <a:ea typeface="Raleway Thin"/>
-              <a:cs typeface="Raleway Thin"/>
-              <a:sym typeface="Raleway Thin"/>
+              <a:latin typeface="Raleway"/>
+              <a:ea typeface="Raleway"/>
+              <a:cs typeface="Raleway"/>
+              <a:sym typeface="Raleway"/>
             </a:endParaRPr>
           </a:p>
           <a:p>
@@ -10275,7 +13650,7 @@
                 <a:srgbClr val="202124"/>
               </a:buClr>
               <a:buSzPts val="1600"/>
-              <a:buFont typeface="Raleway Thin"/>
+              <a:buFont typeface="Raleway"/>
               <a:buAutoNum type="arabicPeriod"/>
             </a:pPr>
             <a:r>
@@ -10283,10 +13658,10 @@
                 <a:solidFill>
                   <a:srgbClr val="202124"/>
                 </a:solidFill>
-                <a:latin typeface="Raleway Thin"/>
-                <a:ea typeface="Raleway Thin"/>
-                <a:cs typeface="Raleway Thin"/>
-                <a:sym typeface="Raleway Thin"/>
+                <a:latin typeface="Raleway"/>
+                <a:ea typeface="Raleway"/>
+                <a:cs typeface="Raleway"/>
+                <a:sym typeface="Raleway"/>
               </a:rPr>
               <a:t>Contenu dynamique à l'intérieur de la template du dashboard</a:t>
             </a:r>
@@ -10294,10 +13669,10 @@
               <a:solidFill>
                 <a:srgbClr val="202124"/>
               </a:solidFill>
-              <a:latin typeface="Raleway Thin"/>
-              <a:ea typeface="Raleway Thin"/>
-              <a:cs typeface="Raleway Thin"/>
-              <a:sym typeface="Raleway Thin"/>
+              <a:latin typeface="Raleway"/>
+              <a:ea typeface="Raleway"/>
+              <a:cs typeface="Raleway"/>
+              <a:sym typeface="Raleway"/>
             </a:endParaRPr>
           </a:p>
           <a:p>
@@ -10311,6 +13686,7 @@
               <a:spcAft>
                 <a:spcPts val="0"/>
               </a:spcAft>
+              <a:buSzPts val="2800"/>
               <a:buNone/>
             </a:pPr>
             <a:r>
@@ -10320,10 +13696,10 @@
               <a:solidFill>
                 <a:srgbClr val="202124"/>
               </a:solidFill>
-              <a:latin typeface="Raleway Thin"/>
-              <a:ea typeface="Raleway Thin"/>
-              <a:cs typeface="Raleway Thin"/>
-              <a:sym typeface="Raleway Thin"/>
+              <a:latin typeface="Raleway"/>
+              <a:ea typeface="Raleway"/>
+              <a:cs typeface="Raleway"/>
+              <a:sym typeface="Raleway"/>
             </a:endParaRPr>
           </a:p>
           <a:p>
@@ -10341,7 +13717,7 @@
                 <a:srgbClr val="202124"/>
               </a:buClr>
               <a:buSzPts val="1600"/>
-              <a:buFont typeface="Raleway Thin"/>
+              <a:buFont typeface="Raleway"/>
               <a:buAutoNum type="arabicPeriod"/>
             </a:pPr>
             <a:r>
@@ -10349,10 +13725,10 @@
                 <a:solidFill>
                   <a:srgbClr val="202124"/>
                 </a:solidFill>
-                <a:latin typeface="Raleway Thin"/>
-                <a:ea typeface="Raleway Thin"/>
-                <a:cs typeface="Raleway Thin"/>
-                <a:sym typeface="Raleway Thin"/>
+                <a:latin typeface="Raleway"/>
+                <a:ea typeface="Raleway"/>
+                <a:cs typeface="Raleway"/>
+                <a:sym typeface="Raleway"/>
               </a:rPr>
               <a:t>Gestion des tickets et d'autres fonctionnalités</a:t>
             </a:r>
@@ -10360,10 +13736,10 @@
               <a:solidFill>
                 <a:srgbClr val="202124"/>
               </a:solidFill>
-              <a:latin typeface="Raleway Thin"/>
-              <a:ea typeface="Raleway Thin"/>
-              <a:cs typeface="Raleway Thin"/>
-              <a:sym typeface="Raleway Thin"/>
+              <a:latin typeface="Raleway"/>
+              <a:ea typeface="Raleway"/>
+              <a:cs typeface="Raleway"/>
+              <a:sym typeface="Raleway"/>
             </a:endParaRPr>
           </a:p>
           <a:p>
@@ -10377,6 +13753,7 @@
               <a:spcAft>
                 <a:spcPts val="0"/>
               </a:spcAft>
+              <a:buSzPts val="2800"/>
               <a:buNone/>
             </a:pPr>
             <a:r>
@@ -10386,10 +13763,10 @@
               <a:solidFill>
                 <a:srgbClr val="202124"/>
               </a:solidFill>
-              <a:latin typeface="Raleway Thin"/>
-              <a:ea typeface="Raleway Thin"/>
-              <a:cs typeface="Raleway Thin"/>
-              <a:sym typeface="Raleway Thin"/>
+              <a:latin typeface="Raleway"/>
+              <a:ea typeface="Raleway"/>
+              <a:cs typeface="Raleway"/>
+              <a:sym typeface="Raleway"/>
             </a:endParaRPr>
           </a:p>
           <a:p>
@@ -10407,7 +13784,7 @@
                 <a:srgbClr val="202124"/>
               </a:buClr>
               <a:buSzPts val="1600"/>
-              <a:buFont typeface="Raleway Thin"/>
+              <a:buFont typeface="Raleway"/>
               <a:buAutoNum type="arabicPeriod"/>
             </a:pPr>
             <a:r>
@@ -10415,10 +13792,10 @@
                 <a:solidFill>
                   <a:srgbClr val="202124"/>
                 </a:solidFill>
-                <a:latin typeface="Raleway Thin"/>
-                <a:ea typeface="Raleway Thin"/>
-                <a:cs typeface="Raleway Thin"/>
-                <a:sym typeface="Raleway Thin"/>
+                <a:latin typeface="Raleway"/>
+                <a:ea typeface="Raleway"/>
+                <a:cs typeface="Raleway"/>
+                <a:sym typeface="Raleway"/>
               </a:rPr>
               <a:t>Affectation des tickets et gestion des notes</a:t>
             </a:r>
@@ -10427,20 +13804,20 @@
                 <a:solidFill>
                   <a:srgbClr val="202124"/>
                 </a:solidFill>
-                <a:latin typeface="Raleway Thin"/>
-                <a:ea typeface="Raleway Thin"/>
-                <a:cs typeface="Raleway Thin"/>
-                <a:sym typeface="Raleway Thin"/>
+                <a:latin typeface="Raleway"/>
+                <a:ea typeface="Raleway"/>
+                <a:cs typeface="Raleway"/>
+                <a:sym typeface="Raleway"/>
               </a:rPr>
             </a:br>
             <a:endParaRPr sz="1600">
               <a:solidFill>
                 <a:srgbClr val="202124"/>
               </a:solidFill>
-              <a:latin typeface="Raleway Thin"/>
-              <a:ea typeface="Raleway Thin"/>
-              <a:cs typeface="Raleway Thin"/>
-              <a:sym typeface="Raleway Thin"/>
+              <a:latin typeface="Raleway"/>
+              <a:ea typeface="Raleway"/>
+              <a:cs typeface="Raleway"/>
+              <a:sym typeface="Raleway"/>
             </a:endParaRPr>
           </a:p>
           <a:p>
@@ -10458,7 +13835,7 @@
                 <a:srgbClr val="202124"/>
               </a:buClr>
               <a:buSzPts val="1600"/>
-              <a:buFont typeface="Raleway Thin"/>
+              <a:buFont typeface="Raleway"/>
               <a:buAutoNum type="arabicPeriod"/>
             </a:pPr>
             <a:r>
@@ -10466,10 +13843,10 @@
                 <a:solidFill>
                   <a:srgbClr val="202124"/>
                 </a:solidFill>
-                <a:latin typeface="Raleway Thin"/>
-                <a:ea typeface="Raleway Thin"/>
-                <a:cs typeface="Raleway Thin"/>
-                <a:sym typeface="Raleway Thin"/>
+                <a:latin typeface="Raleway"/>
+                <a:ea typeface="Raleway"/>
+                <a:cs typeface="Raleway"/>
+                <a:sym typeface="Raleway"/>
               </a:rPr>
               <a:t>Ajout de filtres et recherche dans les pages des tickets et du personnel</a:t>
             </a:r>
@@ -10478,20 +13855,20 @@
                 <a:solidFill>
                   <a:srgbClr val="202124"/>
                 </a:solidFill>
-                <a:latin typeface="Raleway Thin"/>
-                <a:ea typeface="Raleway Thin"/>
-                <a:cs typeface="Raleway Thin"/>
-                <a:sym typeface="Raleway Thin"/>
+                <a:latin typeface="Raleway"/>
+                <a:ea typeface="Raleway"/>
+                <a:cs typeface="Raleway"/>
+                <a:sym typeface="Raleway"/>
               </a:rPr>
             </a:br>
             <a:endParaRPr sz="1600">
               <a:solidFill>
                 <a:srgbClr val="202124"/>
               </a:solidFill>
-              <a:latin typeface="Raleway Thin"/>
-              <a:ea typeface="Raleway Thin"/>
-              <a:cs typeface="Raleway Thin"/>
-              <a:sym typeface="Raleway Thin"/>
+              <a:latin typeface="Raleway"/>
+              <a:ea typeface="Raleway"/>
+              <a:cs typeface="Raleway"/>
+              <a:sym typeface="Raleway"/>
             </a:endParaRPr>
           </a:p>
           <a:p>
@@ -10509,7 +13886,7 @@
                 <a:srgbClr val="202124"/>
               </a:buClr>
               <a:buSzPts val="1600"/>
-              <a:buFont typeface="Raleway Thin"/>
+              <a:buFont typeface="Raleway"/>
               <a:buAutoNum type="arabicPeriod"/>
             </a:pPr>
             <a:r>
@@ -10517,10 +13894,10 @@
                 <a:solidFill>
                   <a:srgbClr val="202124"/>
                 </a:solidFill>
-                <a:latin typeface="Raleway Thin"/>
-                <a:ea typeface="Raleway Thin"/>
-                <a:cs typeface="Raleway Thin"/>
-                <a:sym typeface="Raleway Thin"/>
+                <a:latin typeface="Raleway"/>
+                <a:ea typeface="Raleway"/>
+                <a:cs typeface="Raleway"/>
+                <a:sym typeface="Raleway"/>
               </a:rPr>
               <a:t>Mise à jour des informations du profil</a:t>
             </a:r>
@@ -10528,10 +13905,10 @@
               <a:solidFill>
                 <a:srgbClr val="202124"/>
               </a:solidFill>
-              <a:latin typeface="Raleway Thin"/>
-              <a:ea typeface="Raleway Thin"/>
-              <a:cs typeface="Raleway Thin"/>
-              <a:sym typeface="Raleway Thin"/>
+              <a:latin typeface="Raleway"/>
+              <a:ea typeface="Raleway"/>
+              <a:cs typeface="Raleway"/>
+              <a:sym typeface="Raleway"/>
             </a:endParaRPr>
           </a:p>
         </p:txBody>
@@ -10542,13 +13919,12 @@
           <p:cNvPicPr preferRelativeResize="0"/>
           <p:nvPr/>
         </p:nvPicPr>
-        <p:blipFill>
+        <p:blipFill rotWithShape="1">
           <a:blip r:embed="rId3">
             <a:alphaModFix/>
           </a:blip>
-          <a:stretch>
-            <a:fillRect/>
-          </a:stretch>
+          <a:srcRect b="0" l="0" r="0" t="0"/>
+          <a:stretch/>
         </p:blipFill>
         <p:spPr>
           <a:xfrm>
@@ -10838,6 +14214,10 @@
           <a:prstGeom prst="rect">
             <a:avLst/>
           </a:prstGeom>
+          <a:noFill/>
+          <a:ln>
+            <a:noFill/>
+          </a:ln>
         </p:spPr>
         <p:txBody>
           <a:bodyPr anchorCtr="0" anchor="t" bIns="91425" lIns="91425" spcFirstLastPara="1" rIns="91425" wrap="square" tIns="91425">
@@ -10863,10 +14243,10 @@
                 <a:solidFill>
                   <a:srgbClr val="202124"/>
                 </a:solidFill>
-                <a:latin typeface="Raleway Thin"/>
-                <a:ea typeface="Raleway Thin"/>
-                <a:cs typeface="Raleway Thin"/>
-                <a:sym typeface="Raleway Thin"/>
+                <a:latin typeface="Raleway"/>
+                <a:ea typeface="Raleway"/>
+                <a:cs typeface="Raleway"/>
+                <a:sym typeface="Raleway"/>
               </a:rPr>
               <a:t>L'objectif de ce projet était de fournir un moyen plus simple de gérer les incidents et les problèmes informatiques, qui est également conçu pour être utilisé en interne et ne pas dépendre d'une solution externe.</a:t>
             </a:r>
@@ -10874,10 +14254,10 @@
               <a:solidFill>
                 <a:srgbClr val="202124"/>
               </a:solidFill>
-              <a:latin typeface="Raleway Thin"/>
-              <a:ea typeface="Raleway Thin"/>
-              <a:cs typeface="Raleway Thin"/>
-              <a:sym typeface="Raleway Thin"/>
+              <a:latin typeface="Raleway"/>
+              <a:ea typeface="Raleway"/>
+              <a:cs typeface="Raleway"/>
+              <a:sym typeface="Raleway"/>
             </a:endParaRPr>
           </a:p>
           <a:p>
@@ -10901,10 +14281,10 @@
               <a:solidFill>
                 <a:srgbClr val="202124"/>
               </a:solidFill>
-              <a:latin typeface="Raleway Thin"/>
-              <a:ea typeface="Raleway Thin"/>
-              <a:cs typeface="Raleway Thin"/>
-              <a:sym typeface="Raleway Thin"/>
+              <a:latin typeface="Raleway"/>
+              <a:ea typeface="Raleway"/>
+              <a:cs typeface="Raleway"/>
+              <a:sym typeface="Raleway"/>
             </a:endParaRPr>
           </a:p>
           <a:p>
@@ -10928,10 +14308,10 @@
               <a:solidFill>
                 <a:srgbClr val="202124"/>
               </a:solidFill>
-              <a:latin typeface="Raleway Thin"/>
-              <a:ea typeface="Raleway Thin"/>
-              <a:cs typeface="Raleway Thin"/>
-              <a:sym typeface="Raleway Thin"/>
+              <a:latin typeface="Raleway"/>
+              <a:ea typeface="Raleway"/>
+              <a:cs typeface="Raleway"/>
+              <a:sym typeface="Raleway"/>
             </a:endParaRPr>
           </a:p>
           <a:p>
@@ -10955,10 +14335,10 @@
               <a:solidFill>
                 <a:srgbClr val="202124"/>
               </a:solidFill>
-              <a:latin typeface="Raleway Thin"/>
-              <a:ea typeface="Raleway Thin"/>
-              <a:cs typeface="Raleway Thin"/>
-              <a:sym typeface="Raleway Thin"/>
+              <a:latin typeface="Raleway"/>
+              <a:ea typeface="Raleway"/>
+              <a:cs typeface="Raleway"/>
+              <a:sym typeface="Raleway"/>
             </a:endParaRPr>
           </a:p>
           <a:p>
@@ -10980,10 +14360,10 @@
                 <a:solidFill>
                   <a:srgbClr val="202124"/>
                 </a:solidFill>
-                <a:latin typeface="Raleway Thin"/>
-                <a:ea typeface="Raleway Thin"/>
-                <a:cs typeface="Raleway Thin"/>
-                <a:sym typeface="Raleway Thin"/>
+                <a:latin typeface="Raleway"/>
+                <a:ea typeface="Raleway"/>
+                <a:cs typeface="Raleway"/>
+                <a:sym typeface="Raleway"/>
               </a:rPr>
               <a:t>Le projet est flexible et s'adapte à toutes les situations. Les acteurs admin, développeur/technicien et employé ont été choisis comme exemple pour présenter les fonctionnalités de la plateforme.</a:t>
             </a:r>
@@ -10991,10 +14371,10 @@
               <a:solidFill>
                 <a:srgbClr val="202124"/>
               </a:solidFill>
-              <a:latin typeface="Raleway Thin"/>
-              <a:ea typeface="Raleway Thin"/>
-              <a:cs typeface="Raleway Thin"/>
-              <a:sym typeface="Raleway Thin"/>
+              <a:latin typeface="Raleway"/>
+              <a:ea typeface="Raleway"/>
+              <a:cs typeface="Raleway"/>
+              <a:sym typeface="Raleway"/>
             </a:endParaRPr>
           </a:p>
         </p:txBody>
@@ -11015,6 +14395,10 @@
           <a:prstGeom prst="rect">
             <a:avLst/>
           </a:prstGeom>
+          <a:noFill/>
+          <a:ln>
+            <a:noFill/>
+          </a:ln>
         </p:spPr>
         <p:txBody>
           <a:bodyPr anchorCtr="0" anchor="t" bIns="91425" lIns="91425" spcFirstLastPara="1" rIns="91425" wrap="square" tIns="91425">
@@ -11080,8 +14464,8 @@
             </a:solidFill>
             <a:prstDash val="solid"/>
             <a:round/>
-            <a:headEnd len="med" w="med" type="none"/>
-            <a:tailEnd len="med" w="med" type="none"/>
+            <a:headEnd len="sm" w="sm" type="none"/>
+            <a:tailEnd len="sm" w="sm" type="none"/>
           </a:ln>
         </p:spPr>
       </p:cxnSp>
@@ -11091,13 +14475,12 @@
           <p:cNvPicPr preferRelativeResize="0"/>
           <p:nvPr/>
         </p:nvPicPr>
-        <p:blipFill>
+        <p:blipFill rotWithShape="1">
           <a:blip r:embed="rId3">
             <a:alphaModFix/>
           </a:blip>
-          <a:stretch>
-            <a:fillRect/>
-          </a:stretch>
+          <a:srcRect b="0" l="0" r="0" t="0"/>
+          <a:stretch/>
         </p:blipFill>
         <p:spPr>
           <a:xfrm>
@@ -11342,13 +14725,12 @@
           <p:cNvPicPr preferRelativeResize="0"/>
           <p:nvPr/>
         </p:nvPicPr>
-        <p:blipFill>
+        <p:blipFill rotWithShape="1">
           <a:blip r:embed="rId3">
             <a:alphaModFix amt="30000"/>
           </a:blip>
-          <a:stretch>
-            <a:fillRect/>
-          </a:stretch>
+          <a:srcRect b="0" l="0" r="0" t="0"/>
+          <a:stretch/>
         </p:blipFill>
         <p:spPr>
           <a:xfrm>
@@ -11380,6 +14762,10 @@
           <a:prstGeom prst="rect">
             <a:avLst/>
           </a:prstGeom>
+          <a:noFill/>
+          <a:ln>
+            <a:noFill/>
+          </a:ln>
         </p:spPr>
         <p:txBody>
           <a:bodyPr anchorCtr="0" anchor="t" bIns="91425" lIns="91425" spcFirstLastPara="1" rIns="91425" wrap="square" tIns="91425">
@@ -11405,10 +14791,10 @@
                 <a:solidFill>
                   <a:srgbClr val="5FBE6E"/>
                 </a:solidFill>
-                <a:latin typeface="Raleway Thin"/>
-                <a:ea typeface="Raleway Thin"/>
-                <a:cs typeface="Raleway Thin"/>
-                <a:sym typeface="Raleway Thin"/>
+                <a:latin typeface="Raleway"/>
+                <a:ea typeface="Raleway"/>
+                <a:cs typeface="Raleway"/>
+                <a:sym typeface="Raleway"/>
               </a:rPr>
               <a:t>Merci.</a:t>
             </a:r>
@@ -11416,10 +14802,10 @@
               <a:solidFill>
                 <a:srgbClr val="5FBE6E"/>
               </a:solidFill>
-              <a:latin typeface="Raleway Thin"/>
-              <a:ea typeface="Raleway Thin"/>
-              <a:cs typeface="Raleway Thin"/>
-              <a:sym typeface="Raleway Thin"/>
+              <a:latin typeface="Raleway"/>
+              <a:ea typeface="Raleway"/>
+              <a:cs typeface="Raleway"/>
+              <a:sym typeface="Raleway"/>
             </a:endParaRPr>
           </a:p>
           <a:p>
@@ -11443,10 +14829,10 @@
               <a:solidFill>
                 <a:srgbClr val="5FBE6E"/>
               </a:solidFill>
-              <a:latin typeface="Raleway Thin"/>
-              <a:ea typeface="Raleway Thin"/>
-              <a:cs typeface="Raleway Thin"/>
-              <a:sym typeface="Raleway Thin"/>
+              <a:latin typeface="Raleway"/>
+              <a:ea typeface="Raleway"/>
+              <a:cs typeface="Raleway"/>
+              <a:sym typeface="Raleway"/>
             </a:endParaRPr>
           </a:p>
         </p:txBody>
@@ -11467,6 +14853,10 @@
           <a:prstGeom prst="rect">
             <a:avLst/>
           </a:prstGeom>
+          <a:noFill/>
+          <a:ln>
+            <a:noFill/>
+          </a:ln>
         </p:spPr>
         <p:txBody>
           <a:bodyPr anchorCtr="0" anchor="t" bIns="91425" lIns="91425" spcFirstLastPara="1" rIns="91425" wrap="square" tIns="91425">
@@ -11492,10 +14882,10 @@
                 <a:solidFill>
                   <a:srgbClr val="2B777D"/>
                 </a:solidFill>
-                <a:latin typeface="Raleway Thin"/>
-                <a:ea typeface="Raleway Thin"/>
-                <a:cs typeface="Raleway Thin"/>
-                <a:sym typeface="Raleway Thin"/>
+                <a:latin typeface="Raleway"/>
+                <a:ea typeface="Raleway"/>
+                <a:cs typeface="Raleway"/>
+                <a:sym typeface="Raleway"/>
               </a:rPr>
               <a:t>Avez vous des questions ?</a:t>
             </a:r>
@@ -11503,10 +14893,10 @@
               <a:solidFill>
                 <a:srgbClr val="2B777D"/>
               </a:solidFill>
-              <a:latin typeface="Raleway Thin"/>
-              <a:ea typeface="Raleway Thin"/>
-              <a:cs typeface="Raleway Thin"/>
-              <a:sym typeface="Raleway Thin"/>
+              <a:latin typeface="Raleway"/>
+              <a:ea typeface="Raleway"/>
+              <a:cs typeface="Raleway"/>
+              <a:sym typeface="Raleway"/>
             </a:endParaRPr>
           </a:p>
           <a:p>
@@ -11530,10 +14920,10 @@
               <a:solidFill>
                 <a:srgbClr val="2B777D"/>
               </a:solidFill>
-              <a:latin typeface="Raleway Thin"/>
-              <a:ea typeface="Raleway Thin"/>
-              <a:cs typeface="Raleway Thin"/>
-              <a:sym typeface="Raleway Thin"/>
+              <a:latin typeface="Raleway"/>
+              <a:ea typeface="Raleway"/>
+              <a:cs typeface="Raleway"/>
+              <a:sym typeface="Raleway"/>
             </a:endParaRPr>
           </a:p>
         </p:txBody>
@@ -11554,6 +14944,10 @@
           <a:prstGeom prst="rect">
             <a:avLst/>
           </a:prstGeom>
+          <a:noFill/>
+          <a:ln>
+            <a:noFill/>
+          </a:ln>
         </p:spPr>
         <p:txBody>
           <a:bodyPr anchorCtr="0" anchor="t" bIns="91425" lIns="91425" spcFirstLastPara="1" rIns="91425" wrap="square" tIns="91425">
@@ -11579,10 +14973,10 @@
                 <a:solidFill>
                   <a:schemeClr val="hlink"/>
                 </a:solidFill>
-                <a:latin typeface="Raleway Thin"/>
-                <a:ea typeface="Raleway Thin"/>
-                <a:cs typeface="Raleway Thin"/>
-                <a:sym typeface="Raleway Thin"/>
+                <a:latin typeface="Raleway"/>
+                <a:ea typeface="Raleway"/>
+                <a:cs typeface="Raleway"/>
+                <a:sym typeface="Raleway"/>
                 <a:hlinkClick r:id="rId4"/>
               </a:rPr>
               <a:t>khomsi.adam@gmail.com</a:t>
@@ -11592,20 +14986,20 @@
                 <a:solidFill>
                   <a:srgbClr val="2B777D"/>
                 </a:solidFill>
-                <a:latin typeface="Raleway Thin"/>
-                <a:ea typeface="Raleway Thin"/>
-                <a:cs typeface="Raleway Thin"/>
-                <a:sym typeface="Raleway Thin"/>
+                <a:latin typeface="Raleway"/>
+                <a:ea typeface="Raleway"/>
+                <a:cs typeface="Raleway"/>
+                <a:sym typeface="Raleway"/>
               </a:rPr>
             </a:br>
             <a:endParaRPr sz="1600">
               <a:solidFill>
                 <a:srgbClr val="2B777D"/>
               </a:solidFill>
-              <a:latin typeface="Raleway Thin"/>
-              <a:ea typeface="Raleway Thin"/>
-              <a:cs typeface="Raleway Thin"/>
-              <a:sym typeface="Raleway Thin"/>
+              <a:latin typeface="Raleway"/>
+              <a:ea typeface="Raleway"/>
+              <a:cs typeface="Raleway"/>
+              <a:sym typeface="Raleway"/>
             </a:endParaRPr>
           </a:p>
           <a:p>
@@ -11627,10 +15021,10 @@
                 <a:solidFill>
                   <a:schemeClr val="hlink"/>
                 </a:solidFill>
-                <a:latin typeface="Raleway Thin"/>
-                <a:ea typeface="Raleway Thin"/>
-                <a:cs typeface="Raleway Thin"/>
-                <a:sym typeface="Raleway Thin"/>
+                <a:latin typeface="Raleway"/>
+                <a:ea typeface="Raleway"/>
+                <a:cs typeface="Raleway"/>
+                <a:sym typeface="Raleway"/>
                 <a:hlinkClick r:id="rId5"/>
               </a:rPr>
               <a:t>https://www.linkedin.com/in/adamkhomsi/</a:t>
@@ -11640,20 +15034,20 @@
                 <a:solidFill>
                   <a:srgbClr val="2B777D"/>
                 </a:solidFill>
-                <a:latin typeface="Raleway Thin"/>
-                <a:ea typeface="Raleway Thin"/>
-                <a:cs typeface="Raleway Thin"/>
-                <a:sym typeface="Raleway Thin"/>
+                <a:latin typeface="Raleway"/>
+                <a:ea typeface="Raleway"/>
+                <a:cs typeface="Raleway"/>
+                <a:sym typeface="Raleway"/>
               </a:rPr>
             </a:br>
             <a:endParaRPr sz="1600">
               <a:solidFill>
                 <a:srgbClr val="2B777D"/>
               </a:solidFill>
-              <a:latin typeface="Raleway Thin"/>
-              <a:ea typeface="Raleway Thin"/>
-              <a:cs typeface="Raleway Thin"/>
-              <a:sym typeface="Raleway Thin"/>
+              <a:latin typeface="Raleway"/>
+              <a:ea typeface="Raleway"/>
+              <a:cs typeface="Raleway"/>
+              <a:sym typeface="Raleway"/>
             </a:endParaRPr>
           </a:p>
           <a:p>
@@ -11675,10 +15069,10 @@
                 <a:solidFill>
                   <a:schemeClr val="hlink"/>
                 </a:solidFill>
-                <a:latin typeface="Raleway Thin"/>
-                <a:ea typeface="Raleway Thin"/>
-                <a:cs typeface="Raleway Thin"/>
-                <a:sym typeface="Raleway Thin"/>
+                <a:latin typeface="Raleway"/>
+                <a:ea typeface="Raleway"/>
+                <a:cs typeface="Raleway"/>
+                <a:sym typeface="Raleway"/>
                 <a:hlinkClick r:id="rId6"/>
               </a:rPr>
               <a:t>https://github.com/KhomsiAdam/CenSync</a:t>
@@ -11687,10 +15081,10 @@
               <a:solidFill>
                 <a:srgbClr val="2B777D"/>
               </a:solidFill>
-              <a:latin typeface="Raleway Thin"/>
-              <a:ea typeface="Raleway Thin"/>
-              <a:cs typeface="Raleway Thin"/>
-              <a:sym typeface="Raleway Thin"/>
+              <a:latin typeface="Raleway"/>
+              <a:ea typeface="Raleway"/>
+              <a:cs typeface="Raleway"/>
+              <a:sym typeface="Raleway"/>
             </a:endParaRPr>
           </a:p>
           <a:p>
@@ -11714,10 +15108,10 @@
               <a:solidFill>
                 <a:srgbClr val="2B777D"/>
               </a:solidFill>
-              <a:latin typeface="Raleway Thin"/>
-              <a:ea typeface="Raleway Thin"/>
-              <a:cs typeface="Raleway Thin"/>
-              <a:sym typeface="Raleway Thin"/>
+              <a:latin typeface="Raleway"/>
+              <a:ea typeface="Raleway"/>
+              <a:cs typeface="Raleway"/>
+              <a:sym typeface="Raleway"/>
             </a:endParaRPr>
           </a:p>
           <a:p>
@@ -11739,10 +15133,10 @@
                 <a:solidFill>
                   <a:schemeClr val="hlink"/>
                 </a:solidFill>
-                <a:latin typeface="Raleway Thin"/>
-                <a:ea typeface="Raleway Thin"/>
-                <a:cs typeface="Raleway Thin"/>
-                <a:sym typeface="Raleway Thin"/>
+                <a:latin typeface="Raleway"/>
+                <a:ea typeface="Raleway"/>
+                <a:cs typeface="Raleway"/>
+                <a:sym typeface="Raleway"/>
                 <a:hlinkClick r:id="rId7"/>
               </a:rPr>
               <a:t>https://www.behance.net/khomsiadam/</a:t>
@@ -11751,10 +15145,10 @@
               <a:solidFill>
                 <a:srgbClr val="2B777D"/>
               </a:solidFill>
-              <a:latin typeface="Raleway Thin"/>
-              <a:ea typeface="Raleway Thin"/>
-              <a:cs typeface="Raleway Thin"/>
-              <a:sym typeface="Raleway Thin"/>
+              <a:latin typeface="Raleway"/>
+              <a:ea typeface="Raleway"/>
+              <a:cs typeface="Raleway"/>
+              <a:sym typeface="Raleway"/>
             </a:endParaRPr>
           </a:p>
           <a:p>
@@ -11778,10 +15172,10 @@
               <a:solidFill>
                 <a:srgbClr val="2B777D"/>
               </a:solidFill>
-              <a:latin typeface="Raleway Thin"/>
-              <a:ea typeface="Raleway Thin"/>
-              <a:cs typeface="Raleway Thin"/>
-              <a:sym typeface="Raleway Thin"/>
+              <a:latin typeface="Raleway"/>
+              <a:ea typeface="Raleway"/>
+              <a:cs typeface="Raleway"/>
+              <a:sym typeface="Raleway"/>
             </a:endParaRPr>
           </a:p>
           <a:p>
@@ -11805,10 +15199,10 @@
               <a:solidFill>
                 <a:srgbClr val="2B777D"/>
               </a:solidFill>
-              <a:latin typeface="Raleway Thin"/>
-              <a:ea typeface="Raleway Thin"/>
-              <a:cs typeface="Raleway Thin"/>
-              <a:sym typeface="Raleway Thin"/>
+              <a:latin typeface="Raleway"/>
+              <a:ea typeface="Raleway"/>
+              <a:cs typeface="Raleway"/>
+              <a:sym typeface="Raleway"/>
             </a:endParaRPr>
           </a:p>
           <a:p>
@@ -11832,10 +15226,10 @@
               <a:solidFill>
                 <a:srgbClr val="2B777D"/>
               </a:solidFill>
-              <a:latin typeface="Raleway Thin"/>
-              <a:ea typeface="Raleway Thin"/>
-              <a:cs typeface="Raleway Thin"/>
-              <a:sym typeface="Raleway Thin"/>
+              <a:latin typeface="Raleway"/>
+              <a:ea typeface="Raleway"/>
+              <a:cs typeface="Raleway"/>
+              <a:sym typeface="Raleway"/>
             </a:endParaRPr>
           </a:p>
         </p:txBody>
@@ -12099,6 +15493,10 @@
           <a:prstGeom prst="rect">
             <a:avLst/>
           </a:prstGeom>
+          <a:noFill/>
+          <a:ln>
+            <a:noFill/>
+          </a:ln>
         </p:spPr>
         <p:txBody>
           <a:bodyPr anchorCtr="0" anchor="t" bIns="91425" lIns="91425" spcFirstLastPara="1" rIns="91425" wrap="square" tIns="91425">
@@ -12159,6 +15557,10 @@
           <a:prstGeom prst="rect">
             <a:avLst/>
           </a:prstGeom>
+          <a:noFill/>
+          <a:ln>
+            <a:noFill/>
+          </a:ln>
         </p:spPr>
         <p:txBody>
           <a:bodyPr anchorCtr="0" anchor="t" bIns="91425" lIns="91425" spcFirstLastPara="1" rIns="91425" wrap="square" tIns="91425">
@@ -12219,6 +15621,10 @@
           <a:prstGeom prst="rect">
             <a:avLst/>
           </a:prstGeom>
+          <a:noFill/>
+          <a:ln>
+            <a:noFill/>
+          </a:ln>
         </p:spPr>
         <p:txBody>
           <a:bodyPr anchorCtr="0" anchor="t" bIns="91425" lIns="91425" spcFirstLastPara="1" rIns="91425" wrap="square" tIns="91425">
@@ -12236,6 +15642,7 @@
               <a:spcAft>
                 <a:spcPts val="0"/>
               </a:spcAft>
+              <a:buSzPts val="2800"/>
               <a:buNone/>
             </a:pPr>
             <a:r>
@@ -12264,9 +15671,7 @@
       </p:sp>
       <p:sp>
         <p:nvSpPr>
-          <p:cNvPr id="65" name="Google Shape;65;p14">
-            <a:hlinkClick/>
-          </p:cNvPr>
+          <p:cNvPr id="65" name="Google Shape;65;p14"/>
           <p:cNvSpPr txBox="1"/>
           <p:nvPr/>
         </p:nvSpPr>
@@ -12289,17 +15694,25 @@
           </a:bodyPr>
           <a:lstStyle/>
           <a:p>
-            <a:pPr indent="0" lvl="0" marL="0" rtl="0" algn="r">
-              <a:spcBef>
-                <a:spcPts val="0"/>
-              </a:spcBef>
-              <a:spcAft>
-                <a:spcPts val="0"/>
-              </a:spcAft>
+            <a:pPr indent="0" lvl="0" marL="0" marR="0" rtl="0" algn="r">
+              <a:lnSpc>
+                <a:spcPct val="100000"/>
+              </a:lnSpc>
+              <a:spcBef>
+                <a:spcPts val="0"/>
+              </a:spcBef>
+              <a:spcAft>
+                <a:spcPts val="0"/>
+              </a:spcAft>
+              <a:buClr>
+                <a:srgbClr val="000000"/>
+              </a:buClr>
+              <a:buSzPts val="3600"/>
+              <a:buFont typeface="Arial"/>
               <a:buNone/>
             </a:pPr>
             <a:r>
-              <a:rPr b="1" lang="en" sz="3600">
+              <a:rPr b="1" i="0" lang="en" sz="3600" u="none" cap="none" strike="noStrike">
                 <a:solidFill>
                   <a:srgbClr val="2B777D"/>
                 </a:solidFill>
@@ -12310,7 +15723,7 @@
               </a:rPr>
               <a:t>03</a:t>
             </a:r>
-            <a:endParaRPr b="1" sz="3600">
+            <a:endParaRPr b="1" i="0" sz="3600" u="none" cap="none" strike="noStrike">
               <a:solidFill>
                 <a:srgbClr val="2B777D"/>
               </a:solidFill>
@@ -12324,9 +15737,7 @@
       </p:sp>
       <p:sp>
         <p:nvSpPr>
-          <p:cNvPr id="66" name="Google Shape;66;p14">
-            <a:hlinkClick/>
-          </p:cNvPr>
+          <p:cNvPr id="66" name="Google Shape;66;p14"/>
           <p:cNvSpPr txBox="1"/>
           <p:nvPr/>
         </p:nvSpPr>
@@ -12349,17 +15760,25 @@
           </a:bodyPr>
           <a:lstStyle/>
           <a:p>
-            <a:pPr indent="0" lvl="0" marL="0" rtl="0" algn="r">
-              <a:spcBef>
-                <a:spcPts val="0"/>
-              </a:spcBef>
-              <a:spcAft>
-                <a:spcPts val="0"/>
-              </a:spcAft>
+            <a:pPr indent="0" lvl="0" marL="0" marR="0" rtl="0" algn="r">
+              <a:lnSpc>
+                <a:spcPct val="100000"/>
+              </a:lnSpc>
+              <a:spcBef>
+                <a:spcPts val="0"/>
+              </a:spcBef>
+              <a:spcAft>
+                <a:spcPts val="0"/>
+              </a:spcAft>
+              <a:buClr>
+                <a:srgbClr val="000000"/>
+              </a:buClr>
+              <a:buSzPts val="3600"/>
+              <a:buFont typeface="Arial"/>
               <a:buNone/>
             </a:pPr>
             <a:r>
-              <a:rPr b="1" lang="en" sz="3600">
+              <a:rPr b="1" i="0" lang="en" sz="3600" u="none" cap="none" strike="noStrike">
                 <a:solidFill>
                   <a:srgbClr val="2B777D"/>
                 </a:solidFill>
@@ -12370,7 +15789,7 @@
               </a:rPr>
               <a:t>01</a:t>
             </a:r>
-            <a:endParaRPr b="1" sz="3600">
+            <a:endParaRPr b="1" i="0" sz="3600" u="none" cap="none" strike="noStrike">
               <a:solidFill>
                 <a:srgbClr val="2B777D"/>
               </a:solidFill>
@@ -12384,9 +15803,7 @@
       </p:sp>
       <p:sp>
         <p:nvSpPr>
-          <p:cNvPr id="67" name="Google Shape;67;p14">
-            <a:hlinkClick/>
-          </p:cNvPr>
+          <p:cNvPr id="67" name="Google Shape;67;p14"/>
           <p:cNvSpPr txBox="1"/>
           <p:nvPr/>
         </p:nvSpPr>
@@ -12409,17 +15826,25 @@
           </a:bodyPr>
           <a:lstStyle/>
           <a:p>
-            <a:pPr indent="0" lvl="0" marL="0" rtl="0" algn="r">
-              <a:spcBef>
-                <a:spcPts val="0"/>
-              </a:spcBef>
-              <a:spcAft>
-                <a:spcPts val="0"/>
-              </a:spcAft>
+            <a:pPr indent="0" lvl="0" marL="0" marR="0" rtl="0" algn="r">
+              <a:lnSpc>
+                <a:spcPct val="100000"/>
+              </a:lnSpc>
+              <a:spcBef>
+                <a:spcPts val="0"/>
+              </a:spcBef>
+              <a:spcAft>
+                <a:spcPts val="0"/>
+              </a:spcAft>
+              <a:buClr>
+                <a:srgbClr val="000000"/>
+              </a:buClr>
+              <a:buSzPts val="3600"/>
+              <a:buFont typeface="Arial"/>
               <a:buNone/>
             </a:pPr>
             <a:r>
-              <a:rPr b="1" lang="en" sz="3600">
+              <a:rPr b="1" i="0" lang="en" sz="3600" u="none" cap="none" strike="noStrike">
                 <a:solidFill>
                   <a:srgbClr val="2B777D"/>
                 </a:solidFill>
@@ -12430,7 +15855,7 @@
               </a:rPr>
               <a:t>02</a:t>
             </a:r>
-            <a:endParaRPr b="1" sz="3600">
+            <a:endParaRPr b="1" i="0" sz="3600" u="none" cap="none" strike="noStrike">
               <a:solidFill>
                 <a:srgbClr val="2B777D"/>
               </a:solidFill>
@@ -12444,9 +15869,7 @@
       </p:sp>
       <p:sp>
         <p:nvSpPr>
-          <p:cNvPr id="68" name="Google Shape;68;p14">
-            <a:hlinkClick/>
-          </p:cNvPr>
+          <p:cNvPr id="68" name="Google Shape;68;p14"/>
           <p:cNvSpPr txBox="1"/>
           <p:nvPr/>
         </p:nvSpPr>
@@ -12469,17 +15892,25 @@
           </a:bodyPr>
           <a:lstStyle/>
           <a:p>
-            <a:pPr indent="0" lvl="0" marL="0" rtl="0" algn="l">
-              <a:spcBef>
-                <a:spcPts val="0"/>
-              </a:spcBef>
-              <a:spcAft>
-                <a:spcPts val="0"/>
-              </a:spcAft>
+            <a:pPr indent="0" lvl="0" marL="0" marR="0" rtl="0" algn="l">
+              <a:lnSpc>
+                <a:spcPct val="100000"/>
+              </a:lnSpc>
+              <a:spcBef>
+                <a:spcPts val="0"/>
+              </a:spcBef>
+              <a:spcAft>
+                <a:spcPts val="0"/>
+              </a:spcAft>
+              <a:buClr>
+                <a:srgbClr val="000000"/>
+              </a:buClr>
+              <a:buSzPts val="3600"/>
+              <a:buFont typeface="Arial"/>
               <a:buNone/>
             </a:pPr>
             <a:r>
-              <a:rPr b="1" lang="en" sz="3600">
+              <a:rPr b="1" i="0" lang="en" sz="3600" u="none" cap="none" strike="noStrike">
                 <a:solidFill>
                   <a:srgbClr val="2B777D"/>
                 </a:solidFill>
@@ -12490,7 +15921,7 @@
               </a:rPr>
               <a:t>04</a:t>
             </a:r>
-            <a:endParaRPr b="1" sz="3600">
+            <a:endParaRPr b="1" i="0" sz="3600" u="none" cap="none" strike="noStrike">
               <a:solidFill>
                 <a:srgbClr val="2B777D"/>
               </a:solidFill>
@@ -12504,9 +15935,7 @@
       </p:sp>
       <p:sp>
         <p:nvSpPr>
-          <p:cNvPr id="69" name="Google Shape;69;p14">
-            <a:hlinkClick/>
-          </p:cNvPr>
+          <p:cNvPr id="69" name="Google Shape;69;p14"/>
           <p:cNvSpPr txBox="1"/>
           <p:nvPr/>
         </p:nvSpPr>
@@ -12529,17 +15958,25 @@
           </a:bodyPr>
           <a:lstStyle/>
           <a:p>
-            <a:pPr indent="0" lvl="0" marL="0" rtl="0" algn="l">
-              <a:spcBef>
-                <a:spcPts val="0"/>
-              </a:spcBef>
-              <a:spcAft>
-                <a:spcPts val="0"/>
-              </a:spcAft>
+            <a:pPr indent="0" lvl="0" marL="0" marR="0" rtl="0" algn="l">
+              <a:lnSpc>
+                <a:spcPct val="100000"/>
+              </a:lnSpc>
+              <a:spcBef>
+                <a:spcPts val="0"/>
+              </a:spcBef>
+              <a:spcAft>
+                <a:spcPts val="0"/>
+              </a:spcAft>
+              <a:buClr>
+                <a:srgbClr val="000000"/>
+              </a:buClr>
+              <a:buSzPts val="3600"/>
+              <a:buFont typeface="Arial"/>
               <a:buNone/>
             </a:pPr>
             <a:r>
-              <a:rPr b="1" lang="en" sz="3600">
+              <a:rPr b="1" i="0" lang="en" sz="3600" u="none" cap="none" strike="noStrike">
                 <a:solidFill>
                   <a:srgbClr val="2B777D"/>
                 </a:solidFill>
@@ -12550,7 +15987,7 @@
               </a:rPr>
               <a:t>05</a:t>
             </a:r>
-            <a:endParaRPr b="1" sz="3600">
+            <a:endParaRPr b="1" i="0" sz="3600" u="none" cap="none" strike="noStrike">
               <a:solidFill>
                 <a:srgbClr val="2B777D"/>
               </a:solidFill>
@@ -12564,9 +16001,7 @@
       </p:sp>
       <p:sp>
         <p:nvSpPr>
-          <p:cNvPr id="70" name="Google Shape;70;p14">
-            <a:hlinkClick/>
-          </p:cNvPr>
+          <p:cNvPr id="70" name="Google Shape;70;p14"/>
           <p:cNvSpPr txBox="1"/>
           <p:nvPr/>
         </p:nvSpPr>
@@ -12589,17 +16024,25 @@
           </a:bodyPr>
           <a:lstStyle/>
           <a:p>
-            <a:pPr indent="0" lvl="0" marL="0" rtl="0" algn="l">
-              <a:spcBef>
-                <a:spcPts val="0"/>
-              </a:spcBef>
-              <a:spcAft>
-                <a:spcPts val="0"/>
-              </a:spcAft>
+            <a:pPr indent="0" lvl="0" marL="0" marR="0" rtl="0" algn="l">
+              <a:lnSpc>
+                <a:spcPct val="100000"/>
+              </a:lnSpc>
+              <a:spcBef>
+                <a:spcPts val="0"/>
+              </a:spcBef>
+              <a:spcAft>
+                <a:spcPts val="0"/>
+              </a:spcAft>
+              <a:buClr>
+                <a:srgbClr val="000000"/>
+              </a:buClr>
+              <a:buSzPts val="3600"/>
+              <a:buFont typeface="Arial"/>
               <a:buNone/>
             </a:pPr>
             <a:r>
-              <a:rPr b="1" lang="en" sz="3600">
+              <a:rPr b="1" i="0" lang="en" sz="3600" u="none" cap="none" strike="noStrike">
                 <a:solidFill>
                   <a:srgbClr val="2B777D"/>
                 </a:solidFill>
@@ -12610,7 +16053,7 @@
               </a:rPr>
               <a:t>06</a:t>
             </a:r>
-            <a:endParaRPr b="1" sz="3600">
+            <a:endParaRPr b="1" i="0" sz="3600" u="none" cap="none" strike="noStrike">
               <a:solidFill>
                 <a:srgbClr val="2B777D"/>
               </a:solidFill>
@@ -12638,6 +16081,10 @@
           <a:prstGeom prst="rect">
             <a:avLst/>
           </a:prstGeom>
+          <a:noFill/>
+          <a:ln>
+            <a:noFill/>
+          </a:ln>
         </p:spPr>
         <p:txBody>
           <a:bodyPr anchorCtr="0" anchor="t" bIns="91425" lIns="91425" spcFirstLastPara="1" rIns="91425" wrap="square" tIns="91425">
@@ -12698,6 +16145,10 @@
           <a:prstGeom prst="rect">
             <a:avLst/>
           </a:prstGeom>
+          <a:noFill/>
+          <a:ln>
+            <a:noFill/>
+          </a:ln>
         </p:spPr>
         <p:txBody>
           <a:bodyPr anchorCtr="0" anchor="t" bIns="91425" lIns="91425" spcFirstLastPara="1" rIns="91425" wrap="square" tIns="91425">
@@ -12752,12 +16203,16 @@
         </p:nvSpPr>
         <p:spPr>
           <a:xfrm>
-            <a:off x="7097975" y="3272688"/>
-            <a:ext cx="1262400" cy="378600"/>
+            <a:off x="7097975" y="3272700"/>
+            <a:ext cx="1373700" cy="378600"/>
           </a:xfrm>
           <a:prstGeom prst="rect">
             <a:avLst/>
           </a:prstGeom>
+          <a:noFill/>
+          <a:ln>
+            <a:noFill/>
+          </a:ln>
         </p:spPr>
         <p:txBody>
           <a:bodyPr anchorCtr="0" anchor="t" bIns="91425" lIns="91425" spcFirstLastPara="1" rIns="91425" wrap="square" tIns="91425">
@@ -12775,6 +16230,7 @@
               <a:spcAft>
                 <a:spcPts val="0"/>
               </a:spcAft>
+              <a:buSzPts val="2800"/>
               <a:buNone/>
             </a:pPr>
             <a:r>
@@ -12817,6 +16273,10 @@
           <a:prstGeom prst="rect">
             <a:avLst/>
           </a:prstGeom>
+          <a:noFill/>
+          <a:ln>
+            <a:noFill/>
+          </a:ln>
         </p:spPr>
         <p:txBody>
           <a:bodyPr anchorCtr="0" anchor="t" bIns="91425" lIns="91425" spcFirstLastPara="1" rIns="91425" wrap="square" tIns="91425">
@@ -12834,6 +16294,7 @@
               <a:spcAft>
                 <a:spcPts val="0"/>
               </a:spcAft>
+              <a:buSzPts val="2800"/>
               <a:buNone/>
             </a:pPr>
             <a:r>
@@ -12881,8 +16342,8 @@
             </a:solidFill>
             <a:prstDash val="solid"/>
             <a:round/>
-            <a:headEnd len="med" w="med" type="none"/>
-            <a:tailEnd len="med" w="med" type="none"/>
+            <a:headEnd len="sm" w="sm" type="none"/>
+            <a:tailEnd len="sm" w="sm" type="none"/>
           </a:ln>
         </p:spPr>
       </p:cxnSp>
@@ -12907,8 +16368,8 @@
             </a:solidFill>
             <a:prstDash val="solid"/>
             <a:round/>
-            <a:headEnd len="med" w="med" type="none"/>
-            <a:tailEnd len="med" w="med" type="none"/>
+            <a:headEnd len="sm" w="sm" type="none"/>
+            <a:tailEnd len="sm" w="sm" type="none"/>
           </a:ln>
         </p:spPr>
       </p:cxnSp>
@@ -12918,13 +16379,12 @@
           <p:cNvPicPr preferRelativeResize="0"/>
           <p:nvPr/>
         </p:nvPicPr>
-        <p:blipFill>
+        <p:blipFill rotWithShape="1">
           <a:blip r:embed="rId3">
             <a:alphaModFix/>
           </a:blip>
-          <a:stretch>
-            <a:fillRect/>
-          </a:stretch>
+          <a:srcRect b="0" l="0" r="0" t="0"/>
+          <a:stretch/>
         </p:blipFill>
         <p:spPr>
           <a:xfrm>
@@ -13720,6 +17180,10 @@
           <a:prstGeom prst="rect">
             <a:avLst/>
           </a:prstGeom>
+          <a:noFill/>
+          <a:ln>
+            <a:noFill/>
+          </a:ln>
         </p:spPr>
         <p:txBody>
           <a:bodyPr anchorCtr="0" anchor="t" bIns="91425" lIns="91425" spcFirstLastPara="1" rIns="91425" wrap="square" tIns="91425">
@@ -13785,8 +17249,8 @@
             </a:solidFill>
             <a:prstDash val="solid"/>
             <a:round/>
-            <a:headEnd len="med" w="med" type="none"/>
-            <a:tailEnd len="med" w="med" type="none"/>
+            <a:headEnd len="sm" w="sm" type="none"/>
+            <a:tailEnd len="sm" w="sm" type="none"/>
           </a:ln>
         </p:spPr>
       </p:cxnSp>
@@ -13806,6 +17270,10 @@
           <a:prstGeom prst="rect">
             <a:avLst/>
           </a:prstGeom>
+          <a:noFill/>
+          <a:ln>
+            <a:noFill/>
+          </a:ln>
         </p:spPr>
         <p:txBody>
           <a:bodyPr anchorCtr="0" anchor="t" bIns="91425" lIns="91425" spcFirstLastPara="1" rIns="91425" wrap="square" tIns="91425">
@@ -13831,10 +17299,10 @@
                 <a:solidFill>
                   <a:srgbClr val="202124"/>
                 </a:solidFill>
-                <a:latin typeface="Raleway Thin"/>
-                <a:ea typeface="Raleway Thin"/>
-                <a:cs typeface="Raleway Thin"/>
-                <a:sym typeface="Raleway Thin"/>
+                <a:latin typeface="Raleway"/>
+                <a:ea typeface="Raleway"/>
+                <a:cs typeface="Raleway"/>
+                <a:sym typeface="Raleway"/>
               </a:rPr>
               <a:t>“Un incident informatique se définit par tout événement qui ne fait pas partie du fonctionnement standard d’un service et qui cause, ou peut causer, une interruption ou une diminution de la qualité de ce service.”</a:t>
             </a:r>
@@ -13842,10 +17310,10 @@
               <a:solidFill>
                 <a:srgbClr val="202124"/>
               </a:solidFill>
-              <a:latin typeface="Raleway Thin"/>
-              <a:ea typeface="Raleway Thin"/>
-              <a:cs typeface="Raleway Thin"/>
-              <a:sym typeface="Raleway Thin"/>
+              <a:latin typeface="Raleway"/>
+              <a:ea typeface="Raleway"/>
+              <a:cs typeface="Raleway"/>
+              <a:sym typeface="Raleway"/>
             </a:endParaRPr>
           </a:p>
         </p:txBody>
@@ -13856,13 +17324,12 @@
           <p:cNvPicPr preferRelativeResize="0"/>
           <p:nvPr/>
         </p:nvPicPr>
-        <p:blipFill>
+        <p:blipFill rotWithShape="1">
           <a:blip r:embed="rId3">
             <a:alphaModFix/>
           </a:blip>
-          <a:stretch>
-            <a:fillRect/>
-          </a:stretch>
+          <a:srcRect b="0" l="0" r="0" t="0"/>
+          <a:stretch/>
         </p:blipFill>
         <p:spPr>
           <a:xfrm>
@@ -14117,6 +17584,10 @@
           <a:prstGeom prst="rect">
             <a:avLst/>
           </a:prstGeom>
+          <a:noFill/>
+          <a:ln>
+            <a:noFill/>
+          </a:ln>
         </p:spPr>
         <p:txBody>
           <a:bodyPr anchorCtr="0" anchor="t" bIns="91425" lIns="91425" spcFirstLastPara="1" rIns="91425" wrap="square" tIns="91425">
@@ -14142,10 +17613,10 @@
                 <a:solidFill>
                   <a:srgbClr val="202124"/>
                 </a:solidFill>
-                <a:latin typeface="Raleway Thin"/>
-                <a:ea typeface="Raleway Thin"/>
-                <a:cs typeface="Raleway Thin"/>
-                <a:sym typeface="Raleway Thin"/>
+                <a:latin typeface="Raleway"/>
+                <a:ea typeface="Raleway"/>
+                <a:cs typeface="Raleway"/>
+                <a:sym typeface="Raleway"/>
               </a:rPr>
               <a:t>Concevoir une application ou une plateforme hébergée sur le serveur de l'établissement ou de l'organisation pour être utilisée localement et en interne par son personnel.</a:t>
             </a:r>
@@ -14153,10 +17624,10 @@
               <a:solidFill>
                 <a:srgbClr val="202124"/>
               </a:solidFill>
-              <a:latin typeface="Raleway Thin"/>
-              <a:ea typeface="Raleway Thin"/>
-              <a:cs typeface="Raleway Thin"/>
-              <a:sym typeface="Raleway Thin"/>
+              <a:latin typeface="Raleway"/>
+              <a:ea typeface="Raleway"/>
+              <a:cs typeface="Raleway"/>
+              <a:sym typeface="Raleway"/>
             </a:endParaRPr>
           </a:p>
         </p:txBody>
@@ -14177,6 +17648,10 @@
           <a:prstGeom prst="rect">
             <a:avLst/>
           </a:prstGeom>
+          <a:noFill/>
+          <a:ln>
+            <a:noFill/>
+          </a:ln>
         </p:spPr>
         <p:txBody>
           <a:bodyPr anchorCtr="0" anchor="t" bIns="91425" lIns="91425" spcFirstLastPara="1" rIns="91425" wrap="square" tIns="91425">
@@ -14242,8 +17717,8 @@
             </a:solidFill>
             <a:prstDash val="solid"/>
             <a:round/>
-            <a:headEnd len="med" w="med" type="none"/>
-            <a:tailEnd len="med" w="med" type="none"/>
+            <a:headEnd len="sm" w="sm" type="none"/>
+            <a:tailEnd len="sm" w="sm" type="none"/>
           </a:ln>
         </p:spPr>
       </p:cxnSp>
@@ -14253,13 +17728,12 @@
           <p:cNvPicPr preferRelativeResize="0"/>
           <p:nvPr/>
         </p:nvPicPr>
-        <p:blipFill>
+        <p:blipFill rotWithShape="1">
           <a:blip r:embed="rId3">
             <a:alphaModFix/>
           </a:blip>
-          <a:stretch>
-            <a:fillRect/>
-          </a:stretch>
+          <a:srcRect b="0" l="0" r="0" t="0"/>
+          <a:stretch/>
         </p:blipFill>
         <p:spPr>
           <a:xfrm>
@@ -14508,12 +17982,16 @@
         </p:nvSpPr>
         <p:spPr>
           <a:xfrm>
-            <a:off x="510325" y="175200"/>
+            <a:off x="510325" y="251400"/>
             <a:ext cx="2459400" cy="368100"/>
           </a:xfrm>
           <a:prstGeom prst="rect">
             <a:avLst/>
           </a:prstGeom>
+          <a:noFill/>
+          <a:ln>
+            <a:noFill/>
+          </a:ln>
         </p:spPr>
         <p:txBody>
           <a:bodyPr anchorCtr="0" anchor="t" bIns="91425" lIns="91425" spcFirstLastPara="1" rIns="91425" wrap="square" tIns="91425">
@@ -14566,7 +18044,7 @@
         </p:nvCxnSpPr>
         <p:spPr>
           <a:xfrm>
-            <a:off x="0" y="662850"/>
+            <a:off x="0" y="739050"/>
             <a:ext cx="2326500" cy="0"/>
           </a:xfrm>
           <a:prstGeom prst="straightConnector1">
@@ -14579,8 +18057,8 @@
             </a:solidFill>
             <a:prstDash val="solid"/>
             <a:round/>
-            <a:headEnd len="med" w="med" type="none"/>
-            <a:tailEnd len="med" w="med" type="none"/>
+            <a:headEnd len="sm" w="sm" type="none"/>
+            <a:tailEnd len="sm" w="sm" type="none"/>
           </a:ln>
         </p:spPr>
       </p:cxnSp>
@@ -14590,13 +18068,12 @@
           <p:cNvPicPr preferRelativeResize="0"/>
           <p:nvPr/>
         </p:nvPicPr>
-        <p:blipFill>
+        <p:blipFill rotWithShape="1">
           <a:blip r:embed="rId3">
             <a:alphaModFix/>
           </a:blip>
-          <a:stretch>
-            <a:fillRect/>
-          </a:stretch>
+          <a:srcRect b="0" l="0" r="0" t="0"/>
+          <a:stretch/>
         </p:blipFill>
         <p:spPr>
           <a:xfrm>
@@ -14618,13 +18095,12 @@
           <p:cNvPicPr preferRelativeResize="0"/>
           <p:nvPr/>
         </p:nvPicPr>
-        <p:blipFill>
+        <p:blipFill rotWithShape="1">
           <a:blip r:embed="rId4">
             <a:alphaModFix/>
           </a:blip>
-          <a:stretch>
-            <a:fillRect/>
-          </a:stretch>
+          <a:srcRect b="0" l="0" r="0" t="0"/>
+          <a:stretch/>
         </p:blipFill>
         <p:spPr>
           <a:xfrm>
@@ -14646,13 +18122,12 @@
           <p:cNvPicPr preferRelativeResize="0"/>
           <p:nvPr/>
         </p:nvPicPr>
-        <p:blipFill>
+        <p:blipFill rotWithShape="1">
           <a:blip r:embed="rId5">
             <a:alphaModFix/>
           </a:blip>
-          <a:stretch>
-            <a:fillRect/>
-          </a:stretch>
+          <a:srcRect b="0" l="0" r="0" t="0"/>
+          <a:stretch/>
         </p:blipFill>
         <p:spPr>
           <a:xfrm>
@@ -14936,12 +18411,16 @@
         </p:nvSpPr>
         <p:spPr>
           <a:xfrm>
-            <a:off x="510325" y="175200"/>
+            <a:off x="510325" y="251400"/>
             <a:ext cx="2459400" cy="368100"/>
           </a:xfrm>
           <a:prstGeom prst="rect">
             <a:avLst/>
           </a:prstGeom>
+          <a:noFill/>
+          <a:ln>
+            <a:noFill/>
+          </a:ln>
         </p:spPr>
         <p:txBody>
           <a:bodyPr anchorCtr="0" anchor="t" bIns="91425" lIns="91425" spcFirstLastPara="1" rIns="91425" wrap="square" tIns="91425">
@@ -14994,7 +18473,7 @@
         </p:nvCxnSpPr>
         <p:spPr>
           <a:xfrm>
-            <a:off x="0" y="662850"/>
+            <a:off x="0" y="739050"/>
             <a:ext cx="2326500" cy="0"/>
           </a:xfrm>
           <a:prstGeom prst="straightConnector1">
@@ -15007,8 +18486,8 @@
             </a:solidFill>
             <a:prstDash val="solid"/>
             <a:round/>
-            <a:headEnd len="med" w="med" type="none"/>
-            <a:tailEnd len="med" w="med" type="none"/>
+            <a:headEnd len="sm" w="sm" type="none"/>
+            <a:tailEnd len="sm" w="sm" type="none"/>
           </a:ln>
         </p:spPr>
       </p:cxnSp>
@@ -15018,13 +18497,12 @@
           <p:cNvPicPr preferRelativeResize="0"/>
           <p:nvPr/>
         </p:nvPicPr>
-        <p:blipFill>
+        <p:blipFill rotWithShape="1">
           <a:blip r:embed="rId3">
             <a:alphaModFix/>
           </a:blip>
-          <a:stretch>
-            <a:fillRect/>
-          </a:stretch>
+          <a:srcRect b="0" l="0" r="0" t="0"/>
+          <a:stretch/>
         </p:blipFill>
         <p:spPr>
           <a:xfrm>
@@ -15046,13 +18524,12 @@
           <p:cNvPicPr preferRelativeResize="0"/>
           <p:nvPr/>
         </p:nvPicPr>
-        <p:blipFill>
+        <p:blipFill rotWithShape="1">
           <a:blip r:embed="rId4">
             <a:alphaModFix/>
           </a:blip>
-          <a:stretch>
-            <a:fillRect/>
-          </a:stretch>
+          <a:srcRect b="0" l="0" r="0" t="0"/>
+          <a:stretch/>
         </p:blipFill>
         <p:spPr>
           <a:xfrm>
@@ -15074,13 +18551,12 @@
           <p:cNvPicPr preferRelativeResize="0"/>
           <p:nvPr/>
         </p:nvPicPr>
-        <p:blipFill>
+        <p:blipFill rotWithShape="1">
           <a:blip r:embed="rId5">
             <a:alphaModFix/>
           </a:blip>
-          <a:stretch>
-            <a:fillRect/>
-          </a:stretch>
+          <a:srcRect b="0" l="0" r="0" t="0"/>
+          <a:stretch/>
         </p:blipFill>
         <p:spPr>
           <a:xfrm>
@@ -15102,13 +18578,12 @@
           <p:cNvPicPr preferRelativeResize="0"/>
           <p:nvPr/>
         </p:nvPicPr>
-        <p:blipFill>
+        <p:blipFill rotWithShape="1">
           <a:blip r:embed="rId6">
             <a:alphaModFix/>
           </a:blip>
-          <a:stretch>
-            <a:fillRect/>
-          </a:stretch>
+          <a:srcRect b="0" l="0" r="0" t="0"/>
+          <a:stretch/>
         </p:blipFill>
         <p:spPr>
           <a:xfrm>
@@ -15427,12 +18902,16 @@
         </p:nvSpPr>
         <p:spPr>
           <a:xfrm>
-            <a:off x="510325" y="175200"/>
+            <a:off x="510325" y="251400"/>
             <a:ext cx="2459400" cy="368100"/>
           </a:xfrm>
           <a:prstGeom prst="rect">
             <a:avLst/>
           </a:prstGeom>
+          <a:noFill/>
+          <a:ln>
+            <a:noFill/>
+          </a:ln>
         </p:spPr>
         <p:txBody>
           <a:bodyPr anchorCtr="0" anchor="t" bIns="91425" lIns="91425" spcFirstLastPara="1" rIns="91425" wrap="square" tIns="91425">
@@ -15485,7 +18964,7 @@
         </p:nvCxnSpPr>
         <p:spPr>
           <a:xfrm>
-            <a:off x="0" y="662850"/>
+            <a:off x="0" y="739050"/>
             <a:ext cx="2326500" cy="0"/>
           </a:xfrm>
           <a:prstGeom prst="straightConnector1">
@@ -15498,8 +18977,8 @@
             </a:solidFill>
             <a:prstDash val="solid"/>
             <a:round/>
-            <a:headEnd len="med" w="med" type="none"/>
-            <a:tailEnd len="med" w="med" type="none"/>
+            <a:headEnd len="sm" w="sm" type="none"/>
+            <a:tailEnd len="sm" w="sm" type="none"/>
           </a:ln>
         </p:spPr>
       </p:cxnSp>
@@ -15509,13 +18988,12 @@
           <p:cNvPicPr preferRelativeResize="0"/>
           <p:nvPr/>
         </p:nvPicPr>
-        <p:blipFill>
+        <p:blipFill rotWithShape="1">
           <a:blip r:embed="rId3">
             <a:alphaModFix/>
           </a:blip>
-          <a:stretch>
-            <a:fillRect/>
-          </a:stretch>
+          <a:srcRect b="0" l="0" r="0" t="0"/>
+          <a:stretch/>
         </p:blipFill>
         <p:spPr>
           <a:xfrm>
@@ -15537,13 +19015,12 @@
           <p:cNvPicPr preferRelativeResize="0"/>
           <p:nvPr/>
         </p:nvPicPr>
-        <p:blipFill>
+        <p:blipFill rotWithShape="1">
           <a:blip r:embed="rId4">
             <a:alphaModFix/>
           </a:blip>
-          <a:stretch>
-            <a:fillRect/>
-          </a:stretch>
+          <a:srcRect b="0" l="0" r="0" t="0"/>
+          <a:stretch/>
         </p:blipFill>
         <p:spPr>
           <a:xfrm>
@@ -15565,13 +19042,12 @@
           <p:cNvPicPr preferRelativeResize="0"/>
           <p:nvPr/>
         </p:nvPicPr>
-        <p:blipFill>
+        <p:blipFill rotWithShape="1">
           <a:blip r:embed="rId5">
             <a:alphaModFix/>
           </a:blip>
-          <a:stretch>
-            <a:fillRect/>
-          </a:stretch>
+          <a:srcRect b="0" l="0" r="0" t="0"/>
+          <a:stretch/>
         </p:blipFill>
         <p:spPr>
           <a:xfrm>
@@ -15861,6 +19337,10 @@
           <a:prstGeom prst="rect">
             <a:avLst/>
           </a:prstGeom>
+          <a:noFill/>
+          <a:ln>
+            <a:noFill/>
+          </a:ln>
         </p:spPr>
         <p:txBody>
           <a:bodyPr anchorCtr="0" anchor="t" bIns="91425" lIns="91425" spcFirstLastPara="1" rIns="91425" wrap="square" tIns="91425">
@@ -15926,8 +19406,8 @@
             </a:solidFill>
             <a:prstDash val="solid"/>
             <a:round/>
-            <a:headEnd len="med" w="med" type="none"/>
-            <a:tailEnd len="med" w="med" type="none"/>
+            <a:headEnd len="sm" w="sm" type="none"/>
+            <a:tailEnd len="sm" w="sm" type="none"/>
           </a:ln>
         </p:spPr>
       </p:cxnSp>
@@ -15937,13 +19417,12 @@
           <p:cNvPicPr preferRelativeResize="0"/>
           <p:nvPr/>
         </p:nvPicPr>
-        <p:blipFill>
+        <p:blipFill rotWithShape="1">
           <a:blip r:embed="rId3">
             <a:alphaModFix/>
           </a:blip>
-          <a:stretch>
-            <a:fillRect/>
-          </a:stretch>
+          <a:srcRect b="0" l="0" r="0" t="0"/>
+          <a:stretch/>
         </p:blipFill>
         <p:spPr>
           <a:xfrm>
@@ -15965,13 +19444,12 @@
           <p:cNvPicPr preferRelativeResize="0"/>
           <p:nvPr/>
         </p:nvPicPr>
-        <p:blipFill>
+        <p:blipFill rotWithShape="1">
           <a:blip r:embed="rId4">
             <a:alphaModFix/>
           </a:blip>
-          <a:stretch>
-            <a:fillRect/>
-          </a:stretch>
+          <a:srcRect b="0" l="0" r="0" t="0"/>
+          <a:stretch/>
         </p:blipFill>
         <p:spPr>
           <a:xfrm>
@@ -16191,6 +19669,10 @@
           <a:prstGeom prst="rect">
             <a:avLst/>
           </a:prstGeom>
+          <a:noFill/>
+          <a:ln>
+            <a:noFill/>
+          </a:ln>
         </p:spPr>
         <p:txBody>
           <a:bodyPr anchorCtr="0" anchor="t" bIns="91425" lIns="91425" spcFirstLastPara="1" rIns="91425" wrap="square" tIns="91425">
@@ -16256,8 +19738,8 @@
             </a:solidFill>
             <a:prstDash val="solid"/>
             <a:round/>
-            <a:headEnd len="med" w="med" type="none"/>
-            <a:tailEnd len="med" w="med" type="none"/>
+            <a:headEnd len="sm" w="sm" type="none"/>
+            <a:tailEnd len="sm" w="sm" type="none"/>
           </a:ln>
         </p:spPr>
       </p:cxnSp>
@@ -16267,13 +19749,12 @@
           <p:cNvPicPr preferRelativeResize="0"/>
           <p:nvPr/>
         </p:nvPicPr>
-        <p:blipFill>
+        <p:blipFill rotWithShape="1">
           <a:blip r:embed="rId3">
             <a:alphaModFix/>
           </a:blip>
-          <a:stretch>
-            <a:fillRect/>
-          </a:stretch>
+          <a:srcRect b="0" l="0" r="0" t="0"/>
+          <a:stretch/>
         </p:blipFill>
         <p:spPr>
           <a:xfrm>
@@ -16295,13 +19776,12 @@
           <p:cNvPicPr preferRelativeResize="0"/>
           <p:nvPr/>
         </p:nvPicPr>
-        <p:blipFill>
+        <p:blipFill rotWithShape="1">
           <a:blip r:embed="rId4">
             <a:alphaModFix/>
           </a:blip>
-          <a:stretch>
-            <a:fillRect/>
-          </a:stretch>
+          <a:srcRect b="0" l="0" r="0" t="0"/>
+          <a:stretch/>
         </p:blipFill>
         <p:spPr>
           <a:xfrm>
